--- a/Sales_Data_Analysis_Presentation.pptx
+++ b/Sales_Data_Analysis_Presentation.pptx
@@ -5,12 +5,13 @@
     <p:sldMasterId id="2147483648" r:id="rId1"/>
   </p:sldMasterIdLst>
   <p:sldIdLst>
-    <p:sldId id="256" r:id="rId7"/>
-    <p:sldId id="257" r:id="rId8"/>
-    <p:sldId id="258" r:id="rId9"/>
-    <p:sldId id="259" r:id="rId10"/>
-    <p:sldId id="260" r:id="rId11"/>
-    <p:sldId id="261" r:id="rId12"/>
+    <p:sldId id="256" r:id="rId2"/>
+    <p:sldId id="257" r:id="rId3"/>
+    <p:sldId id="258" r:id="rId4"/>
+    <p:sldId id="259" r:id="rId5"/>
+    <p:sldId id="260" r:id="rId6"/>
+    <p:sldId id="262" r:id="rId7"/>
+    <p:sldId id="261" r:id="rId8"/>
   </p:sldIdLst>
   <p:sldSz cx="9144000" cy="6858000" type="screen4x3"/>
   <p:notesSz cx="6858000" cy="9144000"/>
@@ -109,6 +110,22 @@
       </a:defRPr>
     </a:lvl9pPr>
   </p:defaultTextStyle>
+  <p:extLst>
+    <p:ext uri="{EFAFB233-063F-42B5-8137-9DF3F51BA10A}">
+      <p15:sldGuideLst xmlns:p15="http://schemas.microsoft.com/office/powerpoint/2012/main">
+        <p15:guide id="1" orient="horz" pos="2160">
+          <p15:clr>
+            <a:srgbClr val="A4A3A4"/>
+          </p15:clr>
+        </p15:guide>
+        <p15:guide id="2" pos="2880">
+          <p15:clr>
+            <a:srgbClr val="A4A3A4"/>
+          </p15:clr>
+        </p15:guide>
+      </p15:sldGuideLst>
+    </p:ext>
+  </p:extLst>
 </p:presentation>
 </file>
 
@@ -150,10 +167,9 @@
           <a:lstStyle/>
           <a:p>
             <a:r>
-              <a:rPr lang="en-US" smtClean="0"/>
+              <a:rPr lang="en-US"/>
               <a:t>Click to edit Master title style</a:t>
             </a:r>
-            <a:endParaRPr lang="en-US"/>
           </a:p>
         </p:txBody>
       </p:sp>
@@ -269,10 +285,9 @@
           </a:lstStyle>
           <a:p>
             <a:r>
-              <a:rPr lang="en-US" smtClean="0"/>
+              <a:rPr lang="en-US"/>
               <a:t>Click to edit Master subtitle style</a:t>
             </a:r>
-            <a:endParaRPr lang="en-US"/>
           </a:p>
         </p:txBody>
       </p:sp>
@@ -293,7 +308,7 @@
           <a:p>
             <a:fld id="{5BCAD085-E8A6-8845-BD4E-CB4CCA059FC4}" type="datetimeFigureOut">
               <a:rPr lang="en-US" smtClean="0"/>
-              <a:t>1/27/13</a:t>
+              <a:t>3/16/25</a:t>
             </a:fld>
             <a:endParaRPr lang="en-US"/>
           </a:p>
@@ -387,10 +402,9 @@
           <a:lstStyle/>
           <a:p>
             <a:r>
-              <a:rPr lang="en-US" smtClean="0"/>
+              <a:rPr lang="en-US"/>
               <a:t>Click to edit Master title style</a:t>
             </a:r>
-            <a:endParaRPr lang="en-US"/>
           </a:p>
         </p:txBody>
       </p:sp>
@@ -411,38 +425,37 @@
           <a:p>
             <a:pPr lvl="0"/>
             <a:r>
-              <a:rPr lang="en-US" smtClean="0"/>
+              <a:rPr lang="en-US"/>
               <a:t>Click to edit Master text styles</a:t>
             </a:r>
           </a:p>
           <a:p>
             <a:pPr lvl="1"/>
             <a:r>
-              <a:rPr lang="en-US" smtClean="0"/>
+              <a:rPr lang="en-US"/>
               <a:t>Second level</a:t>
             </a:r>
           </a:p>
           <a:p>
             <a:pPr lvl="2"/>
             <a:r>
-              <a:rPr lang="en-US" smtClean="0"/>
+              <a:rPr lang="en-US"/>
               <a:t>Third level</a:t>
             </a:r>
           </a:p>
           <a:p>
             <a:pPr lvl="3"/>
             <a:r>
-              <a:rPr lang="en-US" smtClean="0"/>
+              <a:rPr lang="en-US"/>
               <a:t>Fourth level</a:t>
             </a:r>
           </a:p>
           <a:p>
             <a:pPr lvl="4"/>
             <a:r>
-              <a:rPr lang="en-US" smtClean="0"/>
+              <a:rPr lang="en-US"/>
               <a:t>Fifth level</a:t>
             </a:r>
-            <a:endParaRPr lang="en-US"/>
           </a:p>
         </p:txBody>
       </p:sp>
@@ -463,7 +476,7 @@
           <a:p>
             <a:fld id="{5BCAD085-E8A6-8845-BD4E-CB4CCA059FC4}" type="datetimeFigureOut">
               <a:rPr lang="en-US" smtClean="0"/>
-              <a:t>1/27/13</a:t>
+              <a:t>3/16/25</a:t>
             </a:fld>
             <a:endParaRPr lang="en-US"/>
           </a:p>
@@ -562,10 +575,9 @@
           <a:lstStyle/>
           <a:p>
             <a:r>
-              <a:rPr lang="en-US" smtClean="0"/>
+              <a:rPr lang="en-US"/>
               <a:t>Click to edit Master title style</a:t>
             </a:r>
-            <a:endParaRPr lang="en-US"/>
           </a:p>
         </p:txBody>
       </p:sp>
@@ -591,38 +603,37 @@
           <a:p>
             <a:pPr lvl="0"/>
             <a:r>
-              <a:rPr lang="en-US" smtClean="0"/>
+              <a:rPr lang="en-US"/>
               <a:t>Click to edit Master text styles</a:t>
             </a:r>
           </a:p>
           <a:p>
             <a:pPr lvl="1"/>
             <a:r>
-              <a:rPr lang="en-US" smtClean="0"/>
+              <a:rPr lang="en-US"/>
               <a:t>Second level</a:t>
             </a:r>
           </a:p>
           <a:p>
             <a:pPr lvl="2"/>
             <a:r>
-              <a:rPr lang="en-US" smtClean="0"/>
+              <a:rPr lang="en-US"/>
               <a:t>Third level</a:t>
             </a:r>
           </a:p>
           <a:p>
             <a:pPr lvl="3"/>
             <a:r>
-              <a:rPr lang="en-US" smtClean="0"/>
+              <a:rPr lang="en-US"/>
               <a:t>Fourth level</a:t>
             </a:r>
           </a:p>
           <a:p>
             <a:pPr lvl="4"/>
             <a:r>
-              <a:rPr lang="en-US" smtClean="0"/>
+              <a:rPr lang="en-US"/>
               <a:t>Fifth level</a:t>
             </a:r>
-            <a:endParaRPr lang="en-US"/>
           </a:p>
         </p:txBody>
       </p:sp>
@@ -643,7 +654,7 @@
           <a:p>
             <a:fld id="{5BCAD085-E8A6-8845-BD4E-CB4CCA059FC4}" type="datetimeFigureOut">
               <a:rPr lang="en-US" smtClean="0"/>
-              <a:t>1/27/13</a:t>
+              <a:t>3/16/25</a:t>
             </a:fld>
             <a:endParaRPr lang="en-US"/>
           </a:p>
@@ -737,10 +748,9 @@
           <a:lstStyle/>
           <a:p>
             <a:r>
-              <a:rPr lang="en-US" smtClean="0"/>
+              <a:rPr lang="en-US"/>
               <a:t>Click to edit Master title style</a:t>
             </a:r>
-            <a:endParaRPr lang="en-US"/>
           </a:p>
         </p:txBody>
       </p:sp>
@@ -761,38 +771,37 @@
           <a:p>
             <a:pPr lvl="0"/>
             <a:r>
-              <a:rPr lang="en-US" smtClean="0"/>
+              <a:rPr lang="en-US"/>
               <a:t>Click to edit Master text styles</a:t>
             </a:r>
           </a:p>
           <a:p>
             <a:pPr lvl="1"/>
             <a:r>
-              <a:rPr lang="en-US" smtClean="0"/>
+              <a:rPr lang="en-US"/>
               <a:t>Second level</a:t>
             </a:r>
           </a:p>
           <a:p>
             <a:pPr lvl="2"/>
             <a:r>
-              <a:rPr lang="en-US" smtClean="0"/>
+              <a:rPr lang="en-US"/>
               <a:t>Third level</a:t>
             </a:r>
           </a:p>
           <a:p>
             <a:pPr lvl="3"/>
             <a:r>
-              <a:rPr lang="en-US" smtClean="0"/>
+              <a:rPr lang="en-US"/>
               <a:t>Fourth level</a:t>
             </a:r>
           </a:p>
           <a:p>
             <a:pPr lvl="4"/>
             <a:r>
-              <a:rPr lang="en-US" smtClean="0"/>
+              <a:rPr lang="en-US"/>
               <a:t>Fifth level</a:t>
             </a:r>
-            <a:endParaRPr lang="en-US"/>
           </a:p>
         </p:txBody>
       </p:sp>
@@ -813,7 +822,7 @@
           <a:p>
             <a:fld id="{5BCAD085-E8A6-8845-BD4E-CB4CCA059FC4}" type="datetimeFigureOut">
               <a:rPr lang="en-US" smtClean="0"/>
-              <a:t>1/27/13</a:t>
+              <a:t>3/16/25</a:t>
             </a:fld>
             <a:endParaRPr lang="en-US"/>
           </a:p>
@@ -916,10 +925,9 @@
           </a:lstStyle>
           <a:p>
             <a:r>
-              <a:rPr lang="en-US" smtClean="0"/>
+              <a:rPr lang="en-US"/>
               <a:t>Click to edit Master title style</a:t>
             </a:r>
-            <a:endParaRPr lang="en-US"/>
           </a:p>
         </p:txBody>
       </p:sp>
@@ -1036,7 +1044,7 @@
           <a:p>
             <a:pPr lvl="0"/>
             <a:r>
-              <a:rPr lang="en-US" smtClean="0"/>
+              <a:rPr lang="en-US"/>
               <a:t>Click to edit Master text styles</a:t>
             </a:r>
           </a:p>
@@ -1059,7 +1067,7 @@
           <a:p>
             <a:fld id="{5BCAD085-E8A6-8845-BD4E-CB4CCA059FC4}" type="datetimeFigureOut">
               <a:rPr lang="en-US" smtClean="0"/>
-              <a:t>1/27/13</a:t>
+              <a:t>3/16/25</a:t>
             </a:fld>
             <a:endParaRPr lang="en-US"/>
           </a:p>
@@ -1153,10 +1161,9 @@
           <a:lstStyle/>
           <a:p>
             <a:r>
-              <a:rPr lang="en-US" smtClean="0"/>
+              <a:rPr lang="en-US"/>
               <a:t>Click to edit Master title style</a:t>
             </a:r>
-            <a:endParaRPr lang="en-US"/>
           </a:p>
         </p:txBody>
       </p:sp>
@@ -1210,38 +1217,37 @@
           <a:p>
             <a:pPr lvl="0"/>
             <a:r>
-              <a:rPr lang="en-US" smtClean="0"/>
+              <a:rPr lang="en-US"/>
               <a:t>Click to edit Master text styles</a:t>
             </a:r>
           </a:p>
           <a:p>
             <a:pPr lvl="1"/>
             <a:r>
-              <a:rPr lang="en-US" smtClean="0"/>
+              <a:rPr lang="en-US"/>
               <a:t>Second level</a:t>
             </a:r>
           </a:p>
           <a:p>
             <a:pPr lvl="2"/>
             <a:r>
-              <a:rPr lang="en-US" smtClean="0"/>
+              <a:rPr lang="en-US"/>
               <a:t>Third level</a:t>
             </a:r>
           </a:p>
           <a:p>
             <a:pPr lvl="3"/>
             <a:r>
-              <a:rPr lang="en-US" smtClean="0"/>
+              <a:rPr lang="en-US"/>
               <a:t>Fourth level</a:t>
             </a:r>
           </a:p>
           <a:p>
             <a:pPr lvl="4"/>
             <a:r>
-              <a:rPr lang="en-US" smtClean="0"/>
+              <a:rPr lang="en-US"/>
               <a:t>Fifth level</a:t>
             </a:r>
-            <a:endParaRPr lang="en-US"/>
           </a:p>
         </p:txBody>
       </p:sp>
@@ -1295,38 +1301,37 @@
           <a:p>
             <a:pPr lvl="0"/>
             <a:r>
-              <a:rPr lang="en-US" smtClean="0"/>
+              <a:rPr lang="en-US"/>
               <a:t>Click to edit Master text styles</a:t>
             </a:r>
           </a:p>
           <a:p>
             <a:pPr lvl="1"/>
             <a:r>
-              <a:rPr lang="en-US" smtClean="0"/>
+              <a:rPr lang="en-US"/>
               <a:t>Second level</a:t>
             </a:r>
           </a:p>
           <a:p>
             <a:pPr lvl="2"/>
             <a:r>
-              <a:rPr lang="en-US" smtClean="0"/>
+              <a:rPr lang="en-US"/>
               <a:t>Third level</a:t>
             </a:r>
           </a:p>
           <a:p>
             <a:pPr lvl="3"/>
             <a:r>
-              <a:rPr lang="en-US" smtClean="0"/>
+              <a:rPr lang="en-US"/>
               <a:t>Fourth level</a:t>
             </a:r>
           </a:p>
           <a:p>
             <a:pPr lvl="4"/>
             <a:r>
-              <a:rPr lang="en-US" smtClean="0"/>
+              <a:rPr lang="en-US"/>
               <a:t>Fifth level</a:t>
             </a:r>
-            <a:endParaRPr lang="en-US"/>
           </a:p>
         </p:txBody>
       </p:sp>
@@ -1347,7 +1352,7 @@
           <a:p>
             <a:fld id="{5BCAD085-E8A6-8845-BD4E-CB4CCA059FC4}" type="datetimeFigureOut">
               <a:rPr lang="en-US" smtClean="0"/>
-              <a:t>1/27/13</a:t>
+              <a:t>3/16/25</a:t>
             </a:fld>
             <a:endParaRPr lang="en-US"/>
           </a:p>
@@ -1445,10 +1450,9 @@
           </a:lstStyle>
           <a:p>
             <a:r>
-              <a:rPr lang="en-US" smtClean="0"/>
+              <a:rPr lang="en-US"/>
               <a:t>Click to edit Master title style</a:t>
             </a:r>
-            <a:endParaRPr lang="en-US"/>
           </a:p>
         </p:txBody>
       </p:sp>
@@ -1511,7 +1515,7 @@
           <a:p>
             <a:pPr lvl="0"/>
             <a:r>
-              <a:rPr lang="en-US" smtClean="0"/>
+              <a:rPr lang="en-US"/>
               <a:t>Click to edit Master text styles</a:t>
             </a:r>
           </a:p>
@@ -1567,38 +1571,37 @@
           <a:p>
             <a:pPr lvl="0"/>
             <a:r>
-              <a:rPr lang="en-US" smtClean="0"/>
+              <a:rPr lang="en-US"/>
               <a:t>Click to edit Master text styles</a:t>
             </a:r>
           </a:p>
           <a:p>
             <a:pPr lvl="1"/>
             <a:r>
-              <a:rPr lang="en-US" smtClean="0"/>
+              <a:rPr lang="en-US"/>
               <a:t>Second level</a:t>
             </a:r>
           </a:p>
           <a:p>
             <a:pPr lvl="2"/>
             <a:r>
-              <a:rPr lang="en-US" smtClean="0"/>
+              <a:rPr lang="en-US"/>
               <a:t>Third level</a:t>
             </a:r>
           </a:p>
           <a:p>
             <a:pPr lvl="3"/>
             <a:r>
-              <a:rPr lang="en-US" smtClean="0"/>
+              <a:rPr lang="en-US"/>
               <a:t>Fourth level</a:t>
             </a:r>
           </a:p>
           <a:p>
             <a:pPr lvl="4"/>
             <a:r>
-              <a:rPr lang="en-US" smtClean="0"/>
+              <a:rPr lang="en-US"/>
               <a:t>Fifth level</a:t>
             </a:r>
-            <a:endParaRPr lang="en-US"/>
           </a:p>
         </p:txBody>
       </p:sp>
@@ -1661,7 +1664,7 @@
           <a:p>
             <a:pPr lvl="0"/>
             <a:r>
-              <a:rPr lang="en-US" smtClean="0"/>
+              <a:rPr lang="en-US"/>
               <a:t>Click to edit Master text styles</a:t>
             </a:r>
           </a:p>
@@ -1717,38 +1720,37 @@
           <a:p>
             <a:pPr lvl="0"/>
             <a:r>
-              <a:rPr lang="en-US" smtClean="0"/>
+              <a:rPr lang="en-US"/>
               <a:t>Click to edit Master text styles</a:t>
             </a:r>
           </a:p>
           <a:p>
             <a:pPr lvl="1"/>
             <a:r>
-              <a:rPr lang="en-US" smtClean="0"/>
+              <a:rPr lang="en-US"/>
               <a:t>Second level</a:t>
             </a:r>
           </a:p>
           <a:p>
             <a:pPr lvl="2"/>
             <a:r>
-              <a:rPr lang="en-US" smtClean="0"/>
+              <a:rPr lang="en-US"/>
               <a:t>Third level</a:t>
             </a:r>
           </a:p>
           <a:p>
             <a:pPr lvl="3"/>
             <a:r>
-              <a:rPr lang="en-US" smtClean="0"/>
+              <a:rPr lang="en-US"/>
               <a:t>Fourth level</a:t>
             </a:r>
           </a:p>
           <a:p>
             <a:pPr lvl="4"/>
             <a:r>
-              <a:rPr lang="en-US" smtClean="0"/>
+              <a:rPr lang="en-US"/>
               <a:t>Fifth level</a:t>
             </a:r>
-            <a:endParaRPr lang="en-US"/>
           </a:p>
         </p:txBody>
       </p:sp>
@@ -1769,7 +1771,7 @@
           <a:p>
             <a:fld id="{5BCAD085-E8A6-8845-BD4E-CB4CCA059FC4}" type="datetimeFigureOut">
               <a:rPr lang="en-US" smtClean="0"/>
-              <a:t>1/27/13</a:t>
+              <a:t>3/16/25</a:t>
             </a:fld>
             <a:endParaRPr lang="en-US"/>
           </a:p>
@@ -1863,10 +1865,9 @@
           <a:lstStyle/>
           <a:p>
             <a:r>
-              <a:rPr lang="en-US" smtClean="0"/>
+              <a:rPr lang="en-US"/>
               <a:t>Click to edit Master title style</a:t>
             </a:r>
-            <a:endParaRPr lang="en-US"/>
           </a:p>
         </p:txBody>
       </p:sp>
@@ -1887,7 +1888,7 @@
           <a:p>
             <a:fld id="{5BCAD085-E8A6-8845-BD4E-CB4CCA059FC4}" type="datetimeFigureOut">
               <a:rPr lang="en-US" smtClean="0"/>
-              <a:t>1/27/13</a:t>
+              <a:t>3/16/25</a:t>
             </a:fld>
             <a:endParaRPr lang="en-US"/>
           </a:p>
@@ -1982,7 +1983,7 @@
           <a:p>
             <a:fld id="{5BCAD085-E8A6-8845-BD4E-CB4CCA059FC4}" type="datetimeFigureOut">
               <a:rPr lang="en-US" smtClean="0"/>
-              <a:t>1/27/13</a:t>
+              <a:t>3/16/25</a:t>
             </a:fld>
             <a:endParaRPr lang="en-US"/>
           </a:p>
@@ -2085,10 +2086,9 @@
           </a:lstStyle>
           <a:p>
             <a:r>
-              <a:rPr lang="en-US" smtClean="0"/>
+              <a:rPr lang="en-US"/>
               <a:t>Click to edit Master title style</a:t>
             </a:r>
-            <a:endParaRPr lang="en-US"/>
           </a:p>
         </p:txBody>
       </p:sp>
@@ -2142,38 +2142,37 @@
           <a:p>
             <a:pPr lvl="0"/>
             <a:r>
-              <a:rPr lang="en-US" smtClean="0"/>
+              <a:rPr lang="en-US"/>
               <a:t>Click to edit Master text styles</a:t>
             </a:r>
           </a:p>
           <a:p>
             <a:pPr lvl="1"/>
             <a:r>
-              <a:rPr lang="en-US" smtClean="0"/>
+              <a:rPr lang="en-US"/>
               <a:t>Second level</a:t>
             </a:r>
           </a:p>
           <a:p>
             <a:pPr lvl="2"/>
             <a:r>
-              <a:rPr lang="en-US" smtClean="0"/>
+              <a:rPr lang="en-US"/>
               <a:t>Third level</a:t>
             </a:r>
           </a:p>
           <a:p>
             <a:pPr lvl="3"/>
             <a:r>
-              <a:rPr lang="en-US" smtClean="0"/>
+              <a:rPr lang="en-US"/>
               <a:t>Fourth level</a:t>
             </a:r>
           </a:p>
           <a:p>
             <a:pPr lvl="4"/>
             <a:r>
-              <a:rPr lang="en-US" smtClean="0"/>
+              <a:rPr lang="en-US"/>
               <a:t>Fifth level</a:t>
             </a:r>
-            <a:endParaRPr lang="en-US"/>
           </a:p>
         </p:txBody>
       </p:sp>
@@ -2236,7 +2235,7 @@
           <a:p>
             <a:pPr lvl="0"/>
             <a:r>
-              <a:rPr lang="en-US" smtClean="0"/>
+              <a:rPr lang="en-US"/>
               <a:t>Click to edit Master text styles</a:t>
             </a:r>
           </a:p>
@@ -2259,7 +2258,7 @@
           <a:p>
             <a:fld id="{5BCAD085-E8A6-8845-BD4E-CB4CCA059FC4}" type="datetimeFigureOut">
               <a:rPr lang="en-US" smtClean="0"/>
-              <a:t>1/27/13</a:t>
+              <a:t>3/16/25</a:t>
             </a:fld>
             <a:endParaRPr lang="en-US"/>
           </a:p>
@@ -2362,10 +2361,9 @@
           </a:lstStyle>
           <a:p>
             <a:r>
-              <a:rPr lang="en-US" smtClean="0"/>
+              <a:rPr lang="en-US"/>
               <a:t>Click to edit Master title style</a:t>
             </a:r>
-            <a:endParaRPr lang="en-US"/>
           </a:p>
         </p:txBody>
       </p:sp>
@@ -2489,7 +2487,7 @@
           <a:p>
             <a:pPr lvl="0"/>
             <a:r>
-              <a:rPr lang="en-US" smtClean="0"/>
+              <a:rPr lang="en-US"/>
               <a:t>Click to edit Master text styles</a:t>
             </a:r>
           </a:p>
@@ -2512,7 +2510,7 @@
           <a:p>
             <a:fld id="{5BCAD085-E8A6-8845-BD4E-CB4CCA059FC4}" type="datetimeFigureOut">
               <a:rPr lang="en-US" smtClean="0"/>
-              <a:t>1/27/13</a:t>
+              <a:t>3/16/25</a:t>
             </a:fld>
             <a:endParaRPr lang="en-US"/>
           </a:p>
@@ -2621,10 +2619,9 @@
           <a:lstStyle/>
           <a:p>
             <a:r>
-              <a:rPr lang="en-US" smtClean="0"/>
+              <a:rPr lang="en-US"/>
               <a:t>Click to edit Master title style</a:t>
             </a:r>
-            <a:endParaRPr lang="en-US"/>
           </a:p>
         </p:txBody>
       </p:sp>
@@ -2655,38 +2652,37 @@
           <a:p>
             <a:pPr lvl="0"/>
             <a:r>
-              <a:rPr lang="en-US" smtClean="0"/>
+              <a:rPr lang="en-US"/>
               <a:t>Click to edit Master text styles</a:t>
             </a:r>
           </a:p>
           <a:p>
             <a:pPr lvl="1"/>
             <a:r>
-              <a:rPr lang="en-US" smtClean="0"/>
+              <a:rPr lang="en-US"/>
               <a:t>Second level</a:t>
             </a:r>
           </a:p>
           <a:p>
             <a:pPr lvl="2"/>
             <a:r>
-              <a:rPr lang="en-US" smtClean="0"/>
+              <a:rPr lang="en-US"/>
               <a:t>Third level</a:t>
             </a:r>
           </a:p>
           <a:p>
             <a:pPr lvl="3"/>
             <a:r>
-              <a:rPr lang="en-US" smtClean="0"/>
+              <a:rPr lang="en-US"/>
               <a:t>Fourth level</a:t>
             </a:r>
           </a:p>
           <a:p>
             <a:pPr lvl="4"/>
             <a:r>
-              <a:rPr lang="en-US" smtClean="0"/>
+              <a:rPr lang="en-US"/>
               <a:t>Fifth level</a:t>
             </a:r>
-            <a:endParaRPr lang="en-US"/>
           </a:p>
         </p:txBody>
       </p:sp>
@@ -2725,7 +2721,7 @@
           <a:p>
             <a:fld id="{5BCAD085-E8A6-8845-BD4E-CB4CCA059FC4}" type="datetimeFigureOut">
               <a:rPr lang="en-US" smtClean="0"/>
-              <a:t>1/27/13</a:t>
+              <a:t>3/16/25</a:t>
             </a:fld>
             <a:endParaRPr lang="en-US"/>
           </a:p>
@@ -3084,15 +3080,90 @@
 </file>
 
 <file path=ppt/slides/slide1.xml><?xml version="1.0" encoding="utf-8"?>
-<p:sld xmlns:a="http://schemas.openxmlformats.org/drawingml/2006/main" xmlns:p="http://schemas.openxmlformats.org/presentationml/2006/main" xmlns:r="http://schemas.openxmlformats.org/officeDocument/2006/relationships">
+<p:sld xmlns:a="http://schemas.openxmlformats.org/drawingml/2006/main" xmlns:r="http://schemas.openxmlformats.org/officeDocument/2006/relationships" xmlns:p="http://schemas.openxmlformats.org/presentationml/2006/main">
   <p:cSld>
+    <p:bg>
+      <p:bgPr>
+        <a:solidFill>
+          <a:schemeClr val="bg1"/>
+        </a:solidFill>
+        <a:effectLst/>
+      </p:bgPr>
+    </p:bg>
     <p:spTree>
       <p:nvGrpSpPr>
         <p:cNvPr id="1" name=""/>
         <p:cNvGrpSpPr/>
         <p:nvPr/>
       </p:nvGrpSpPr>
-      <p:grpSpPr/>
+      <p:grpSpPr>
+        <a:xfrm>
+          <a:off x="0" y="0"/>
+          <a:ext cx="0" cy="0"/>
+          <a:chOff x="0" y="0"/>
+          <a:chExt cx="0" cy="0"/>
+        </a:xfrm>
+      </p:grpSpPr>
+      <p:sp useBgFill="1">
+        <p:nvSpPr>
+          <p:cNvPr id="9" name="Rectangle 8">
+            <a:extLst>
+              <a:ext uri="{FF2B5EF4-FFF2-40B4-BE49-F238E27FC236}">
+                <a16:creationId xmlns:a16="http://schemas.microsoft.com/office/drawing/2014/main" id="{7D9D36D6-2AC5-46A1-A849-4C82D5264A3A}"/>
+              </a:ext>
+              <a:ext uri="{C183D7F6-B498-43B3-948B-1728B52AA6E4}">
+                <adec:decorative xmlns:adec="http://schemas.microsoft.com/office/drawing/2017/decorative" val="1"/>
+              </a:ext>
+            </a:extLst>
+          </p:cNvPr>
+          <p:cNvSpPr>
+            <a:spLocks noGrp="1" noRot="1" noChangeAspect="1" noMove="1" noResize="1" noEditPoints="1" noAdjustHandles="1" noChangeArrowheads="1" noChangeShapeType="1" noTextEdit="1"/>
+          </p:cNvSpPr>
+          <p:nvPr>
+            <p:extLst>
+              <p:ext uri="{386F3935-93C4-4BCD-93E2-E3B085C9AB24}">
+                <p16:designElem xmlns:p16="http://schemas.microsoft.com/office/powerpoint/2015/main" val="1"/>
+              </p:ext>
+            </p:extLst>
+          </p:nvPr>
+        </p:nvSpPr>
+        <p:spPr>
+          <a:xfrm>
+            <a:off x="0" y="0"/>
+            <a:ext cx="9141713" cy="6858000"/>
+          </a:xfrm>
+          <a:prstGeom prst="rect">
+            <a:avLst/>
+          </a:prstGeom>
+          <a:ln>
+            <a:noFill/>
+          </a:ln>
+        </p:spPr>
+        <p:style>
+          <a:lnRef idx="2">
+            <a:schemeClr val="accent1">
+              <a:shade val="50000"/>
+            </a:schemeClr>
+          </a:lnRef>
+          <a:fillRef idx="1">
+            <a:schemeClr val="accent1"/>
+          </a:fillRef>
+          <a:effectRef idx="0">
+            <a:schemeClr val="accent1"/>
+          </a:effectRef>
+          <a:fontRef idx="minor">
+            <a:schemeClr val="lt1"/>
+          </a:fontRef>
+        </p:style>
+        <p:txBody>
+          <a:bodyPr rtlCol="0" anchor="ctr"/>
+          <a:lstStyle/>
+          <a:p>
+            <a:pPr algn="ctr"/>
+            <a:endParaRPr lang="en-US" dirty="0"/>
+          </a:p>
+        </p:txBody>
+      </p:sp>
       <p:sp>
         <p:nvSpPr>
           <p:cNvPr id="2" name="Title 1"/>
@@ -3103,12 +3174,22 @@
             <p:ph type="ctrTitle"/>
           </p:nvPr>
         </p:nvSpPr>
-        <p:spPr/>
-        <p:txBody>
-          <a:bodyPr/>
-          <a:lstStyle/>
-          <a:p>
-            <a:r>
+        <p:spPr>
+          <a:xfrm>
+            <a:off x="4016216" y="552182"/>
+            <a:ext cx="4499130" cy="3343135"/>
+          </a:xfrm>
+          <a:noFill/>
+        </p:spPr>
+        <p:txBody>
+          <a:bodyPr>
+            <a:normAutofit/>
+          </a:bodyPr>
+          <a:lstStyle/>
+          <a:p>
+            <a:pPr algn="l"/>
+            <a:r>
+              <a:rPr lang="en-US" sz="4500"/>
               <a:t>Sales Data Analysis</a:t>
             </a:r>
           </a:p>
@@ -3124,35 +3205,702 @@
             <p:ph type="subTitle" idx="1"/>
           </p:nvPr>
         </p:nvSpPr>
-        <p:spPr/>
-        <p:txBody>
-          <a:bodyPr/>
-          <a:lstStyle/>
-          <a:p>
-            <a:r>
+        <p:spPr>
+          <a:xfrm>
+            <a:off x="4016216" y="4067032"/>
+            <a:ext cx="4499130" cy="2067068"/>
+          </a:xfrm>
+          <a:noFill/>
+        </p:spPr>
+        <p:txBody>
+          <a:bodyPr>
+            <a:normAutofit/>
+          </a:bodyPr>
+          <a:lstStyle/>
+          <a:p>
+            <a:pPr algn="l"/>
+            <a:r>
+              <a:rPr dirty="0"/>
               <a:t>An overview of key insights and trends from sales data.</a:t>
             </a:r>
-          </a:p>
-        </p:txBody>
-      </p:sp>
+            <a:endParaRPr lang="en-US" dirty="0"/>
+          </a:p>
+        </p:txBody>
+      </p:sp>
+      <p:pic>
+        <p:nvPicPr>
+          <p:cNvPr id="5" name="Picture 4" descr="Digital graph of stock market">
+            <a:extLst>
+              <a:ext uri="{FF2B5EF4-FFF2-40B4-BE49-F238E27FC236}">
+                <a16:creationId xmlns:a16="http://schemas.microsoft.com/office/drawing/2014/main" id="{1327FBB3-5FFA-BFB4-B69F-941B036E61E5}"/>
+              </a:ext>
+            </a:extLst>
+          </p:cNvPr>
+          <p:cNvPicPr>
+            <a:picLocks noChangeAspect="1"/>
+          </p:cNvPicPr>
+          <p:nvPr/>
+        </p:nvPicPr>
+        <p:blipFill>
+          <a:blip r:embed="rId2"/>
+          <a:srcRect l="21913" r="37135"/>
+          <a:stretch/>
+        </p:blipFill>
+        <p:spPr>
+          <a:xfrm>
+            <a:off x="20" y="10"/>
+            <a:ext cx="3744733" cy="6857990"/>
+          </a:xfrm>
+          <a:prstGeom prst="rect">
+            <a:avLst/>
+          </a:prstGeom>
+        </p:spPr>
+      </p:pic>
     </p:spTree>
   </p:cSld>
   <p:clrMapOvr>
     <a:masterClrMapping/>
   </p:clrMapOvr>
+  <p:timing>
+    <p:tnLst>
+      <p:par>
+        <p:cTn id="1" dur="indefinite" restart="never" nodeType="tmRoot">
+          <p:childTnLst>
+            <p:seq concurrent="1" nextAc="seek">
+              <p:cTn id="2" dur="indefinite" nodeType="mainSeq">
+                <p:childTnLst>
+                  <p:par>
+                    <p:cTn id="3" fill="hold">
+                      <p:stCondLst>
+                        <p:cond delay="indefinite"/>
+                        <p:cond evt="onBegin" delay="0">
+                          <p:tn val="2"/>
+                        </p:cond>
+                      </p:stCondLst>
+                      <p:childTnLst>
+                        <p:par>
+                          <p:cTn id="4" fill="hold">
+                            <p:stCondLst>
+                              <p:cond delay="0"/>
+                            </p:stCondLst>
+                            <p:childTnLst>
+                              <p:par>
+                                <p:cTn id="5" presetID="10" presetClass="entr" presetSubtype="0" fill="hold" grpId="0" nodeType="withEffect">
+                                  <p:stCondLst>
+                                    <p:cond delay="1000"/>
+                                  </p:stCondLst>
+                                  <p:iterate type="lt">
+                                    <p:tmPct val="10000"/>
+                                  </p:iterate>
+                                  <p:childTnLst>
+                                    <p:set>
+                                      <p:cBhvr>
+                                        <p:cTn id="6" dur="1" fill="hold">
+                                          <p:stCondLst>
+                                            <p:cond delay="0"/>
+                                          </p:stCondLst>
+                                        </p:cTn>
+                                        <p:tgtEl>
+                                          <p:spTgt spid="2"/>
+                                        </p:tgtEl>
+                                        <p:attrNameLst>
+                                          <p:attrName>style.visibility</p:attrName>
+                                        </p:attrNameLst>
+                                      </p:cBhvr>
+                                      <p:to>
+                                        <p:strVal val="visible"/>
+                                      </p:to>
+                                    </p:set>
+                                    <p:animEffect transition="in" filter="fade">
+                                      <p:cBhvr>
+                                        <p:cTn id="7" dur="400"/>
+                                        <p:tgtEl>
+                                          <p:spTgt spid="2"/>
+                                        </p:tgtEl>
+                                      </p:cBhvr>
+                                    </p:animEffect>
+                                  </p:childTnLst>
+                                </p:cTn>
+                              </p:par>
+                              <p:par>
+                                <p:cTn id="8" presetID="10" presetClass="entr" presetSubtype="0" fill="hold" grpId="0" nodeType="withEffect">
+                                  <p:stCondLst>
+                                    <p:cond delay="2000"/>
+                                  </p:stCondLst>
+                                  <p:iterate type="lt">
+                                    <p:tmPct val="10000"/>
+                                  </p:iterate>
+                                  <p:childTnLst>
+                                    <p:set>
+                                      <p:cBhvr>
+                                        <p:cTn id="9" dur="1" fill="hold">
+                                          <p:stCondLst>
+                                            <p:cond delay="0"/>
+                                          </p:stCondLst>
+                                        </p:cTn>
+                                        <p:tgtEl>
+                                          <p:spTgt spid="3">
+                                            <p:txEl>
+                                              <p:pRg st="0" end="0"/>
+                                            </p:txEl>
+                                          </p:spTgt>
+                                        </p:tgtEl>
+                                        <p:attrNameLst>
+                                          <p:attrName>style.visibility</p:attrName>
+                                        </p:attrNameLst>
+                                      </p:cBhvr>
+                                      <p:to>
+                                        <p:strVal val="visible"/>
+                                      </p:to>
+                                    </p:set>
+                                    <p:animEffect transition="in" filter="fade">
+                                      <p:cBhvr>
+                                        <p:cTn id="10" dur="400"/>
+                                        <p:tgtEl>
+                                          <p:spTgt spid="3">
+                                            <p:txEl>
+                                              <p:pRg st="0" end="0"/>
+                                            </p:txEl>
+                                          </p:spTgt>
+                                        </p:tgtEl>
+                                      </p:cBhvr>
+                                    </p:animEffect>
+                                  </p:childTnLst>
+                                </p:cTn>
+                              </p:par>
+                            </p:childTnLst>
+                          </p:cTn>
+                        </p:par>
+                      </p:childTnLst>
+                    </p:cTn>
+                  </p:par>
+                </p:childTnLst>
+              </p:cTn>
+              <p:prevCondLst>
+                <p:cond evt="onPrev" delay="0">
+                  <p:tgtEl>
+                    <p:sldTgt/>
+                  </p:tgtEl>
+                </p:cond>
+              </p:prevCondLst>
+              <p:nextCondLst>
+                <p:cond evt="onNext" delay="0">
+                  <p:tgtEl>
+                    <p:sldTgt/>
+                  </p:tgtEl>
+                </p:cond>
+              </p:nextCondLst>
+            </p:seq>
+          </p:childTnLst>
+        </p:cTn>
+      </p:par>
+    </p:tnLst>
+    <p:bldLst>
+      <p:bldP spid="2" grpId="0"/>
+      <p:bldP spid="3" grpId="0" build="p"/>
+    </p:bldLst>
+  </p:timing>
 </p:sld>
 </file>
 
 <file path=ppt/slides/slide2.xml><?xml version="1.0" encoding="utf-8"?>
-<p:sld xmlns:a="http://schemas.openxmlformats.org/drawingml/2006/main" xmlns:p="http://schemas.openxmlformats.org/presentationml/2006/main" xmlns:r="http://schemas.openxmlformats.org/officeDocument/2006/relationships">
+<p:sld xmlns:a="http://schemas.openxmlformats.org/drawingml/2006/main" xmlns:r="http://schemas.openxmlformats.org/officeDocument/2006/relationships" xmlns:p="http://schemas.openxmlformats.org/presentationml/2006/main">
   <p:cSld>
+    <p:bg>
+      <p:bgPr>
+        <a:solidFill>
+          <a:schemeClr val="bg1"/>
+        </a:solidFill>
+        <a:effectLst/>
+      </p:bgPr>
+    </p:bg>
     <p:spTree>
       <p:nvGrpSpPr>
         <p:cNvPr id="1" name=""/>
         <p:cNvGrpSpPr/>
         <p:nvPr/>
       </p:nvGrpSpPr>
-      <p:grpSpPr/>
+      <p:grpSpPr>
+        <a:xfrm>
+          <a:off x="0" y="0"/>
+          <a:ext cx="0" cy="0"/>
+          <a:chOff x="0" y="0"/>
+          <a:chExt cx="0" cy="0"/>
+        </a:xfrm>
+      </p:grpSpPr>
+      <p:sp useBgFill="1">
+        <p:nvSpPr>
+          <p:cNvPr id="9" name="Rectangle 8">
+            <a:extLst>
+              <a:ext uri="{FF2B5EF4-FFF2-40B4-BE49-F238E27FC236}">
+                <a16:creationId xmlns:a16="http://schemas.microsoft.com/office/drawing/2014/main" id="{A8384FB5-9ADC-4DDC-881B-597D56F5B15D}"/>
+              </a:ext>
+              <a:ext uri="{C183D7F6-B498-43B3-948B-1728B52AA6E4}">
+                <adec:decorative xmlns:adec="http://schemas.microsoft.com/office/drawing/2017/decorative" val="1"/>
+              </a:ext>
+            </a:extLst>
+          </p:cNvPr>
+          <p:cNvSpPr>
+            <a:spLocks noGrp="1" noRot="1" noChangeAspect="1" noMove="1" noResize="1" noEditPoints="1" noAdjustHandles="1" noChangeArrowheads="1" noChangeShapeType="1" noTextEdit="1"/>
+          </p:cNvSpPr>
+          <p:nvPr>
+            <p:extLst>
+              <p:ext uri="{386F3935-93C4-4BCD-93E2-E3B085C9AB24}">
+                <p16:designElem xmlns:p16="http://schemas.microsoft.com/office/powerpoint/2015/main" val="1"/>
+              </p:ext>
+            </p:extLst>
+          </p:nvPr>
+        </p:nvSpPr>
+        <p:spPr>
+          <a:xfrm>
+            <a:off x="0" y="0"/>
+            <a:ext cx="9144000" cy="6858000"/>
+          </a:xfrm>
+          <a:prstGeom prst="rect">
+            <a:avLst/>
+          </a:prstGeom>
+          <a:ln w="12700" cap="flat" cmpd="sng" algn="ctr">
+            <a:noFill/>
+            <a:prstDash val="solid"/>
+            <a:miter lim="800000"/>
+          </a:ln>
+          <a:effectLst/>
+          <a:extLst>
+            <a:ext uri="{91240B29-F687-4F45-9708-019B960494DF}">
+              <a14:hiddenLine xmlns:a14="http://schemas.microsoft.com/office/drawing/2010/main" w="12700" cap="flat" cmpd="sng" algn="ctr">
+                <a:solidFill>
+                  <a:schemeClr val="accent1">
+                    <a:shade val="50000"/>
+                  </a:schemeClr>
+                </a:solidFill>
+                <a:prstDash val="solid"/>
+                <a:miter lim="800000"/>
+              </a14:hiddenLine>
+            </a:ext>
+          </a:extLst>
+        </p:spPr>
+        <p:style>
+          <a:lnRef idx="2">
+            <a:schemeClr val="accent1">
+              <a:shade val="50000"/>
+            </a:schemeClr>
+          </a:lnRef>
+          <a:fillRef idx="1">
+            <a:schemeClr val="accent1"/>
+          </a:fillRef>
+          <a:effectRef idx="0">
+            <a:schemeClr val="accent1"/>
+          </a:effectRef>
+          <a:fontRef idx="minor">
+            <a:schemeClr val="lt1"/>
+          </a:fontRef>
+        </p:style>
+        <p:txBody>
+          <a:bodyPr rtlCol="0" anchor="ctr"/>
+          <a:lstStyle/>
+          <a:p>
+            <a:pPr algn="ctr"/>
+            <a:endParaRPr lang="en-US"/>
+          </a:p>
+        </p:txBody>
+      </p:sp>
+      <p:sp>
+        <p:nvSpPr>
+          <p:cNvPr id="11" name="Rectangle 10">
+            <a:extLst>
+              <a:ext uri="{FF2B5EF4-FFF2-40B4-BE49-F238E27FC236}">
+                <a16:creationId xmlns:a16="http://schemas.microsoft.com/office/drawing/2014/main" id="{91E5A9A7-95C6-4F4F-B00E-C82E07FE62EF}"/>
+              </a:ext>
+              <a:ext uri="{C183D7F6-B498-43B3-948B-1728B52AA6E4}">
+                <adec:decorative xmlns:adec="http://schemas.microsoft.com/office/drawing/2017/decorative" val="1"/>
+              </a:ext>
+            </a:extLst>
+          </p:cNvPr>
+          <p:cNvSpPr>
+            <a:spLocks noGrp="1" noRot="1" noChangeAspect="1" noMove="1" noResize="1" noEditPoints="1" noAdjustHandles="1" noChangeArrowheads="1" noChangeShapeType="1" noTextEdit="1"/>
+          </p:cNvSpPr>
+          <p:nvPr>
+            <p:extLst>
+              <p:ext uri="{386F3935-93C4-4BCD-93E2-E3B085C9AB24}">
+                <p16:designElem xmlns:p16="http://schemas.microsoft.com/office/powerpoint/2015/main" val="1"/>
+              </p:ext>
+            </p:extLst>
+          </p:nvPr>
+        </p:nvSpPr>
+        <p:spPr>
+          <a:xfrm rot="5400000" flipH="1">
+            <a:off x="-1922632" y="1922631"/>
+            <a:ext cx="6875818" cy="3030558"/>
+          </a:xfrm>
+          <a:prstGeom prst="rect">
+            <a:avLst/>
+          </a:prstGeom>
+          <a:gradFill>
+            <a:gsLst>
+              <a:gs pos="0">
+                <a:srgbClr val="000000"/>
+              </a:gs>
+              <a:gs pos="100000">
+                <a:schemeClr val="accent1">
+                  <a:lumMod val="75000"/>
+                </a:schemeClr>
+              </a:gs>
+            </a:gsLst>
+            <a:lin ang="18600000" scaled="0"/>
+          </a:gradFill>
+          <a:ln>
+            <a:noFill/>
+          </a:ln>
+        </p:spPr>
+        <p:style>
+          <a:lnRef idx="2">
+            <a:schemeClr val="accent1">
+              <a:shade val="50000"/>
+            </a:schemeClr>
+          </a:lnRef>
+          <a:fillRef idx="1">
+            <a:schemeClr val="accent1"/>
+          </a:fillRef>
+          <a:effectRef idx="0">
+            <a:schemeClr val="accent1"/>
+          </a:effectRef>
+          <a:fontRef idx="minor">
+            <a:schemeClr val="lt1"/>
+          </a:fontRef>
+        </p:style>
+        <p:txBody>
+          <a:bodyPr rtlCol="0" anchor="ctr"/>
+          <a:lstStyle/>
+          <a:p>
+            <a:pPr algn="ctr"/>
+            <a:endParaRPr lang="en-US" dirty="0"/>
+          </a:p>
+        </p:txBody>
+      </p:sp>
+      <p:sp>
+        <p:nvSpPr>
+          <p:cNvPr id="13" name="Rectangle 12">
+            <a:extLst>
+              <a:ext uri="{FF2B5EF4-FFF2-40B4-BE49-F238E27FC236}">
+                <a16:creationId xmlns:a16="http://schemas.microsoft.com/office/drawing/2014/main" id="{D07DD2DE-F619-49DD-B5E7-03A290FF4ED1}"/>
+              </a:ext>
+              <a:ext uri="{C183D7F6-B498-43B3-948B-1728B52AA6E4}">
+                <adec:decorative xmlns:adec="http://schemas.microsoft.com/office/drawing/2017/decorative" val="1"/>
+              </a:ext>
+            </a:extLst>
+          </p:cNvPr>
+          <p:cNvSpPr>
+            <a:spLocks noGrp="1" noRot="1" noChangeAspect="1" noMove="1" noResize="1" noEditPoints="1" noAdjustHandles="1" noChangeArrowheads="1" noChangeShapeType="1" noTextEdit="1"/>
+          </p:cNvSpPr>
+          <p:nvPr>
+            <p:extLst>
+              <p:ext uri="{386F3935-93C4-4BCD-93E2-E3B085C9AB24}">
+                <p16:designElem xmlns:p16="http://schemas.microsoft.com/office/powerpoint/2015/main" val="1"/>
+              </p:ext>
+            </p:extLst>
+          </p:nvPr>
+        </p:nvSpPr>
+        <p:spPr>
+          <a:xfrm rot="16200000">
+            <a:off x="-663321" y="3165298"/>
+            <a:ext cx="4355594" cy="3028952"/>
+          </a:xfrm>
+          <a:prstGeom prst="rect">
+            <a:avLst/>
+          </a:prstGeom>
+          <a:gradFill>
+            <a:gsLst>
+              <a:gs pos="0">
+                <a:schemeClr val="accent1">
+                  <a:alpha val="50000"/>
+                </a:schemeClr>
+              </a:gs>
+              <a:gs pos="100000">
+                <a:schemeClr val="accent1">
+                  <a:lumMod val="50000"/>
+                  <a:alpha val="0"/>
+                </a:schemeClr>
+              </a:gs>
+            </a:gsLst>
+            <a:lin ang="11400000" scaled="0"/>
+          </a:gradFill>
+          <a:ln>
+            <a:noFill/>
+          </a:ln>
+        </p:spPr>
+        <p:style>
+          <a:lnRef idx="2">
+            <a:schemeClr val="accent1">
+              <a:shade val="50000"/>
+            </a:schemeClr>
+          </a:lnRef>
+          <a:fillRef idx="1">
+            <a:schemeClr val="accent1"/>
+          </a:fillRef>
+          <a:effectRef idx="0">
+            <a:schemeClr val="accent1"/>
+          </a:effectRef>
+          <a:fontRef idx="minor">
+            <a:schemeClr val="lt1"/>
+          </a:fontRef>
+        </p:style>
+        <p:txBody>
+          <a:bodyPr rtlCol="0" anchor="ctr"/>
+          <a:lstStyle/>
+          <a:p>
+            <a:pPr algn="ctr"/>
+            <a:endParaRPr lang="en-US"/>
+          </a:p>
+        </p:txBody>
+      </p:sp>
+      <p:sp>
+        <p:nvSpPr>
+          <p:cNvPr id="15" name="Rectangle 14">
+            <a:extLst>
+              <a:ext uri="{FF2B5EF4-FFF2-40B4-BE49-F238E27FC236}">
+                <a16:creationId xmlns:a16="http://schemas.microsoft.com/office/drawing/2014/main" id="{85149191-5F60-4A28-AAFF-039F96B0F3EC}"/>
+              </a:ext>
+              <a:ext uri="{C183D7F6-B498-43B3-948B-1728B52AA6E4}">
+                <adec:decorative xmlns:adec="http://schemas.microsoft.com/office/drawing/2017/decorative" val="1"/>
+              </a:ext>
+            </a:extLst>
+          </p:cNvPr>
+          <p:cNvSpPr>
+            <a:spLocks noGrp="1" noRot="1" noChangeAspect="1" noMove="1" noResize="1" noEditPoints="1" noAdjustHandles="1" noChangeArrowheads="1" noChangeShapeType="1" noTextEdit="1"/>
+          </p:cNvSpPr>
+          <p:nvPr>
+            <p:extLst>
+              <p:ext uri="{386F3935-93C4-4BCD-93E2-E3B085C9AB24}">
+                <p16:designElem xmlns:p16="http://schemas.microsoft.com/office/powerpoint/2015/main" val="1"/>
+              </p:ext>
+            </p:extLst>
+          </p:nvPr>
+        </p:nvSpPr>
+        <p:spPr>
+          <a:xfrm rot="16200000" flipH="1">
+            <a:off x="-1742858" y="2085760"/>
+            <a:ext cx="6857572" cy="2686051"/>
+          </a:xfrm>
+          <a:prstGeom prst="rect">
+            <a:avLst/>
+          </a:prstGeom>
+          <a:gradFill>
+            <a:gsLst>
+              <a:gs pos="0">
+                <a:srgbClr val="000000">
+                  <a:alpha val="59000"/>
+                </a:srgbClr>
+              </a:gs>
+              <a:gs pos="69000">
+                <a:schemeClr val="accent1">
+                  <a:alpha val="0"/>
+                </a:schemeClr>
+              </a:gs>
+            </a:gsLst>
+            <a:lin ang="13200000" scaled="0"/>
+          </a:gradFill>
+          <a:ln>
+            <a:noFill/>
+          </a:ln>
+        </p:spPr>
+        <p:style>
+          <a:lnRef idx="2">
+            <a:schemeClr val="accent1">
+              <a:shade val="50000"/>
+            </a:schemeClr>
+          </a:lnRef>
+          <a:fillRef idx="1">
+            <a:schemeClr val="accent1"/>
+          </a:fillRef>
+          <a:effectRef idx="0">
+            <a:schemeClr val="accent1"/>
+          </a:effectRef>
+          <a:fontRef idx="minor">
+            <a:schemeClr val="lt1"/>
+          </a:fontRef>
+        </p:style>
+        <p:txBody>
+          <a:bodyPr rtlCol="0" anchor="ctr"/>
+          <a:lstStyle/>
+          <a:p>
+            <a:pPr algn="ctr"/>
+            <a:endParaRPr lang="en-US" dirty="0"/>
+          </a:p>
+        </p:txBody>
+      </p:sp>
+      <p:sp>
+        <p:nvSpPr>
+          <p:cNvPr id="17" name="Freeform: Shape 16">
+            <a:extLst>
+              <a:ext uri="{FF2B5EF4-FFF2-40B4-BE49-F238E27FC236}">
+                <a16:creationId xmlns:a16="http://schemas.microsoft.com/office/drawing/2014/main" id="{F8260ED5-17F7-4158-B241-D51DD4CF1B7E}"/>
+              </a:ext>
+              <a:ext uri="{C183D7F6-B498-43B3-948B-1728B52AA6E4}">
+                <adec:decorative xmlns:adec="http://schemas.microsoft.com/office/drawing/2017/decorative" val="1"/>
+              </a:ext>
+            </a:extLst>
+          </p:cNvPr>
+          <p:cNvSpPr>
+            <a:spLocks noGrp="1" noRot="1" noChangeAspect="1" noMove="1" noResize="1" noEditPoints="1" noAdjustHandles="1" noChangeArrowheads="1" noChangeShapeType="1" noTextEdit="1"/>
+          </p:cNvSpPr>
+          <p:nvPr>
+            <p:extLst>
+              <p:ext uri="{386F3935-93C4-4BCD-93E2-E3B085C9AB24}">
+                <p16:designElem xmlns:p16="http://schemas.microsoft.com/office/powerpoint/2015/main" val="1"/>
+              </p:ext>
+            </p:extLst>
+          </p:nvPr>
+        </p:nvSpPr>
+        <p:spPr>
+          <a:xfrm rot="6097846">
+            <a:off x="-1161554" y="1712395"/>
+            <a:ext cx="4808302" cy="3066500"/>
+          </a:xfrm>
+          <a:custGeom>
+            <a:avLst/>
+            <a:gdLst>
+              <a:gd name="connsiteX0" fmla="*/ 48844 w 4808302"/>
+              <a:gd name="connsiteY0" fmla="*/ 2888671 h 4088666"/>
+              <a:gd name="connsiteX1" fmla="*/ 0 w 4808302"/>
+              <a:gd name="connsiteY1" fmla="*/ 2404151 h 4088666"/>
+              <a:gd name="connsiteX2" fmla="*/ 2404151 w 4808302"/>
+              <a:gd name="connsiteY2" fmla="*/ 0 h 4088666"/>
+              <a:gd name="connsiteX3" fmla="*/ 4808302 w 4808302"/>
+              <a:gd name="connsiteY3" fmla="*/ 2404151 h 4088666"/>
+              <a:gd name="connsiteX4" fmla="*/ 4700216 w 4808302"/>
+              <a:gd name="connsiteY4" fmla="*/ 3119072 h 4088666"/>
+              <a:gd name="connsiteX5" fmla="*/ 4643143 w 4808302"/>
+              <a:gd name="connsiteY5" fmla="*/ 3275009 h 4088666"/>
+              <a:gd name="connsiteX6" fmla="*/ 690093 w 4808302"/>
+              <a:gd name="connsiteY6" fmla="*/ 4088666 h 4088666"/>
+              <a:gd name="connsiteX7" fmla="*/ 548991 w 4808302"/>
+              <a:gd name="connsiteY7" fmla="*/ 3933414 h 4088666"/>
+              <a:gd name="connsiteX8" fmla="*/ 48844 w 4808302"/>
+              <a:gd name="connsiteY8" fmla="*/ 2888671 h 4088666"/>
+            </a:gdLst>
+            <a:ahLst/>
+            <a:cxnLst>
+              <a:cxn ang="0">
+                <a:pos x="connsiteX0" y="connsiteY0"/>
+              </a:cxn>
+              <a:cxn ang="0">
+                <a:pos x="connsiteX1" y="connsiteY1"/>
+              </a:cxn>
+              <a:cxn ang="0">
+                <a:pos x="connsiteX2" y="connsiteY2"/>
+              </a:cxn>
+              <a:cxn ang="0">
+                <a:pos x="connsiteX3" y="connsiteY3"/>
+              </a:cxn>
+              <a:cxn ang="0">
+                <a:pos x="connsiteX4" y="connsiteY4"/>
+              </a:cxn>
+              <a:cxn ang="0">
+                <a:pos x="connsiteX5" y="connsiteY5"/>
+              </a:cxn>
+              <a:cxn ang="0">
+                <a:pos x="connsiteX6" y="connsiteY6"/>
+              </a:cxn>
+              <a:cxn ang="0">
+                <a:pos x="connsiteX7" y="connsiteY7"/>
+              </a:cxn>
+              <a:cxn ang="0">
+                <a:pos x="connsiteX8" y="connsiteY8"/>
+              </a:cxn>
+            </a:cxnLst>
+            <a:rect l="l" t="t" r="r" b="b"/>
+            <a:pathLst>
+              <a:path w="4808302" h="4088666">
+                <a:moveTo>
+                  <a:pt x="48844" y="2888671"/>
+                </a:moveTo>
+                <a:cubicBezTo>
+                  <a:pt x="16818" y="2732167"/>
+                  <a:pt x="0" y="2570123"/>
+                  <a:pt x="0" y="2404151"/>
+                </a:cubicBezTo>
+                <a:cubicBezTo>
+                  <a:pt x="0" y="1076375"/>
+                  <a:pt x="1076375" y="0"/>
+                  <a:pt x="2404151" y="0"/>
+                </a:cubicBezTo>
+                <a:cubicBezTo>
+                  <a:pt x="3731927" y="0"/>
+                  <a:pt x="4808302" y="1076375"/>
+                  <a:pt x="4808302" y="2404151"/>
+                </a:cubicBezTo>
+                <a:cubicBezTo>
+                  <a:pt x="4808302" y="2653109"/>
+                  <a:pt x="4770461" y="2893229"/>
+                  <a:pt x="4700216" y="3119072"/>
+                </a:cubicBezTo>
+                <a:lnTo>
+                  <a:pt x="4643143" y="3275009"/>
+                </a:lnTo>
+                <a:lnTo>
+                  <a:pt x="690093" y="4088666"/>
+                </a:lnTo>
+                <a:lnTo>
+                  <a:pt x="548991" y="3933414"/>
+                </a:lnTo>
+                <a:cubicBezTo>
+                  <a:pt x="304015" y="3636572"/>
+                  <a:pt x="128908" y="3279932"/>
+                  <a:pt x="48844" y="2888671"/>
+                </a:cubicBezTo>
+                <a:close/>
+              </a:path>
+            </a:pathLst>
+          </a:custGeom>
+          <a:gradFill>
+            <a:gsLst>
+              <a:gs pos="39000">
+                <a:schemeClr val="accent1">
+                  <a:lumMod val="60000"/>
+                  <a:lumOff val="40000"/>
+                  <a:alpha val="0"/>
+                </a:schemeClr>
+              </a:gs>
+              <a:gs pos="100000">
+                <a:schemeClr val="accent1">
+                  <a:lumMod val="75000"/>
+                  <a:alpha val="26000"/>
+                </a:schemeClr>
+              </a:gs>
+            </a:gsLst>
+            <a:lin ang="18600000" scaled="0"/>
+          </a:gradFill>
+          <a:ln>
+            <a:noFill/>
+          </a:ln>
+        </p:spPr>
+        <p:style>
+          <a:lnRef idx="2">
+            <a:schemeClr val="accent1">
+              <a:shade val="50000"/>
+            </a:schemeClr>
+          </a:lnRef>
+          <a:fillRef idx="1">
+            <a:schemeClr val="accent1"/>
+          </a:fillRef>
+          <a:effectRef idx="0">
+            <a:schemeClr val="accent1"/>
+          </a:effectRef>
+          <a:fontRef idx="minor">
+            <a:schemeClr val="lt1"/>
+          </a:fontRef>
+        </p:style>
+        <p:txBody>
+          <a:bodyPr wrap="square" rtlCol="0" anchor="ctr">
+            <a:noAutofit/>
+          </a:bodyPr>
+          <a:lstStyle/>
+          <a:p>
+            <a:pPr algn="ctr"/>
+            <a:endParaRPr lang="en-US" dirty="0"/>
+          </a:p>
+        </p:txBody>
+      </p:sp>
       <p:sp>
         <p:nvSpPr>
           <p:cNvPr id="2" name="Title 1"/>
@@ -3163,12 +3911,32 @@
             <p:ph type="title"/>
           </p:nvPr>
         </p:nvSpPr>
-        <p:spPr/>
-        <p:txBody>
-          <a:bodyPr/>
-          <a:lstStyle/>
-          <a:p>
-            <a:r>
+        <p:spPr>
+          <a:xfrm>
+            <a:off x="495030" y="2767106"/>
+            <a:ext cx="2160621" cy="3071906"/>
+          </a:xfrm>
+        </p:spPr>
+        <p:txBody>
+          <a:bodyPr vert="horz" lIns="91440" tIns="45720" rIns="91440" bIns="45720" rtlCol="0" anchor="t">
+            <a:normAutofit/>
+          </a:bodyPr>
+          <a:lstStyle/>
+          <a:p>
+            <a:pPr algn="l" defTabSz="914400">
+              <a:lnSpc>
+                <a:spcPct val="90000"/>
+              </a:lnSpc>
+            </a:pPr>
+            <a:r>
+              <a:rPr lang="en-US" sz="3500" kern="1200">
+                <a:solidFill>
+                  <a:srgbClr val="FFFFFF"/>
+                </a:solidFill>
+                <a:latin typeface="+mj-lt"/>
+                <a:ea typeface="+mj-ea"/>
+                <a:cs typeface="+mj-cs"/>
+              </a:rPr>
               <a:t>Monthly Sales Trends</a:t>
             </a:r>
           </a:p>
@@ -3176,21 +3944,256 @@
       </p:sp>
       <p:sp>
         <p:nvSpPr>
-          <p:cNvPr id="3" name="Content Placeholder 2"/>
-          <p:cNvSpPr>
-            <a:spLocks noGrp="1"/>
-          </p:cNvSpPr>
-          <p:nvPr>
-            <p:ph idx="1"/>
-          </p:nvPr>
-        </p:nvSpPr>
-        <p:spPr/>
-        <p:txBody>
-          <a:bodyPr/>
-          <a:lstStyle/>
-          <a:p>
-            <a:r>
-              <a:t>Sales peak in December, likely due to holiday shopping.</a:t>
+          <p:cNvPr id="5" name="TextBox 4">
+            <a:extLst>
+              <a:ext uri="{FF2B5EF4-FFF2-40B4-BE49-F238E27FC236}">
+                <a16:creationId xmlns:a16="http://schemas.microsoft.com/office/drawing/2014/main" id="{3849252D-22D1-0C8D-2D12-9DC2963F987D}"/>
+              </a:ext>
+            </a:extLst>
+          </p:cNvPr>
+          <p:cNvSpPr txBox="1"/>
+          <p:nvPr/>
+        </p:nvSpPr>
+        <p:spPr>
+          <a:xfrm>
+            <a:off x="3367746" y="4143496"/>
+            <a:ext cx="5637560" cy="2308324"/>
+          </a:xfrm>
+          <a:prstGeom prst="rect">
+            <a:avLst/>
+          </a:prstGeom>
+          <a:noFill/>
+        </p:spPr>
+        <p:txBody>
+          <a:bodyPr wrap="square" rtlCol="0">
+            <a:spAutoFit/>
+          </a:bodyPr>
+          <a:lstStyle/>
+          <a:p>
+            <a:r>
+              <a:rPr lang="en-US" b="1" dirty="0"/>
+              <a:t>Recommendations:</a:t>
+            </a:r>
+            <a:endParaRPr lang="en-US" dirty="0"/>
+          </a:p>
+          <a:p>
+            <a:pPr>
+              <a:buFont typeface="Arial" panose="020B0604020202020204" pitchFamily="34" charset="0"/>
+              <a:buChar char="•"/>
+            </a:pPr>
+            <a:r>
+              <a:rPr lang="en-US" dirty="0"/>
+              <a:t>Increase inventory and marketing efforts before the holiday season.</a:t>
+            </a:r>
+          </a:p>
+          <a:p>
+            <a:pPr>
+              <a:buFont typeface="Arial" panose="020B0604020202020204" pitchFamily="34" charset="0"/>
+              <a:buChar char="•"/>
+            </a:pPr>
+            <a:r>
+              <a:rPr lang="en-US" dirty="0"/>
+              <a:t>Offer holiday promotions and bundle deals to maximize revenue.</a:t>
+            </a:r>
+          </a:p>
+          <a:p>
+            <a:pPr>
+              <a:buFont typeface="Arial" panose="020B0604020202020204" pitchFamily="34" charset="0"/>
+              <a:buChar char="•"/>
+            </a:pPr>
+            <a:r>
+              <a:rPr lang="en-US" dirty="0"/>
+              <a:t>Optimize online and in-store visibility for high-demand products.</a:t>
+            </a:r>
+          </a:p>
+          <a:p>
+            <a:endParaRPr lang="en-US" dirty="0"/>
+          </a:p>
+        </p:txBody>
+      </p:sp>
+      <p:sp>
+        <p:nvSpPr>
+          <p:cNvPr id="8" name="TextBox 7">
+            <a:extLst>
+              <a:ext uri="{FF2B5EF4-FFF2-40B4-BE49-F238E27FC236}">
+                <a16:creationId xmlns:a16="http://schemas.microsoft.com/office/drawing/2014/main" id="{6B656BD5-6BA2-8F87-D2F7-E3AF9BA4CE8B}"/>
+              </a:ext>
+            </a:extLst>
+          </p:cNvPr>
+          <p:cNvSpPr txBox="1"/>
+          <p:nvPr/>
+        </p:nvSpPr>
+        <p:spPr>
+          <a:xfrm>
+            <a:off x="2192055" y="3253728"/>
+            <a:ext cx="4634630" cy="369332"/>
+          </a:xfrm>
+          <a:prstGeom prst="rect">
+            <a:avLst/>
+          </a:prstGeom>
+          <a:noFill/>
+        </p:spPr>
+        <p:txBody>
+          <a:bodyPr wrap="square">
+            <a:spAutoFit/>
+          </a:bodyPr>
+          <a:lstStyle/>
+          <a:p>
+            <a:endParaRPr lang="en-US" dirty="0"/>
+          </a:p>
+        </p:txBody>
+      </p:sp>
+      <p:sp>
+        <p:nvSpPr>
+          <p:cNvPr id="12" name="TextBox 11">
+            <a:extLst>
+              <a:ext uri="{FF2B5EF4-FFF2-40B4-BE49-F238E27FC236}">
+                <a16:creationId xmlns:a16="http://schemas.microsoft.com/office/drawing/2014/main" id="{E8F72542-EE40-D9B8-2ECF-FCC42D44F0B5}"/>
+              </a:ext>
+            </a:extLst>
+          </p:cNvPr>
+          <p:cNvSpPr txBox="1"/>
+          <p:nvPr/>
+        </p:nvSpPr>
+        <p:spPr>
+          <a:xfrm>
+            <a:off x="2192055" y="3253728"/>
+            <a:ext cx="4634630" cy="369332"/>
+          </a:xfrm>
+          <a:prstGeom prst="rect">
+            <a:avLst/>
+          </a:prstGeom>
+          <a:noFill/>
+        </p:spPr>
+        <p:txBody>
+          <a:bodyPr wrap="square">
+            <a:spAutoFit/>
+          </a:bodyPr>
+          <a:lstStyle/>
+          <a:p>
+            <a:endParaRPr lang="en-US" dirty="0"/>
+          </a:p>
+        </p:txBody>
+      </p:sp>
+      <p:pic>
+        <p:nvPicPr>
+          <p:cNvPr id="19" name="Picture 18" descr="A graph of blue bars&#10;&#10;AI-generated content may be incorrect.">
+            <a:extLst>
+              <a:ext uri="{FF2B5EF4-FFF2-40B4-BE49-F238E27FC236}">
+                <a16:creationId xmlns:a16="http://schemas.microsoft.com/office/drawing/2014/main" id="{3FBEBE4D-E881-6A75-EF46-0C96B00C935C}"/>
+              </a:ext>
+            </a:extLst>
+          </p:cNvPr>
+          <p:cNvPicPr>
+            <a:picLocks noChangeAspect="1"/>
+          </p:cNvPicPr>
+          <p:nvPr/>
+        </p:nvPicPr>
+        <p:blipFill>
+          <a:blip r:embed="rId2"/>
+          <a:stretch>
+            <a:fillRect/>
+          </a:stretch>
+        </p:blipFill>
+        <p:spPr>
+          <a:xfrm>
+            <a:off x="4258848" y="714887"/>
+            <a:ext cx="4214333" cy="3410789"/>
+          </a:xfrm>
+          <a:prstGeom prst="rect">
+            <a:avLst/>
+          </a:prstGeom>
+        </p:spPr>
+      </p:pic>
+      <p:sp>
+        <p:nvSpPr>
+          <p:cNvPr id="6" name="Rectangle 5">
+            <a:extLst>
+              <a:ext uri="{FF2B5EF4-FFF2-40B4-BE49-F238E27FC236}">
+                <a16:creationId xmlns:a16="http://schemas.microsoft.com/office/drawing/2014/main" id="{B93A6327-9474-102C-4234-A20712F519A4}"/>
+              </a:ext>
+            </a:extLst>
+          </p:cNvPr>
+          <p:cNvSpPr/>
+          <p:nvPr/>
+        </p:nvSpPr>
+        <p:spPr>
+          <a:xfrm>
+            <a:off x="2748774" y="254708"/>
+            <a:ext cx="2339034" cy="926926"/>
+          </a:xfrm>
+          <a:prstGeom prst="rect">
+            <a:avLst/>
+          </a:prstGeom>
+          <a:solidFill>
+            <a:schemeClr val="accent1">
+              <a:lumMod val="40000"/>
+              <a:lumOff val="60000"/>
+            </a:schemeClr>
+          </a:solidFill>
+        </p:spPr>
+        <p:style>
+          <a:lnRef idx="1">
+            <a:schemeClr val="accent1"/>
+          </a:lnRef>
+          <a:fillRef idx="3">
+            <a:schemeClr val="accent1"/>
+          </a:fillRef>
+          <a:effectRef idx="2">
+            <a:schemeClr val="accent1"/>
+          </a:effectRef>
+          <a:fontRef idx="minor">
+            <a:schemeClr val="lt1"/>
+          </a:fontRef>
+        </p:style>
+        <p:txBody>
+          <a:bodyPr rtlCol="0" anchor="ctr"/>
+          <a:lstStyle/>
+          <a:p>
+            <a:pPr algn="ctr"/>
+            <a:endParaRPr lang="en-US"/>
+          </a:p>
+        </p:txBody>
+      </p:sp>
+      <p:sp>
+        <p:nvSpPr>
+          <p:cNvPr id="7" name="TextBox 6">
+            <a:extLst>
+              <a:ext uri="{FF2B5EF4-FFF2-40B4-BE49-F238E27FC236}">
+                <a16:creationId xmlns:a16="http://schemas.microsoft.com/office/drawing/2014/main" id="{03FF9735-F962-E540-DD54-7C874B90F20E}"/>
+              </a:ext>
+            </a:extLst>
+          </p:cNvPr>
+          <p:cNvSpPr txBox="1"/>
+          <p:nvPr/>
+        </p:nvSpPr>
+        <p:spPr>
+          <a:xfrm>
+            <a:off x="2882153" y="373901"/>
+            <a:ext cx="2039585" cy="646331"/>
+          </a:xfrm>
+          <a:prstGeom prst="rect">
+            <a:avLst/>
+          </a:prstGeom>
+          <a:noFill/>
+        </p:spPr>
+        <p:txBody>
+          <a:bodyPr wrap="square" rtlCol="0">
+            <a:spAutoFit/>
+          </a:bodyPr>
+          <a:lstStyle/>
+          <a:p>
+            <a:r>
+              <a:rPr lang="en-US" sz="1200" dirty="0"/>
+              <a:t>Sales peak in </a:t>
+            </a:r>
+            <a:r>
+              <a:rPr lang="en-US" sz="1200" b="1" dirty="0"/>
+              <a:t>December</a:t>
+            </a:r>
+            <a:r>
+              <a:rPr lang="en-US" sz="1200" dirty="0"/>
+              <a:t>, likely driven by holiday shopping trends.</a:t>
             </a:r>
           </a:p>
         </p:txBody>
@@ -3204,15 +4207,503 @@
 </file>
 
 <file path=ppt/slides/slide3.xml><?xml version="1.0" encoding="utf-8"?>
-<p:sld xmlns:a="http://schemas.openxmlformats.org/drawingml/2006/main" xmlns:p="http://schemas.openxmlformats.org/presentationml/2006/main" xmlns:r="http://schemas.openxmlformats.org/officeDocument/2006/relationships">
+<p:sld xmlns:a="http://schemas.openxmlformats.org/drawingml/2006/main" xmlns:r="http://schemas.openxmlformats.org/officeDocument/2006/relationships" xmlns:p="http://schemas.openxmlformats.org/presentationml/2006/main">
   <p:cSld>
+    <p:bg>
+      <p:bgPr>
+        <a:solidFill>
+          <a:schemeClr val="bg1"/>
+        </a:solidFill>
+        <a:effectLst/>
+      </p:bgPr>
+    </p:bg>
     <p:spTree>
       <p:nvGrpSpPr>
         <p:cNvPr id="1" name=""/>
         <p:cNvGrpSpPr/>
         <p:nvPr/>
       </p:nvGrpSpPr>
-      <p:grpSpPr/>
+      <p:grpSpPr>
+        <a:xfrm>
+          <a:off x="0" y="0"/>
+          <a:ext cx="0" cy="0"/>
+          <a:chOff x="0" y="0"/>
+          <a:chExt cx="0" cy="0"/>
+        </a:xfrm>
+      </p:grpSpPr>
+      <p:sp useBgFill="1">
+        <p:nvSpPr>
+          <p:cNvPr id="9" name="Rectangle 8">
+            <a:extLst>
+              <a:ext uri="{FF2B5EF4-FFF2-40B4-BE49-F238E27FC236}">
+                <a16:creationId xmlns:a16="http://schemas.microsoft.com/office/drawing/2014/main" id="{A8384FB5-9ADC-4DDC-881B-597D56F5B15D}"/>
+              </a:ext>
+              <a:ext uri="{C183D7F6-B498-43B3-948B-1728B52AA6E4}">
+                <adec:decorative xmlns:adec="http://schemas.microsoft.com/office/drawing/2017/decorative" val="1"/>
+              </a:ext>
+            </a:extLst>
+          </p:cNvPr>
+          <p:cNvSpPr>
+            <a:spLocks noGrp="1" noRot="1" noChangeAspect="1" noMove="1" noResize="1" noEditPoints="1" noAdjustHandles="1" noChangeArrowheads="1" noChangeShapeType="1" noTextEdit="1"/>
+          </p:cNvSpPr>
+          <p:nvPr>
+            <p:extLst>
+              <p:ext uri="{386F3935-93C4-4BCD-93E2-E3B085C9AB24}">
+                <p16:designElem xmlns:p16="http://schemas.microsoft.com/office/powerpoint/2015/main" val="1"/>
+              </p:ext>
+            </p:extLst>
+          </p:nvPr>
+        </p:nvSpPr>
+        <p:spPr>
+          <a:xfrm>
+            <a:off x="0" y="0"/>
+            <a:ext cx="9144000" cy="6858000"/>
+          </a:xfrm>
+          <a:prstGeom prst="rect">
+            <a:avLst/>
+          </a:prstGeom>
+          <a:ln w="12700" cap="flat" cmpd="sng" algn="ctr">
+            <a:noFill/>
+            <a:prstDash val="solid"/>
+            <a:miter lim="800000"/>
+          </a:ln>
+          <a:effectLst/>
+          <a:extLst>
+            <a:ext uri="{91240B29-F687-4F45-9708-019B960494DF}">
+              <a14:hiddenLine xmlns:a14="http://schemas.microsoft.com/office/drawing/2010/main" w="12700" cap="flat" cmpd="sng" algn="ctr">
+                <a:solidFill>
+                  <a:schemeClr val="accent1">
+                    <a:shade val="50000"/>
+                  </a:schemeClr>
+                </a:solidFill>
+                <a:prstDash val="solid"/>
+                <a:miter lim="800000"/>
+              </a14:hiddenLine>
+            </a:ext>
+          </a:extLst>
+        </p:spPr>
+        <p:style>
+          <a:lnRef idx="2">
+            <a:schemeClr val="accent1">
+              <a:shade val="50000"/>
+            </a:schemeClr>
+          </a:lnRef>
+          <a:fillRef idx="1">
+            <a:schemeClr val="accent1"/>
+          </a:fillRef>
+          <a:effectRef idx="0">
+            <a:schemeClr val="accent1"/>
+          </a:effectRef>
+          <a:fontRef idx="minor">
+            <a:schemeClr val="lt1"/>
+          </a:fontRef>
+        </p:style>
+        <p:txBody>
+          <a:bodyPr rtlCol="0" anchor="ctr"/>
+          <a:lstStyle/>
+          <a:p>
+            <a:pPr algn="ctr"/>
+            <a:endParaRPr lang="en-US"/>
+          </a:p>
+        </p:txBody>
+      </p:sp>
+      <p:sp>
+        <p:nvSpPr>
+          <p:cNvPr id="11" name="Rectangle 10">
+            <a:extLst>
+              <a:ext uri="{FF2B5EF4-FFF2-40B4-BE49-F238E27FC236}">
+                <a16:creationId xmlns:a16="http://schemas.microsoft.com/office/drawing/2014/main" id="{91E5A9A7-95C6-4F4F-B00E-C82E07FE62EF}"/>
+              </a:ext>
+              <a:ext uri="{C183D7F6-B498-43B3-948B-1728B52AA6E4}">
+                <adec:decorative xmlns:adec="http://schemas.microsoft.com/office/drawing/2017/decorative" val="1"/>
+              </a:ext>
+            </a:extLst>
+          </p:cNvPr>
+          <p:cNvSpPr>
+            <a:spLocks noGrp="1" noRot="1" noChangeAspect="1" noMove="1" noResize="1" noEditPoints="1" noAdjustHandles="1" noChangeArrowheads="1" noChangeShapeType="1" noTextEdit="1"/>
+          </p:cNvSpPr>
+          <p:nvPr>
+            <p:extLst>
+              <p:ext uri="{386F3935-93C4-4BCD-93E2-E3B085C9AB24}">
+                <p16:designElem xmlns:p16="http://schemas.microsoft.com/office/powerpoint/2015/main" val="1"/>
+              </p:ext>
+            </p:extLst>
+          </p:nvPr>
+        </p:nvSpPr>
+        <p:spPr>
+          <a:xfrm rot="5400000" flipH="1">
+            <a:off x="-1922632" y="1922631"/>
+            <a:ext cx="6875818" cy="3030558"/>
+          </a:xfrm>
+          <a:prstGeom prst="rect">
+            <a:avLst/>
+          </a:prstGeom>
+          <a:gradFill>
+            <a:gsLst>
+              <a:gs pos="0">
+                <a:srgbClr val="000000"/>
+              </a:gs>
+              <a:gs pos="100000">
+                <a:schemeClr val="accent1">
+                  <a:lumMod val="75000"/>
+                </a:schemeClr>
+              </a:gs>
+            </a:gsLst>
+            <a:lin ang="18600000" scaled="0"/>
+          </a:gradFill>
+          <a:ln>
+            <a:noFill/>
+          </a:ln>
+        </p:spPr>
+        <p:style>
+          <a:lnRef idx="2">
+            <a:schemeClr val="accent1">
+              <a:shade val="50000"/>
+            </a:schemeClr>
+          </a:lnRef>
+          <a:fillRef idx="1">
+            <a:schemeClr val="accent1"/>
+          </a:fillRef>
+          <a:effectRef idx="0">
+            <a:schemeClr val="accent1"/>
+          </a:effectRef>
+          <a:fontRef idx="minor">
+            <a:schemeClr val="lt1"/>
+          </a:fontRef>
+        </p:style>
+        <p:txBody>
+          <a:bodyPr rtlCol="0" anchor="ctr"/>
+          <a:lstStyle/>
+          <a:p>
+            <a:pPr algn="ctr"/>
+            <a:endParaRPr lang="en-US" dirty="0"/>
+          </a:p>
+        </p:txBody>
+      </p:sp>
+      <p:sp>
+        <p:nvSpPr>
+          <p:cNvPr id="13" name="Rectangle 12">
+            <a:extLst>
+              <a:ext uri="{FF2B5EF4-FFF2-40B4-BE49-F238E27FC236}">
+                <a16:creationId xmlns:a16="http://schemas.microsoft.com/office/drawing/2014/main" id="{D07DD2DE-F619-49DD-B5E7-03A290FF4ED1}"/>
+              </a:ext>
+              <a:ext uri="{C183D7F6-B498-43B3-948B-1728B52AA6E4}">
+                <adec:decorative xmlns:adec="http://schemas.microsoft.com/office/drawing/2017/decorative" val="1"/>
+              </a:ext>
+            </a:extLst>
+          </p:cNvPr>
+          <p:cNvSpPr>
+            <a:spLocks noGrp="1" noRot="1" noChangeAspect="1" noMove="1" noResize="1" noEditPoints="1" noAdjustHandles="1" noChangeArrowheads="1" noChangeShapeType="1" noTextEdit="1"/>
+          </p:cNvSpPr>
+          <p:nvPr>
+            <p:extLst>
+              <p:ext uri="{386F3935-93C4-4BCD-93E2-E3B085C9AB24}">
+                <p16:designElem xmlns:p16="http://schemas.microsoft.com/office/powerpoint/2015/main" val="1"/>
+              </p:ext>
+            </p:extLst>
+          </p:nvPr>
+        </p:nvSpPr>
+        <p:spPr>
+          <a:xfrm rot="16200000">
+            <a:off x="-663321" y="3165298"/>
+            <a:ext cx="4355594" cy="3028952"/>
+          </a:xfrm>
+          <a:prstGeom prst="rect">
+            <a:avLst/>
+          </a:prstGeom>
+          <a:gradFill>
+            <a:gsLst>
+              <a:gs pos="0">
+                <a:schemeClr val="accent1">
+                  <a:alpha val="50000"/>
+                </a:schemeClr>
+              </a:gs>
+              <a:gs pos="100000">
+                <a:schemeClr val="accent1">
+                  <a:lumMod val="50000"/>
+                  <a:alpha val="0"/>
+                </a:schemeClr>
+              </a:gs>
+            </a:gsLst>
+            <a:lin ang="11400000" scaled="0"/>
+          </a:gradFill>
+          <a:ln>
+            <a:noFill/>
+          </a:ln>
+        </p:spPr>
+        <p:style>
+          <a:lnRef idx="2">
+            <a:schemeClr val="accent1">
+              <a:shade val="50000"/>
+            </a:schemeClr>
+          </a:lnRef>
+          <a:fillRef idx="1">
+            <a:schemeClr val="accent1"/>
+          </a:fillRef>
+          <a:effectRef idx="0">
+            <a:schemeClr val="accent1"/>
+          </a:effectRef>
+          <a:fontRef idx="minor">
+            <a:schemeClr val="lt1"/>
+          </a:fontRef>
+        </p:style>
+        <p:txBody>
+          <a:bodyPr rtlCol="0" anchor="ctr"/>
+          <a:lstStyle/>
+          <a:p>
+            <a:pPr algn="ctr"/>
+            <a:endParaRPr lang="en-US"/>
+          </a:p>
+        </p:txBody>
+      </p:sp>
+      <p:sp>
+        <p:nvSpPr>
+          <p:cNvPr id="15" name="Rectangle 14">
+            <a:extLst>
+              <a:ext uri="{FF2B5EF4-FFF2-40B4-BE49-F238E27FC236}">
+                <a16:creationId xmlns:a16="http://schemas.microsoft.com/office/drawing/2014/main" id="{85149191-5F60-4A28-AAFF-039F96B0F3EC}"/>
+              </a:ext>
+              <a:ext uri="{C183D7F6-B498-43B3-948B-1728B52AA6E4}">
+                <adec:decorative xmlns:adec="http://schemas.microsoft.com/office/drawing/2017/decorative" val="1"/>
+              </a:ext>
+            </a:extLst>
+          </p:cNvPr>
+          <p:cNvSpPr>
+            <a:spLocks noGrp="1" noRot="1" noChangeAspect="1" noMove="1" noResize="1" noEditPoints="1" noAdjustHandles="1" noChangeArrowheads="1" noChangeShapeType="1" noTextEdit="1"/>
+          </p:cNvSpPr>
+          <p:nvPr>
+            <p:extLst>
+              <p:ext uri="{386F3935-93C4-4BCD-93E2-E3B085C9AB24}">
+                <p16:designElem xmlns:p16="http://schemas.microsoft.com/office/powerpoint/2015/main" val="1"/>
+              </p:ext>
+            </p:extLst>
+          </p:nvPr>
+        </p:nvSpPr>
+        <p:spPr>
+          <a:xfrm rot="16200000" flipH="1">
+            <a:off x="-1742858" y="2085760"/>
+            <a:ext cx="6857572" cy="2686051"/>
+          </a:xfrm>
+          <a:prstGeom prst="rect">
+            <a:avLst/>
+          </a:prstGeom>
+          <a:gradFill>
+            <a:gsLst>
+              <a:gs pos="0">
+                <a:srgbClr val="000000">
+                  <a:alpha val="59000"/>
+                </a:srgbClr>
+              </a:gs>
+              <a:gs pos="69000">
+                <a:schemeClr val="accent1">
+                  <a:alpha val="0"/>
+                </a:schemeClr>
+              </a:gs>
+            </a:gsLst>
+            <a:lin ang="13200000" scaled="0"/>
+          </a:gradFill>
+          <a:ln>
+            <a:noFill/>
+          </a:ln>
+        </p:spPr>
+        <p:style>
+          <a:lnRef idx="2">
+            <a:schemeClr val="accent1">
+              <a:shade val="50000"/>
+            </a:schemeClr>
+          </a:lnRef>
+          <a:fillRef idx="1">
+            <a:schemeClr val="accent1"/>
+          </a:fillRef>
+          <a:effectRef idx="0">
+            <a:schemeClr val="accent1"/>
+          </a:effectRef>
+          <a:fontRef idx="minor">
+            <a:schemeClr val="lt1"/>
+          </a:fontRef>
+        </p:style>
+        <p:txBody>
+          <a:bodyPr rtlCol="0" anchor="ctr"/>
+          <a:lstStyle/>
+          <a:p>
+            <a:pPr algn="ctr"/>
+            <a:endParaRPr lang="en-US" dirty="0"/>
+          </a:p>
+        </p:txBody>
+      </p:sp>
+      <p:sp>
+        <p:nvSpPr>
+          <p:cNvPr id="17" name="Freeform: Shape 16">
+            <a:extLst>
+              <a:ext uri="{FF2B5EF4-FFF2-40B4-BE49-F238E27FC236}">
+                <a16:creationId xmlns:a16="http://schemas.microsoft.com/office/drawing/2014/main" id="{F8260ED5-17F7-4158-B241-D51DD4CF1B7E}"/>
+              </a:ext>
+              <a:ext uri="{C183D7F6-B498-43B3-948B-1728B52AA6E4}">
+                <adec:decorative xmlns:adec="http://schemas.microsoft.com/office/drawing/2017/decorative" val="1"/>
+              </a:ext>
+            </a:extLst>
+          </p:cNvPr>
+          <p:cNvSpPr>
+            <a:spLocks noGrp="1" noRot="1" noChangeAspect="1" noMove="1" noResize="1" noEditPoints="1" noAdjustHandles="1" noChangeArrowheads="1" noChangeShapeType="1" noTextEdit="1"/>
+          </p:cNvSpPr>
+          <p:nvPr>
+            <p:extLst>
+              <p:ext uri="{386F3935-93C4-4BCD-93E2-E3B085C9AB24}">
+                <p16:designElem xmlns:p16="http://schemas.microsoft.com/office/powerpoint/2015/main" val="1"/>
+              </p:ext>
+            </p:extLst>
+          </p:nvPr>
+        </p:nvSpPr>
+        <p:spPr>
+          <a:xfrm rot="6097846">
+            <a:off x="-1161554" y="1712395"/>
+            <a:ext cx="4808302" cy="3066500"/>
+          </a:xfrm>
+          <a:custGeom>
+            <a:avLst/>
+            <a:gdLst>
+              <a:gd name="connsiteX0" fmla="*/ 48844 w 4808302"/>
+              <a:gd name="connsiteY0" fmla="*/ 2888671 h 4088666"/>
+              <a:gd name="connsiteX1" fmla="*/ 0 w 4808302"/>
+              <a:gd name="connsiteY1" fmla="*/ 2404151 h 4088666"/>
+              <a:gd name="connsiteX2" fmla="*/ 2404151 w 4808302"/>
+              <a:gd name="connsiteY2" fmla="*/ 0 h 4088666"/>
+              <a:gd name="connsiteX3" fmla="*/ 4808302 w 4808302"/>
+              <a:gd name="connsiteY3" fmla="*/ 2404151 h 4088666"/>
+              <a:gd name="connsiteX4" fmla="*/ 4700216 w 4808302"/>
+              <a:gd name="connsiteY4" fmla="*/ 3119072 h 4088666"/>
+              <a:gd name="connsiteX5" fmla="*/ 4643143 w 4808302"/>
+              <a:gd name="connsiteY5" fmla="*/ 3275009 h 4088666"/>
+              <a:gd name="connsiteX6" fmla="*/ 690093 w 4808302"/>
+              <a:gd name="connsiteY6" fmla="*/ 4088666 h 4088666"/>
+              <a:gd name="connsiteX7" fmla="*/ 548991 w 4808302"/>
+              <a:gd name="connsiteY7" fmla="*/ 3933414 h 4088666"/>
+              <a:gd name="connsiteX8" fmla="*/ 48844 w 4808302"/>
+              <a:gd name="connsiteY8" fmla="*/ 2888671 h 4088666"/>
+            </a:gdLst>
+            <a:ahLst/>
+            <a:cxnLst>
+              <a:cxn ang="0">
+                <a:pos x="connsiteX0" y="connsiteY0"/>
+              </a:cxn>
+              <a:cxn ang="0">
+                <a:pos x="connsiteX1" y="connsiteY1"/>
+              </a:cxn>
+              <a:cxn ang="0">
+                <a:pos x="connsiteX2" y="connsiteY2"/>
+              </a:cxn>
+              <a:cxn ang="0">
+                <a:pos x="connsiteX3" y="connsiteY3"/>
+              </a:cxn>
+              <a:cxn ang="0">
+                <a:pos x="connsiteX4" y="connsiteY4"/>
+              </a:cxn>
+              <a:cxn ang="0">
+                <a:pos x="connsiteX5" y="connsiteY5"/>
+              </a:cxn>
+              <a:cxn ang="0">
+                <a:pos x="connsiteX6" y="connsiteY6"/>
+              </a:cxn>
+              <a:cxn ang="0">
+                <a:pos x="connsiteX7" y="connsiteY7"/>
+              </a:cxn>
+              <a:cxn ang="0">
+                <a:pos x="connsiteX8" y="connsiteY8"/>
+              </a:cxn>
+            </a:cxnLst>
+            <a:rect l="l" t="t" r="r" b="b"/>
+            <a:pathLst>
+              <a:path w="4808302" h="4088666">
+                <a:moveTo>
+                  <a:pt x="48844" y="2888671"/>
+                </a:moveTo>
+                <a:cubicBezTo>
+                  <a:pt x="16818" y="2732167"/>
+                  <a:pt x="0" y="2570123"/>
+                  <a:pt x="0" y="2404151"/>
+                </a:cubicBezTo>
+                <a:cubicBezTo>
+                  <a:pt x="0" y="1076375"/>
+                  <a:pt x="1076375" y="0"/>
+                  <a:pt x="2404151" y="0"/>
+                </a:cubicBezTo>
+                <a:cubicBezTo>
+                  <a:pt x="3731927" y="0"/>
+                  <a:pt x="4808302" y="1076375"/>
+                  <a:pt x="4808302" y="2404151"/>
+                </a:cubicBezTo>
+                <a:cubicBezTo>
+                  <a:pt x="4808302" y="2653109"/>
+                  <a:pt x="4770461" y="2893229"/>
+                  <a:pt x="4700216" y="3119072"/>
+                </a:cubicBezTo>
+                <a:lnTo>
+                  <a:pt x="4643143" y="3275009"/>
+                </a:lnTo>
+                <a:lnTo>
+                  <a:pt x="690093" y="4088666"/>
+                </a:lnTo>
+                <a:lnTo>
+                  <a:pt x="548991" y="3933414"/>
+                </a:lnTo>
+                <a:cubicBezTo>
+                  <a:pt x="304015" y="3636572"/>
+                  <a:pt x="128908" y="3279932"/>
+                  <a:pt x="48844" y="2888671"/>
+                </a:cubicBezTo>
+                <a:close/>
+              </a:path>
+            </a:pathLst>
+          </a:custGeom>
+          <a:gradFill>
+            <a:gsLst>
+              <a:gs pos="39000">
+                <a:schemeClr val="accent1">
+                  <a:lumMod val="60000"/>
+                  <a:lumOff val="40000"/>
+                  <a:alpha val="0"/>
+                </a:schemeClr>
+              </a:gs>
+              <a:gs pos="100000">
+                <a:schemeClr val="accent1">
+                  <a:lumMod val="75000"/>
+                  <a:alpha val="26000"/>
+                </a:schemeClr>
+              </a:gs>
+            </a:gsLst>
+            <a:lin ang="18600000" scaled="0"/>
+          </a:gradFill>
+          <a:ln>
+            <a:noFill/>
+          </a:ln>
+        </p:spPr>
+        <p:style>
+          <a:lnRef idx="2">
+            <a:schemeClr val="accent1">
+              <a:shade val="50000"/>
+            </a:schemeClr>
+          </a:lnRef>
+          <a:fillRef idx="1">
+            <a:schemeClr val="accent1"/>
+          </a:fillRef>
+          <a:effectRef idx="0">
+            <a:schemeClr val="accent1"/>
+          </a:effectRef>
+          <a:fontRef idx="minor">
+            <a:schemeClr val="lt1"/>
+          </a:fontRef>
+        </p:style>
+        <p:txBody>
+          <a:bodyPr wrap="square" rtlCol="0" anchor="ctr">
+            <a:noAutofit/>
+          </a:bodyPr>
+          <a:lstStyle/>
+          <a:p>
+            <a:pPr algn="ctr"/>
+            <a:endParaRPr lang="en-US" dirty="0"/>
+          </a:p>
+        </p:txBody>
+      </p:sp>
       <p:sp>
         <p:nvSpPr>
           <p:cNvPr id="2" name="Title 1"/>
@@ -3223,12 +4714,32 @@
             <p:ph type="title"/>
           </p:nvPr>
         </p:nvSpPr>
-        <p:spPr/>
-        <p:txBody>
-          <a:bodyPr/>
-          <a:lstStyle/>
-          <a:p>
-            <a:r>
+        <p:spPr>
+          <a:xfrm>
+            <a:off x="495030" y="2767106"/>
+            <a:ext cx="2160621" cy="3071906"/>
+          </a:xfrm>
+        </p:spPr>
+        <p:txBody>
+          <a:bodyPr vert="horz" lIns="91440" tIns="45720" rIns="91440" bIns="45720" rtlCol="0" anchor="t">
+            <a:normAutofit/>
+          </a:bodyPr>
+          <a:lstStyle/>
+          <a:p>
+            <a:pPr algn="l" defTabSz="914400">
+              <a:lnSpc>
+                <a:spcPct val="90000"/>
+              </a:lnSpc>
+            </a:pPr>
+            <a:r>
+              <a:rPr lang="en-US" sz="3500" kern="1200">
+                <a:solidFill>
+                  <a:srgbClr val="FFFFFF"/>
+                </a:solidFill>
+                <a:latin typeface="+mj-lt"/>
+                <a:ea typeface="+mj-ea"/>
+                <a:cs typeface="+mj-cs"/>
+              </a:rPr>
               <a:t>City-Wise Sales</a:t>
             </a:r>
           </a:p>
@@ -3236,25 +4747,125 @@
       </p:sp>
       <p:sp>
         <p:nvSpPr>
-          <p:cNvPr id="3" name="Content Placeholder 2"/>
-          <p:cNvSpPr>
-            <a:spLocks noGrp="1"/>
-          </p:cNvSpPr>
-          <p:nvPr>
-            <p:ph idx="1"/>
-          </p:nvPr>
-        </p:nvSpPr>
-        <p:spPr/>
-        <p:txBody>
-          <a:bodyPr/>
-          <a:lstStyle/>
-          <a:p>
-            <a:r>
-              <a:t>Major sales are concentrated in key metropolitan areas.</a:t>
-            </a:r>
-          </a:p>
-        </p:txBody>
-      </p:sp>
+          <p:cNvPr id="5" name="TextBox 4">
+            <a:extLst>
+              <a:ext uri="{FF2B5EF4-FFF2-40B4-BE49-F238E27FC236}">
+                <a16:creationId xmlns:a16="http://schemas.microsoft.com/office/drawing/2014/main" id="{24BB40C5-15C6-7093-E72D-95BDCFC970BA}"/>
+              </a:ext>
+            </a:extLst>
+          </p:cNvPr>
+          <p:cNvSpPr txBox="1"/>
+          <p:nvPr/>
+        </p:nvSpPr>
+        <p:spPr>
+          <a:xfrm>
+            <a:off x="3270799" y="4303059"/>
+            <a:ext cx="5229144" cy="2339102"/>
+          </a:xfrm>
+          <a:prstGeom prst="rect">
+            <a:avLst/>
+          </a:prstGeom>
+          <a:noFill/>
+        </p:spPr>
+        <p:txBody>
+          <a:bodyPr wrap="square" rtlCol="0">
+            <a:spAutoFit/>
+          </a:bodyPr>
+          <a:lstStyle/>
+          <a:p>
+            <a:r>
+              <a:rPr lang="en-US" b="1" dirty="0"/>
+              <a:t>Recommendations:</a:t>
+            </a:r>
+          </a:p>
+          <a:p>
+            <a:pPr>
+              <a:buFont typeface="Arial" panose="020B0604020202020204" pitchFamily="34" charset="0"/>
+              <a:buChar char="•"/>
+            </a:pPr>
+            <a:r>
+              <a:rPr lang="en-US" sz="1600" b="1" dirty="0"/>
+              <a:t>Focus marketing efforts</a:t>
+            </a:r>
+            <a:r>
+              <a:rPr lang="en-US" sz="1600" dirty="0"/>
+              <a:t> on top-performing cities (San Francisco, Los Angeles, NYC) to maximize revenue.</a:t>
+            </a:r>
+          </a:p>
+          <a:p>
+            <a:pPr>
+              <a:buFont typeface="Arial" panose="020B0604020202020204" pitchFamily="34" charset="0"/>
+              <a:buChar char="•"/>
+            </a:pPr>
+            <a:r>
+              <a:rPr lang="en-US" sz="1600" b="1" dirty="0"/>
+              <a:t>Analyze consumer behavior</a:t>
+            </a:r>
+            <a:r>
+              <a:rPr lang="en-US" sz="1600" dirty="0"/>
+              <a:t> in underperforming cities (e.g., Portland, Austin) to identify growth opportunities.</a:t>
+            </a:r>
+          </a:p>
+          <a:p>
+            <a:pPr>
+              <a:buFont typeface="Arial" panose="020B0604020202020204" pitchFamily="34" charset="0"/>
+              <a:buChar char="•"/>
+            </a:pPr>
+            <a:r>
+              <a:rPr lang="en-US" sz="1600" b="1" dirty="0"/>
+              <a:t>Targeted promotions</a:t>
+            </a:r>
+            <a:r>
+              <a:rPr lang="en-US" sz="1600" dirty="0"/>
+              <a:t> in mid-performing cities like Boston and Dallas to boost sales.</a:t>
+            </a:r>
+          </a:p>
+          <a:p>
+            <a:pPr>
+              <a:buFont typeface="Arial" panose="020B0604020202020204" pitchFamily="34" charset="0"/>
+              <a:buChar char="•"/>
+            </a:pPr>
+            <a:r>
+              <a:rPr lang="en-US" sz="1600" b="1" dirty="0"/>
+              <a:t>Optimize inventory distribution</a:t>
+            </a:r>
+            <a:r>
+              <a:rPr lang="en-US" sz="1600" dirty="0"/>
+              <a:t> based on demand to prevent stock shortages in high-sales areas.</a:t>
+            </a:r>
+          </a:p>
+        </p:txBody>
+      </p:sp>
+      <p:pic>
+        <p:nvPicPr>
+          <p:cNvPr id="6" name="Picture 5" descr="A graph of blue bars with white text&#10;&#10;AI-generated content may be incorrect.">
+            <a:extLst>
+              <a:ext uri="{FF2B5EF4-FFF2-40B4-BE49-F238E27FC236}">
+                <a16:creationId xmlns:a16="http://schemas.microsoft.com/office/drawing/2014/main" id="{1E6022CB-D779-D0CE-CDC9-0973473CD51D}"/>
+              </a:ext>
+            </a:extLst>
+          </p:cNvPr>
+          <p:cNvPicPr>
+            <a:picLocks noChangeAspect="1"/>
+          </p:cNvPicPr>
+          <p:nvPr/>
+        </p:nvPicPr>
+        <p:blipFill>
+          <a:blip r:embed="rId2"/>
+          <a:stretch>
+            <a:fillRect/>
+          </a:stretch>
+        </p:blipFill>
+        <p:spPr>
+          <a:xfrm>
+            <a:off x="3469294" y="563929"/>
+            <a:ext cx="5179675" cy="3889092"/>
+          </a:xfrm>
+          <a:prstGeom prst="rect">
+            <a:avLst/>
+          </a:prstGeom>
+        </p:spPr>
+      </p:pic>
     </p:spTree>
   </p:cSld>
   <p:clrMapOvr>
@@ -3264,15 +4875,576 @@
 </file>
 
 <file path=ppt/slides/slide4.xml><?xml version="1.0" encoding="utf-8"?>
-<p:sld xmlns:a="http://schemas.openxmlformats.org/drawingml/2006/main" xmlns:p="http://schemas.openxmlformats.org/presentationml/2006/main" xmlns:r="http://schemas.openxmlformats.org/officeDocument/2006/relationships">
+<p:sld xmlns:a="http://schemas.openxmlformats.org/drawingml/2006/main" xmlns:r="http://schemas.openxmlformats.org/officeDocument/2006/relationships" xmlns:p="http://schemas.openxmlformats.org/presentationml/2006/main">
   <p:cSld>
+    <p:bg>
+      <p:bgPr>
+        <a:solidFill>
+          <a:schemeClr val="bg1"/>
+        </a:solidFill>
+        <a:effectLst/>
+      </p:bgPr>
+    </p:bg>
     <p:spTree>
       <p:nvGrpSpPr>
         <p:cNvPr id="1" name=""/>
         <p:cNvGrpSpPr/>
         <p:nvPr/>
       </p:nvGrpSpPr>
-      <p:grpSpPr/>
+      <p:grpSpPr>
+        <a:xfrm>
+          <a:off x="0" y="0"/>
+          <a:ext cx="0" cy="0"/>
+          <a:chOff x="0" y="0"/>
+          <a:chExt cx="0" cy="0"/>
+        </a:xfrm>
+      </p:grpSpPr>
+      <p:sp useBgFill="1">
+        <p:nvSpPr>
+          <p:cNvPr id="22" name="Rectangle 21">
+            <a:extLst>
+              <a:ext uri="{FF2B5EF4-FFF2-40B4-BE49-F238E27FC236}">
+                <a16:creationId xmlns:a16="http://schemas.microsoft.com/office/drawing/2014/main" id="{C4285719-470E-454C-AF62-8323075F1F5B}"/>
+              </a:ext>
+              <a:ext uri="{C183D7F6-B498-43B3-948B-1728B52AA6E4}">
+                <adec:decorative xmlns:adec="http://schemas.microsoft.com/office/drawing/2017/decorative" val="1"/>
+              </a:ext>
+            </a:extLst>
+          </p:cNvPr>
+          <p:cNvSpPr>
+            <a:spLocks noGrp="1" noRot="1" noChangeAspect="1" noMove="1" noResize="1" noEditPoints="1" noAdjustHandles="1" noChangeArrowheads="1" noChangeShapeType="1" noTextEdit="1"/>
+          </p:cNvSpPr>
+          <p:nvPr>
+            <p:extLst>
+              <p:ext uri="{386F3935-93C4-4BCD-93E2-E3B085C9AB24}">
+                <p16:designElem xmlns:p16="http://schemas.microsoft.com/office/powerpoint/2015/main" val="1"/>
+              </p:ext>
+            </p:extLst>
+          </p:nvPr>
+        </p:nvSpPr>
+        <p:spPr>
+          <a:xfrm>
+            <a:off x="0" y="0"/>
+            <a:ext cx="9141714" cy="6858000"/>
+          </a:xfrm>
+          <a:prstGeom prst="rect">
+            <a:avLst/>
+          </a:prstGeom>
+          <a:ln w="12700" cap="flat" cmpd="sng" algn="ctr">
+            <a:noFill/>
+            <a:prstDash val="solid"/>
+            <a:miter lim="800000"/>
+          </a:ln>
+          <a:effectLst/>
+          <a:extLst>
+            <a:ext uri="{91240B29-F687-4F45-9708-019B960494DF}">
+              <a14:hiddenLine xmlns:a14="http://schemas.microsoft.com/office/drawing/2010/main" w="12700" cap="flat" cmpd="sng" algn="ctr">
+                <a:solidFill>
+                  <a:schemeClr val="accent1">
+                    <a:shade val="50000"/>
+                  </a:schemeClr>
+                </a:solidFill>
+                <a:prstDash val="solid"/>
+                <a:miter lim="800000"/>
+              </a14:hiddenLine>
+            </a:ext>
+          </a:extLst>
+        </p:spPr>
+        <p:style>
+          <a:lnRef idx="2">
+            <a:schemeClr val="accent1">
+              <a:shade val="50000"/>
+            </a:schemeClr>
+          </a:lnRef>
+          <a:fillRef idx="1">
+            <a:schemeClr val="accent1"/>
+          </a:fillRef>
+          <a:effectRef idx="0">
+            <a:schemeClr val="accent1"/>
+          </a:effectRef>
+          <a:fontRef idx="minor">
+            <a:schemeClr val="lt1"/>
+          </a:fontRef>
+        </p:style>
+        <p:txBody>
+          <a:bodyPr rtlCol="0" anchor="ctr"/>
+          <a:lstStyle/>
+          <a:p>
+            <a:pPr algn="ctr"/>
+            <a:endParaRPr lang="en-US"/>
+          </a:p>
+        </p:txBody>
+      </p:sp>
+      <p:sp>
+        <p:nvSpPr>
+          <p:cNvPr id="24" name="Rectangle 23">
+            <a:extLst>
+              <a:ext uri="{FF2B5EF4-FFF2-40B4-BE49-F238E27FC236}">
+                <a16:creationId xmlns:a16="http://schemas.microsoft.com/office/drawing/2014/main" id="{CD9FE4EF-C4D8-49A0-B2FF-81D8DB7D8A24}"/>
+              </a:ext>
+              <a:ext uri="{C183D7F6-B498-43B3-948B-1728B52AA6E4}">
+                <adec:decorative xmlns:adec="http://schemas.microsoft.com/office/drawing/2017/decorative" val="1"/>
+              </a:ext>
+            </a:extLst>
+          </p:cNvPr>
+          <p:cNvSpPr>
+            <a:spLocks noGrp="1" noRot="1" noChangeAspect="1" noMove="1" noResize="1" noEditPoints="1" noAdjustHandles="1" noChangeArrowheads="1" noChangeShapeType="1" noTextEdit="1"/>
+          </p:cNvSpPr>
+          <p:nvPr>
+            <p:extLst>
+              <p:ext uri="{386F3935-93C4-4BCD-93E2-E3B085C9AB24}">
+                <p16:designElem xmlns:p16="http://schemas.microsoft.com/office/powerpoint/2015/main" val="1"/>
+              </p:ext>
+            </p:extLst>
+          </p:nvPr>
+        </p:nvSpPr>
+        <p:spPr>
+          <a:xfrm rot="5400000" flipH="1">
+            <a:off x="-1914813" y="1914812"/>
+            <a:ext cx="6858000" cy="3028377"/>
+          </a:xfrm>
+          <a:prstGeom prst="rect">
+            <a:avLst/>
+          </a:prstGeom>
+          <a:gradFill>
+            <a:gsLst>
+              <a:gs pos="8000">
+                <a:srgbClr val="000000"/>
+              </a:gs>
+              <a:gs pos="100000">
+                <a:schemeClr val="accent1">
+                  <a:lumMod val="75000"/>
+                </a:schemeClr>
+              </a:gs>
+            </a:gsLst>
+            <a:lin ang="3000000" scaled="0"/>
+          </a:gradFill>
+          <a:ln>
+            <a:noFill/>
+          </a:ln>
+        </p:spPr>
+        <p:style>
+          <a:lnRef idx="2">
+            <a:schemeClr val="accent1">
+              <a:shade val="50000"/>
+            </a:schemeClr>
+          </a:lnRef>
+          <a:fillRef idx="1">
+            <a:schemeClr val="accent1"/>
+          </a:fillRef>
+          <a:effectRef idx="0">
+            <a:schemeClr val="accent1"/>
+          </a:effectRef>
+          <a:fontRef idx="minor">
+            <a:schemeClr val="lt1"/>
+          </a:fontRef>
+        </p:style>
+        <p:txBody>
+          <a:bodyPr rtlCol="0" anchor="ctr"/>
+          <a:lstStyle/>
+          <a:p>
+            <a:pPr algn="ctr"/>
+            <a:endParaRPr lang="en-US"/>
+          </a:p>
+        </p:txBody>
+      </p:sp>
+      <p:sp>
+        <p:nvSpPr>
+          <p:cNvPr id="26" name="Rectangle 25">
+            <a:extLst>
+              <a:ext uri="{FF2B5EF4-FFF2-40B4-BE49-F238E27FC236}">
+                <a16:creationId xmlns:a16="http://schemas.microsoft.com/office/drawing/2014/main" id="{4300840D-0A0B-4512-BACA-B439D5B9C57C}"/>
+              </a:ext>
+              <a:ext uri="{C183D7F6-B498-43B3-948B-1728B52AA6E4}">
+                <adec:decorative xmlns:adec="http://schemas.microsoft.com/office/drawing/2017/decorative" val="1"/>
+              </a:ext>
+            </a:extLst>
+          </p:cNvPr>
+          <p:cNvSpPr>
+            <a:spLocks noGrp="1" noRot="1" noChangeAspect="1" noMove="1" noResize="1" noEditPoints="1" noAdjustHandles="1" noChangeArrowheads="1" noChangeShapeType="1" noTextEdit="1"/>
+          </p:cNvSpPr>
+          <p:nvPr>
+            <p:extLst>
+              <p:ext uri="{386F3935-93C4-4BCD-93E2-E3B085C9AB24}">
+                <p16:designElem xmlns:p16="http://schemas.microsoft.com/office/powerpoint/2015/main" val="1"/>
+              </p:ext>
+            </p:extLst>
+          </p:nvPr>
+        </p:nvSpPr>
+        <p:spPr>
+          <a:xfrm rot="5400000" flipH="1">
+            <a:off x="-1914814" y="1924949"/>
+            <a:ext cx="6857999" cy="3028379"/>
+          </a:xfrm>
+          <a:prstGeom prst="rect">
+            <a:avLst/>
+          </a:prstGeom>
+          <a:gradFill>
+            <a:gsLst>
+              <a:gs pos="0">
+                <a:srgbClr val="000000">
+                  <a:alpha val="0"/>
+                </a:srgbClr>
+              </a:gs>
+              <a:gs pos="99000">
+                <a:schemeClr val="accent1">
+                  <a:alpha val="46000"/>
+                </a:schemeClr>
+              </a:gs>
+            </a:gsLst>
+            <a:lin ang="1800000" scaled="0"/>
+          </a:gradFill>
+          <a:ln>
+            <a:noFill/>
+          </a:ln>
+        </p:spPr>
+        <p:style>
+          <a:lnRef idx="2">
+            <a:schemeClr val="accent1">
+              <a:shade val="50000"/>
+            </a:schemeClr>
+          </a:lnRef>
+          <a:fillRef idx="1">
+            <a:schemeClr val="accent1"/>
+          </a:fillRef>
+          <a:effectRef idx="0">
+            <a:schemeClr val="accent1"/>
+          </a:effectRef>
+          <a:fontRef idx="minor">
+            <a:schemeClr val="lt1"/>
+          </a:fontRef>
+        </p:style>
+        <p:txBody>
+          <a:bodyPr rtlCol="0" anchor="ctr"/>
+          <a:lstStyle/>
+          <a:p>
+            <a:pPr algn="ctr"/>
+            <a:endParaRPr lang="en-US"/>
+          </a:p>
+        </p:txBody>
+      </p:sp>
+      <p:sp>
+        <p:nvSpPr>
+          <p:cNvPr id="28" name="Rectangle 27">
+            <a:extLst>
+              <a:ext uri="{FF2B5EF4-FFF2-40B4-BE49-F238E27FC236}">
+                <a16:creationId xmlns:a16="http://schemas.microsoft.com/office/drawing/2014/main" id="{D2B78728-A580-49A7-84F9-6EF6F583ADE0}"/>
+              </a:ext>
+              <a:ext uri="{C183D7F6-B498-43B3-948B-1728B52AA6E4}">
+                <adec:decorative xmlns:adec="http://schemas.microsoft.com/office/drawing/2017/decorative" val="1"/>
+              </a:ext>
+            </a:extLst>
+          </p:cNvPr>
+          <p:cNvSpPr>
+            <a:spLocks noGrp="1" noRot="1" noChangeAspect="1" noMove="1" noResize="1" noEditPoints="1" noAdjustHandles="1" noChangeArrowheads="1" noChangeShapeType="1" noTextEdit="1"/>
+          </p:cNvSpPr>
+          <p:nvPr>
+            <p:extLst>
+              <p:ext uri="{386F3935-93C4-4BCD-93E2-E3B085C9AB24}">
+                <p16:designElem xmlns:p16="http://schemas.microsoft.com/office/powerpoint/2015/main" val="1"/>
+              </p:ext>
+            </p:extLst>
+          </p:nvPr>
+        </p:nvSpPr>
+        <p:spPr>
+          <a:xfrm rot="5400000" flipH="1">
+            <a:off x="263195" y="4092815"/>
+            <a:ext cx="2501979" cy="3028381"/>
+          </a:xfrm>
+          <a:prstGeom prst="rect">
+            <a:avLst/>
+          </a:prstGeom>
+          <a:gradFill>
+            <a:gsLst>
+              <a:gs pos="2000">
+                <a:schemeClr val="accent1">
+                  <a:alpha val="29000"/>
+                </a:schemeClr>
+              </a:gs>
+              <a:gs pos="100000">
+                <a:srgbClr val="000000">
+                  <a:alpha val="30000"/>
+                </a:srgbClr>
+              </a:gs>
+            </a:gsLst>
+            <a:lin ang="7800000" scaled="0"/>
+          </a:gradFill>
+          <a:ln>
+            <a:noFill/>
+          </a:ln>
+        </p:spPr>
+        <p:style>
+          <a:lnRef idx="2">
+            <a:schemeClr val="accent1">
+              <a:shade val="50000"/>
+            </a:schemeClr>
+          </a:lnRef>
+          <a:fillRef idx="1">
+            <a:schemeClr val="accent1"/>
+          </a:fillRef>
+          <a:effectRef idx="0">
+            <a:schemeClr val="accent1"/>
+          </a:effectRef>
+          <a:fontRef idx="minor">
+            <a:schemeClr val="lt1"/>
+          </a:fontRef>
+        </p:style>
+        <p:txBody>
+          <a:bodyPr rtlCol="0" anchor="ctr"/>
+          <a:lstStyle/>
+          <a:p>
+            <a:pPr algn="ctr"/>
+            <a:endParaRPr lang="en-US" dirty="0"/>
+          </a:p>
+        </p:txBody>
+      </p:sp>
+      <p:sp>
+        <p:nvSpPr>
+          <p:cNvPr id="30" name="Freeform: Shape 29">
+            <a:extLst>
+              <a:ext uri="{FF2B5EF4-FFF2-40B4-BE49-F238E27FC236}">
+                <a16:creationId xmlns:a16="http://schemas.microsoft.com/office/drawing/2014/main" id="{38FAA1A1-D861-433F-88FA-1E9D6FD31D11}"/>
+              </a:ext>
+              <a:ext uri="{C183D7F6-B498-43B3-948B-1728B52AA6E4}">
+                <adec:decorative xmlns:adec="http://schemas.microsoft.com/office/drawing/2017/decorative" val="1"/>
+              </a:ext>
+            </a:extLst>
+          </p:cNvPr>
+          <p:cNvSpPr>
+            <a:spLocks noGrp="1" noRot="1" noChangeAspect="1" noMove="1" noResize="1" noEditPoints="1" noAdjustHandles="1" noChangeArrowheads="1" noChangeShapeType="1" noTextEdit="1"/>
+          </p:cNvSpPr>
+          <p:nvPr>
+            <p:extLst>
+              <p:ext uri="{386F3935-93C4-4BCD-93E2-E3B085C9AB24}">
+                <p16:designElem xmlns:p16="http://schemas.microsoft.com/office/powerpoint/2015/main" val="1"/>
+              </p:ext>
+            </p:extLst>
+          </p:nvPr>
+        </p:nvSpPr>
+        <p:spPr>
+          <a:xfrm rot="20635413">
+            <a:off x="-376302" y="969718"/>
+            <a:ext cx="2925267" cy="4178958"/>
+          </a:xfrm>
+          <a:custGeom>
+            <a:avLst/>
+            <a:gdLst>
+              <a:gd name="connsiteX0" fmla="*/ 2432225 w 3900357"/>
+              <a:gd name="connsiteY0" fmla="*/ 93939 h 4178958"/>
+              <a:gd name="connsiteX1" fmla="*/ 3900357 w 3900357"/>
+              <a:gd name="connsiteY1" fmla="*/ 2089479 h 4178958"/>
+              <a:gd name="connsiteX2" fmla="*/ 1810878 w 3900357"/>
+              <a:gd name="connsiteY2" fmla="*/ 4178958 h 4178958"/>
+              <a:gd name="connsiteX3" fmla="*/ 78249 w 3900357"/>
+              <a:gd name="connsiteY3" fmla="*/ 3257727 h 4178958"/>
+              <a:gd name="connsiteX4" fmla="*/ 0 w 3900357"/>
+              <a:gd name="connsiteY4" fmla="*/ 3128923 h 4178958"/>
+              <a:gd name="connsiteX5" fmla="*/ 831324 w 3900357"/>
+              <a:gd name="connsiteY5" fmla="*/ 244281 h 4178958"/>
+              <a:gd name="connsiteX6" fmla="*/ 997559 w 3900357"/>
+              <a:gd name="connsiteY6" fmla="*/ 164202 h 4178958"/>
+              <a:gd name="connsiteX7" fmla="*/ 1810878 w 3900357"/>
+              <a:gd name="connsiteY7" fmla="*/ 0 h 4178958"/>
+              <a:gd name="connsiteX8" fmla="*/ 2432225 w 3900357"/>
+              <a:gd name="connsiteY8" fmla="*/ 93939 h 4178958"/>
+            </a:gdLst>
+            <a:ahLst/>
+            <a:cxnLst>
+              <a:cxn ang="0">
+                <a:pos x="connsiteX0" y="connsiteY0"/>
+              </a:cxn>
+              <a:cxn ang="0">
+                <a:pos x="connsiteX1" y="connsiteY1"/>
+              </a:cxn>
+              <a:cxn ang="0">
+                <a:pos x="connsiteX2" y="connsiteY2"/>
+              </a:cxn>
+              <a:cxn ang="0">
+                <a:pos x="connsiteX3" y="connsiteY3"/>
+              </a:cxn>
+              <a:cxn ang="0">
+                <a:pos x="connsiteX4" y="connsiteY4"/>
+              </a:cxn>
+              <a:cxn ang="0">
+                <a:pos x="connsiteX5" y="connsiteY5"/>
+              </a:cxn>
+              <a:cxn ang="0">
+                <a:pos x="connsiteX6" y="connsiteY6"/>
+              </a:cxn>
+              <a:cxn ang="0">
+                <a:pos x="connsiteX7" y="connsiteY7"/>
+              </a:cxn>
+              <a:cxn ang="0">
+                <a:pos x="connsiteX8" y="connsiteY8"/>
+              </a:cxn>
+            </a:cxnLst>
+            <a:rect l="l" t="t" r="r" b="b"/>
+            <a:pathLst>
+              <a:path w="3900357" h="4178958">
+                <a:moveTo>
+                  <a:pt x="2432225" y="93939"/>
+                </a:moveTo>
+                <a:cubicBezTo>
+                  <a:pt x="3282786" y="358491"/>
+                  <a:pt x="3900357" y="1151865"/>
+                  <a:pt x="3900357" y="2089479"/>
+                </a:cubicBezTo>
+                <a:cubicBezTo>
+                  <a:pt x="3900357" y="3243466"/>
+                  <a:pt x="2964865" y="4178958"/>
+                  <a:pt x="1810878" y="4178958"/>
+                </a:cubicBezTo>
+                <a:cubicBezTo>
+                  <a:pt x="1089636" y="4178958"/>
+                  <a:pt x="453744" y="3813531"/>
+                  <a:pt x="78249" y="3257727"/>
+                </a:cubicBezTo>
+                <a:lnTo>
+                  <a:pt x="0" y="3128923"/>
+                </a:lnTo>
+                <a:lnTo>
+                  <a:pt x="831324" y="244281"/>
+                </a:lnTo>
+                <a:lnTo>
+                  <a:pt x="997559" y="164202"/>
+                </a:lnTo>
+                <a:cubicBezTo>
+                  <a:pt x="1247540" y="58468"/>
+                  <a:pt x="1522381" y="0"/>
+                  <a:pt x="1810878" y="0"/>
+                </a:cubicBezTo>
+                <a:cubicBezTo>
+                  <a:pt x="2027251" y="0"/>
+                  <a:pt x="2235942" y="32888"/>
+                  <a:pt x="2432225" y="93939"/>
+                </a:cubicBezTo>
+                <a:close/>
+              </a:path>
+            </a:pathLst>
+          </a:custGeom>
+          <a:gradFill>
+            <a:gsLst>
+              <a:gs pos="29000">
+                <a:srgbClr val="000000">
+                  <a:alpha val="0"/>
+                </a:srgbClr>
+              </a:gs>
+              <a:gs pos="100000">
+                <a:schemeClr val="accent1">
+                  <a:alpha val="43000"/>
+                </a:schemeClr>
+              </a:gs>
+            </a:gsLst>
+            <a:lin ang="1800000" scaled="0"/>
+          </a:gradFill>
+          <a:ln>
+            <a:noFill/>
+          </a:ln>
+        </p:spPr>
+        <p:style>
+          <a:lnRef idx="2">
+            <a:schemeClr val="accent1">
+              <a:shade val="50000"/>
+            </a:schemeClr>
+          </a:lnRef>
+          <a:fillRef idx="1">
+            <a:schemeClr val="accent1"/>
+          </a:fillRef>
+          <a:effectRef idx="0">
+            <a:schemeClr val="accent1"/>
+          </a:effectRef>
+          <a:fontRef idx="minor">
+            <a:schemeClr val="lt1"/>
+          </a:fontRef>
+        </p:style>
+        <p:txBody>
+          <a:bodyPr wrap="square" rtlCol="0" anchor="ctr">
+            <a:noAutofit/>
+          </a:bodyPr>
+          <a:lstStyle/>
+          <a:p>
+            <a:pPr algn="ctr"/>
+            <a:endParaRPr lang="en-US" dirty="0"/>
+          </a:p>
+        </p:txBody>
+      </p:sp>
+      <p:sp>
+        <p:nvSpPr>
+          <p:cNvPr id="32" name="Rectangle 31">
+            <a:extLst>
+              <a:ext uri="{FF2B5EF4-FFF2-40B4-BE49-F238E27FC236}">
+                <a16:creationId xmlns:a16="http://schemas.microsoft.com/office/drawing/2014/main" id="{8D71EDA1-87BF-4D5D-AB79-F346FD19278A}"/>
+              </a:ext>
+              <a:ext uri="{C183D7F6-B498-43B3-948B-1728B52AA6E4}">
+                <adec:decorative xmlns:adec="http://schemas.microsoft.com/office/drawing/2017/decorative" val="1"/>
+              </a:ext>
+            </a:extLst>
+          </p:cNvPr>
+          <p:cNvSpPr>
+            <a:spLocks noGrp="1" noRot="1" noChangeAspect="1" noMove="1" noResize="1" noEditPoints="1" noAdjustHandles="1" noChangeArrowheads="1" noChangeShapeType="1" noTextEdit="1"/>
+          </p:cNvSpPr>
+          <p:nvPr>
+            <p:extLst>
+              <p:ext uri="{386F3935-93C4-4BCD-93E2-E3B085C9AB24}">
+                <p16:designElem xmlns:p16="http://schemas.microsoft.com/office/powerpoint/2015/main" val="1"/>
+              </p:ext>
+            </p:extLst>
+          </p:nvPr>
+        </p:nvSpPr>
+        <p:spPr>
+          <a:xfrm rot="5400000" flipH="1">
+            <a:off x="-1914820" y="1904672"/>
+            <a:ext cx="6858003" cy="3028376"/>
+          </a:xfrm>
+          <a:prstGeom prst="rect">
+            <a:avLst/>
+          </a:prstGeom>
+          <a:gradFill>
+            <a:gsLst>
+              <a:gs pos="0">
+                <a:srgbClr val="000000">
+                  <a:alpha val="0"/>
+                </a:srgbClr>
+              </a:gs>
+              <a:gs pos="99000">
+                <a:schemeClr val="accent1">
+                  <a:lumMod val="60000"/>
+                  <a:lumOff val="40000"/>
+                  <a:alpha val="11000"/>
+                </a:schemeClr>
+              </a:gs>
+            </a:gsLst>
+            <a:lin ang="7200000" scaled="0"/>
+          </a:gradFill>
+          <a:ln>
+            <a:noFill/>
+          </a:ln>
+        </p:spPr>
+        <p:style>
+          <a:lnRef idx="2">
+            <a:schemeClr val="accent1">
+              <a:shade val="50000"/>
+            </a:schemeClr>
+          </a:lnRef>
+          <a:fillRef idx="1">
+            <a:schemeClr val="accent1"/>
+          </a:fillRef>
+          <a:effectRef idx="0">
+            <a:schemeClr val="accent1"/>
+          </a:effectRef>
+          <a:fontRef idx="minor">
+            <a:schemeClr val="lt1"/>
+          </a:fontRef>
+        </p:style>
+        <p:txBody>
+          <a:bodyPr rtlCol="0" anchor="ctr"/>
+          <a:lstStyle/>
+          <a:p>
+            <a:pPr algn="ctr"/>
+            <a:endParaRPr lang="en-US"/>
+          </a:p>
+        </p:txBody>
+      </p:sp>
       <p:sp>
         <p:nvSpPr>
           <p:cNvPr id="2" name="Title 1"/>
@@ -3283,14 +5455,38 @@
             <p:ph type="title"/>
           </p:nvPr>
         </p:nvSpPr>
-        <p:spPr/>
-        <p:txBody>
-          <a:bodyPr/>
-          <a:lstStyle/>
-          <a:p>
-            <a:r>
+        <p:spPr>
+          <a:xfrm>
+            <a:off x="350041" y="586855"/>
+            <a:ext cx="2401025" cy="3387497"/>
+          </a:xfrm>
+        </p:spPr>
+        <p:txBody>
+          <a:bodyPr vert="horz" lIns="91440" tIns="45720" rIns="91440" bIns="45720" rtlCol="0" anchor="b">
+            <a:normAutofit/>
+          </a:bodyPr>
+          <a:lstStyle/>
+          <a:p>
+            <a:pPr algn="r" defTabSz="914400"/>
+            <a:r>
+              <a:rPr lang="en-US" sz="3500" kern="1200" dirty="0">
+                <a:solidFill>
+                  <a:srgbClr val="FFFFFF"/>
+                </a:solidFill>
+                <a:latin typeface="+mj-lt"/>
+                <a:ea typeface="+mj-ea"/>
+                <a:cs typeface="+mj-cs"/>
+              </a:rPr>
               <a:t>Sales by Hour</a:t>
             </a:r>
+            <a:endParaRPr lang="en-US" sz="3500" kern="1200">
+              <a:solidFill>
+                <a:srgbClr val="FFFFFF"/>
+              </a:solidFill>
+              <a:latin typeface="+mj-lt"/>
+              <a:ea typeface="+mj-ea"/>
+              <a:cs typeface="+mj-cs"/>
+            </a:endParaRPr>
           </a:p>
         </p:txBody>
       </p:sp>
@@ -3304,14 +5500,337 @@
             <p:ph idx="1"/>
           </p:nvPr>
         </p:nvSpPr>
-        <p:spPr/>
-        <p:txBody>
-          <a:bodyPr/>
-          <a:lstStyle/>
-          <a:p>
-            <a:r>
-              <a:t>Peak purchasing hours occur in the evening.</a:t>
-            </a:r>
+        <p:spPr>
+          <a:xfrm>
+            <a:off x="3606819" y="4962006"/>
+            <a:ext cx="5059954" cy="1572700"/>
+          </a:xfrm>
+        </p:spPr>
+        <p:txBody>
+          <a:bodyPr vert="horz" lIns="91440" tIns="45720" rIns="91440" bIns="45720" rtlCol="0" anchor="ctr">
+            <a:normAutofit/>
+          </a:bodyPr>
+          <a:lstStyle/>
+          <a:p>
+            <a:pPr marL="0" indent="0" defTabSz="914400">
+              <a:spcBef>
+                <a:spcPts val="1000"/>
+              </a:spcBef>
+              <a:buNone/>
+            </a:pPr>
+            <a:r>
+              <a:rPr lang="en-US" sz="1800" b="1" dirty="0">
+                <a:effectLst/>
+              </a:rPr>
+              <a:t>Recommendation: </a:t>
+            </a:r>
+            <a:r>
+              <a:rPr lang="en-US" sz="1700" dirty="0">
+                <a:effectLst/>
+              </a:rPr>
+              <a:t>The best time to run advertisements are </a:t>
+            </a:r>
+            <a:r>
+              <a:rPr lang="en-US" sz="1700" b="0" dirty="0">
+                <a:effectLst/>
+              </a:rPr>
+              <a:t>11 AM and 6 </a:t>
+            </a:r>
+            <a:r>
+              <a:rPr lang="en-US" sz="1700" dirty="0"/>
+              <a:t>PM</a:t>
+            </a:r>
+            <a:r>
+              <a:rPr lang="en-US" sz="1700" b="0" dirty="0">
+                <a:effectLst/>
+              </a:rPr>
+              <a:t> as purchasing peak at 12 PM and 7PM.</a:t>
+            </a:r>
+          </a:p>
+          <a:p>
+            <a:pPr marL="0" indent="0" defTabSz="914400">
+              <a:spcBef>
+                <a:spcPts val="1000"/>
+              </a:spcBef>
+              <a:buNone/>
+            </a:pPr>
+            <a:endParaRPr lang="en-US" sz="1700" kern="1200" dirty="0">
+              <a:latin typeface="+mn-lt"/>
+              <a:ea typeface="+mn-ea"/>
+              <a:cs typeface="+mn-cs"/>
+            </a:endParaRPr>
+          </a:p>
+        </p:txBody>
+      </p:sp>
+      <p:sp>
+        <p:nvSpPr>
+          <p:cNvPr id="7" name="Rectangle 6">
+            <a:extLst>
+              <a:ext uri="{FF2B5EF4-FFF2-40B4-BE49-F238E27FC236}">
+                <a16:creationId xmlns:a16="http://schemas.microsoft.com/office/drawing/2014/main" id="{5AC9DE9F-4E5B-B9FD-36AF-9EF085EE77A0}"/>
+              </a:ext>
+            </a:extLst>
+          </p:cNvPr>
+          <p:cNvSpPr/>
+          <p:nvPr/>
+        </p:nvSpPr>
+        <p:spPr>
+          <a:xfrm>
+            <a:off x="6827630" y="384722"/>
+            <a:ext cx="1965087" cy="723961"/>
+          </a:xfrm>
+          <a:prstGeom prst="rect">
+            <a:avLst/>
+          </a:prstGeom>
+          <a:solidFill>
+            <a:schemeClr val="accent1">
+              <a:lumMod val="40000"/>
+              <a:lumOff val="60000"/>
+            </a:schemeClr>
+          </a:solidFill>
+        </p:spPr>
+        <p:style>
+          <a:lnRef idx="1">
+            <a:schemeClr val="accent1"/>
+          </a:lnRef>
+          <a:fillRef idx="3">
+            <a:schemeClr val="accent1"/>
+          </a:fillRef>
+          <a:effectRef idx="2">
+            <a:schemeClr val="accent1"/>
+          </a:effectRef>
+          <a:fontRef idx="minor">
+            <a:schemeClr val="lt1"/>
+          </a:fontRef>
+        </p:style>
+        <p:txBody>
+          <a:bodyPr rtlCol="0" anchor="ctr"/>
+          <a:lstStyle/>
+          <a:p>
+            <a:pPr algn="ctr"/>
+            <a:endParaRPr lang="en-US"/>
+          </a:p>
+        </p:txBody>
+      </p:sp>
+      <p:sp>
+        <p:nvSpPr>
+          <p:cNvPr id="8" name="TextBox 7">
+            <a:extLst>
+              <a:ext uri="{FF2B5EF4-FFF2-40B4-BE49-F238E27FC236}">
+                <a16:creationId xmlns:a16="http://schemas.microsoft.com/office/drawing/2014/main" id="{5EF8565A-D6FF-6745-A98B-00E8C50B3C5F}"/>
+              </a:ext>
+            </a:extLst>
+          </p:cNvPr>
+          <p:cNvSpPr txBox="1"/>
+          <p:nvPr/>
+        </p:nvSpPr>
+        <p:spPr>
+          <a:xfrm>
+            <a:off x="7127997" y="400683"/>
+            <a:ext cx="1415441" cy="591700"/>
+          </a:xfrm>
+          <a:prstGeom prst="rect">
+            <a:avLst/>
+          </a:prstGeom>
+          <a:noFill/>
+        </p:spPr>
+        <p:txBody>
+          <a:bodyPr wrap="square" rtlCol="0">
+            <a:spAutoFit/>
+          </a:bodyPr>
+          <a:lstStyle/>
+          <a:p>
+            <a:pPr marL="0" indent="0" defTabSz="914400">
+              <a:lnSpc>
+                <a:spcPct val="110000"/>
+              </a:lnSpc>
+              <a:spcBef>
+                <a:spcPts val="0"/>
+              </a:spcBef>
+              <a:buNone/>
+            </a:pPr>
+            <a:r>
+              <a:rPr lang="en-US" sz="1000" b="1" kern="1200" dirty="0">
+                <a:latin typeface="+mn-lt"/>
+                <a:ea typeface="+mn-ea"/>
+                <a:cs typeface="+mn-cs"/>
+              </a:rPr>
+              <a:t>Peak purchasing hours: </a:t>
+            </a:r>
+          </a:p>
+          <a:p>
+            <a:pPr defTabSz="914400">
+              <a:lnSpc>
+                <a:spcPct val="110000"/>
+              </a:lnSpc>
+              <a:spcBef>
+                <a:spcPts val="0"/>
+              </a:spcBef>
+              <a:buFontTx/>
+              <a:buChar char="-"/>
+            </a:pPr>
+            <a:r>
+              <a:rPr lang="en-US" sz="1000" kern="1200" dirty="0">
+                <a:latin typeface="+mn-lt"/>
+                <a:ea typeface="+mn-ea"/>
+                <a:cs typeface="+mn-cs"/>
+              </a:rPr>
+              <a:t>12 PM</a:t>
+            </a:r>
+          </a:p>
+          <a:p>
+            <a:pPr defTabSz="914400">
+              <a:lnSpc>
+                <a:spcPct val="110000"/>
+              </a:lnSpc>
+              <a:spcBef>
+                <a:spcPts val="0"/>
+              </a:spcBef>
+              <a:buFontTx/>
+              <a:buChar char="-"/>
+            </a:pPr>
+            <a:r>
+              <a:rPr lang="en-US" sz="1000" kern="1200" dirty="0">
+                <a:latin typeface="+mn-lt"/>
+                <a:ea typeface="+mn-ea"/>
+                <a:cs typeface="+mn-cs"/>
+              </a:rPr>
+              <a:t>7 PM </a:t>
+            </a:r>
+          </a:p>
+        </p:txBody>
+      </p:sp>
+      <p:pic>
+        <p:nvPicPr>
+          <p:cNvPr id="10" name="Picture 9" descr="A graph with blue lines and numbers&#10;&#10;AI-generated content may be incorrect.">
+            <a:extLst>
+              <a:ext uri="{FF2B5EF4-FFF2-40B4-BE49-F238E27FC236}">
+                <a16:creationId xmlns:a16="http://schemas.microsoft.com/office/drawing/2014/main" id="{1AAC79D9-6136-1028-D1B3-E70D336F9161}"/>
+              </a:ext>
+            </a:extLst>
+          </p:cNvPr>
+          <p:cNvPicPr>
+            <a:picLocks noChangeAspect="1"/>
+          </p:cNvPicPr>
+          <p:nvPr/>
+        </p:nvPicPr>
+        <p:blipFill>
+          <a:blip r:embed="rId2"/>
+          <a:stretch>
+            <a:fillRect/>
+          </a:stretch>
+        </p:blipFill>
+        <p:spPr>
+          <a:xfrm>
+            <a:off x="3287502" y="1393067"/>
+            <a:ext cx="5379264" cy="3660856"/>
+          </a:xfrm>
+          <a:prstGeom prst="rect">
+            <a:avLst/>
+          </a:prstGeom>
+        </p:spPr>
+      </p:pic>
+      <p:sp>
+        <p:nvSpPr>
+          <p:cNvPr id="6" name="Oval 5">
+            <a:extLst>
+              <a:ext uri="{FF2B5EF4-FFF2-40B4-BE49-F238E27FC236}">
+                <a16:creationId xmlns:a16="http://schemas.microsoft.com/office/drawing/2014/main" id="{7D5F1FB5-2E9F-F05B-596E-AEC1F682D2BD}"/>
+              </a:ext>
+            </a:extLst>
+          </p:cNvPr>
+          <p:cNvSpPr/>
+          <p:nvPr/>
+        </p:nvSpPr>
+        <p:spPr>
+          <a:xfrm>
+            <a:off x="7591459" y="1702197"/>
+            <a:ext cx="100209" cy="162838"/>
+          </a:xfrm>
+          <a:prstGeom prst="ellipse">
+            <a:avLst/>
+          </a:prstGeom>
+          <a:solidFill>
+            <a:srgbClr val="FF0000"/>
+          </a:solidFill>
+          <a:ln>
+            <a:solidFill>
+              <a:srgbClr val="FF0000"/>
+            </a:solidFill>
+          </a:ln>
+        </p:spPr>
+        <p:style>
+          <a:lnRef idx="1">
+            <a:schemeClr val="accent1"/>
+          </a:lnRef>
+          <a:fillRef idx="3">
+            <a:schemeClr val="accent1"/>
+          </a:fillRef>
+          <a:effectRef idx="2">
+            <a:schemeClr val="accent1"/>
+          </a:effectRef>
+          <a:fontRef idx="minor">
+            <a:schemeClr val="lt1"/>
+          </a:fontRef>
+        </p:style>
+        <p:txBody>
+          <a:bodyPr rtlCol="0" anchor="ctr"/>
+          <a:lstStyle/>
+          <a:p>
+            <a:pPr algn="ctr"/>
+            <a:endParaRPr lang="en-US"/>
+          </a:p>
+        </p:txBody>
+      </p:sp>
+      <p:sp>
+        <p:nvSpPr>
+          <p:cNvPr id="5" name="Oval 4">
+            <a:extLst>
+              <a:ext uri="{FF2B5EF4-FFF2-40B4-BE49-F238E27FC236}">
+                <a16:creationId xmlns:a16="http://schemas.microsoft.com/office/drawing/2014/main" id="{58B5A8CA-BD32-F4E6-4FC6-49699F31BE1F}"/>
+              </a:ext>
+            </a:extLst>
+          </p:cNvPr>
+          <p:cNvSpPr/>
+          <p:nvPr/>
+        </p:nvSpPr>
+        <p:spPr>
+          <a:xfrm>
+            <a:off x="6333779" y="1745609"/>
+            <a:ext cx="100209" cy="162838"/>
+          </a:xfrm>
+          <a:prstGeom prst="ellipse">
+            <a:avLst/>
+          </a:prstGeom>
+          <a:solidFill>
+            <a:srgbClr val="FF0000"/>
+          </a:solidFill>
+          <a:ln>
+            <a:solidFill>
+              <a:srgbClr val="FF0000"/>
+            </a:solidFill>
+          </a:ln>
+        </p:spPr>
+        <p:style>
+          <a:lnRef idx="1">
+            <a:schemeClr val="accent1"/>
+          </a:lnRef>
+          <a:fillRef idx="3">
+            <a:schemeClr val="accent1"/>
+          </a:fillRef>
+          <a:effectRef idx="2">
+            <a:schemeClr val="accent1"/>
+          </a:effectRef>
+          <a:fontRef idx="minor">
+            <a:schemeClr val="lt1"/>
+          </a:fontRef>
+        </p:style>
+        <p:txBody>
+          <a:bodyPr rtlCol="0" anchor="ctr"/>
+          <a:lstStyle/>
+          <a:p>
+            <a:pPr algn="ctr"/>
+            <a:endParaRPr lang="en-US"/>
           </a:p>
         </p:txBody>
       </p:sp>
@@ -3324,15 +5843,406 @@
 </file>
 
 <file path=ppt/slides/slide5.xml><?xml version="1.0" encoding="utf-8"?>
-<p:sld xmlns:a="http://schemas.openxmlformats.org/drawingml/2006/main" xmlns:p="http://schemas.openxmlformats.org/presentationml/2006/main" xmlns:r="http://schemas.openxmlformats.org/officeDocument/2006/relationships">
+<p:sld xmlns:a="http://schemas.openxmlformats.org/drawingml/2006/main" xmlns:r="http://schemas.openxmlformats.org/officeDocument/2006/relationships" xmlns:p="http://schemas.openxmlformats.org/presentationml/2006/main">
   <p:cSld>
+    <p:bg>
+      <p:bgPr>
+        <a:solidFill>
+          <a:schemeClr val="bg1"/>
+        </a:solidFill>
+        <a:effectLst/>
+      </p:bgPr>
+    </p:bg>
     <p:spTree>
       <p:nvGrpSpPr>
         <p:cNvPr id="1" name=""/>
         <p:cNvGrpSpPr/>
         <p:nvPr/>
       </p:nvGrpSpPr>
-      <p:grpSpPr/>
+      <p:grpSpPr>
+        <a:xfrm>
+          <a:off x="0" y="0"/>
+          <a:ext cx="0" cy="0"/>
+          <a:chOff x="0" y="0"/>
+          <a:chExt cx="0" cy="0"/>
+        </a:xfrm>
+      </p:grpSpPr>
+      <p:sp useBgFill="1">
+        <p:nvSpPr>
+          <p:cNvPr id="10" name="Rectangle 9">
+            <a:extLst>
+              <a:ext uri="{FF2B5EF4-FFF2-40B4-BE49-F238E27FC236}">
+                <a16:creationId xmlns:a16="http://schemas.microsoft.com/office/drawing/2014/main" id="{2151139A-886F-4B97-8815-729AD3831BBD}"/>
+              </a:ext>
+              <a:ext uri="{C183D7F6-B498-43B3-948B-1728B52AA6E4}">
+                <adec:decorative xmlns:adec="http://schemas.microsoft.com/office/drawing/2017/decorative" val="1"/>
+              </a:ext>
+            </a:extLst>
+          </p:cNvPr>
+          <p:cNvSpPr>
+            <a:spLocks noGrp="1" noRot="1" noChangeAspect="1" noMove="1" noResize="1" noEditPoints="1" noAdjustHandles="1" noChangeArrowheads="1" noChangeShapeType="1" noTextEdit="1"/>
+          </p:cNvSpPr>
+          <p:nvPr>
+            <p:extLst>
+              <p:ext uri="{386F3935-93C4-4BCD-93E2-E3B085C9AB24}">
+                <p16:designElem xmlns:p16="http://schemas.microsoft.com/office/powerpoint/2015/main" val="1"/>
+              </p:ext>
+            </p:extLst>
+          </p:nvPr>
+        </p:nvSpPr>
+        <p:spPr>
+          <a:xfrm>
+            <a:off x="0" y="0"/>
+            <a:ext cx="9144000" cy="6858000"/>
+          </a:xfrm>
+          <a:prstGeom prst="rect">
+            <a:avLst/>
+          </a:prstGeom>
+          <a:ln w="12700" cap="flat" cmpd="sng" algn="ctr">
+            <a:noFill/>
+            <a:prstDash val="solid"/>
+            <a:miter lim="800000"/>
+          </a:ln>
+          <a:effectLst/>
+          <a:extLst>
+            <a:ext uri="{91240B29-F687-4F45-9708-019B960494DF}">
+              <a14:hiddenLine xmlns:a14="http://schemas.microsoft.com/office/drawing/2010/main" w="12700" cap="flat" cmpd="sng" algn="ctr">
+                <a:solidFill>
+                  <a:schemeClr val="accent1">
+                    <a:shade val="50000"/>
+                  </a:schemeClr>
+                </a:solidFill>
+                <a:prstDash val="solid"/>
+                <a:miter lim="800000"/>
+              </a14:hiddenLine>
+            </a:ext>
+          </a:extLst>
+        </p:spPr>
+        <p:style>
+          <a:lnRef idx="2">
+            <a:schemeClr val="accent1">
+              <a:shade val="50000"/>
+            </a:schemeClr>
+          </a:lnRef>
+          <a:fillRef idx="1">
+            <a:schemeClr val="accent1"/>
+          </a:fillRef>
+          <a:effectRef idx="0">
+            <a:schemeClr val="accent1"/>
+          </a:effectRef>
+          <a:fontRef idx="minor">
+            <a:schemeClr val="lt1"/>
+          </a:fontRef>
+        </p:style>
+        <p:txBody>
+          <a:bodyPr rtlCol="0" anchor="ctr"/>
+          <a:lstStyle/>
+          <a:p>
+            <a:pPr algn="ctr"/>
+            <a:endParaRPr lang="en-US" sz="2000"/>
+          </a:p>
+        </p:txBody>
+      </p:sp>
+      <p:sp>
+        <p:nvSpPr>
+          <p:cNvPr id="12" name="Rectangle 11">
+            <a:extLst>
+              <a:ext uri="{FF2B5EF4-FFF2-40B4-BE49-F238E27FC236}">
+                <a16:creationId xmlns:a16="http://schemas.microsoft.com/office/drawing/2014/main" id="{AB5E08C4-8CDD-4623-A5B8-E998C6DEE3B7}"/>
+              </a:ext>
+              <a:ext uri="{C183D7F6-B498-43B3-948B-1728B52AA6E4}">
+                <adec:decorative xmlns:adec="http://schemas.microsoft.com/office/drawing/2017/decorative" val="1"/>
+              </a:ext>
+            </a:extLst>
+          </p:cNvPr>
+          <p:cNvSpPr>
+            <a:spLocks noGrp="1" noRot="1" noChangeAspect="1" noMove="1" noResize="1" noEditPoints="1" noAdjustHandles="1" noChangeArrowheads="1" noChangeShapeType="1" noTextEdit="1"/>
+          </p:cNvSpPr>
+          <p:nvPr>
+            <p:extLst>
+              <p:ext uri="{386F3935-93C4-4BCD-93E2-E3B085C9AB24}">
+                <p16:designElem xmlns:p16="http://schemas.microsoft.com/office/powerpoint/2015/main" val="1"/>
+              </p:ext>
+            </p:extLst>
+          </p:nvPr>
+        </p:nvSpPr>
+        <p:spPr>
+          <a:xfrm flipH="1">
+            <a:off x="1" y="-1500"/>
+            <a:ext cx="9143999" cy="6858000"/>
+          </a:xfrm>
+          <a:prstGeom prst="rect">
+            <a:avLst/>
+          </a:prstGeom>
+          <a:gradFill>
+            <a:gsLst>
+              <a:gs pos="34000">
+                <a:srgbClr val="000000">
+                  <a:alpha val="96000"/>
+                </a:srgbClr>
+              </a:gs>
+              <a:gs pos="100000">
+                <a:schemeClr val="accent1"/>
+              </a:gs>
+            </a:gsLst>
+            <a:lin ang="8400000" scaled="0"/>
+          </a:gradFill>
+          <a:ln>
+            <a:noFill/>
+          </a:ln>
+        </p:spPr>
+        <p:style>
+          <a:lnRef idx="2">
+            <a:schemeClr val="accent1">
+              <a:shade val="50000"/>
+            </a:schemeClr>
+          </a:lnRef>
+          <a:fillRef idx="1">
+            <a:schemeClr val="accent1"/>
+          </a:fillRef>
+          <a:effectRef idx="0">
+            <a:schemeClr val="accent1"/>
+          </a:effectRef>
+          <a:fontRef idx="minor">
+            <a:schemeClr val="lt1"/>
+          </a:fontRef>
+        </p:style>
+        <p:txBody>
+          <a:bodyPr rtlCol="0" anchor="ctr"/>
+          <a:lstStyle/>
+          <a:p>
+            <a:pPr algn="ctr"/>
+            <a:endParaRPr lang="en-US"/>
+          </a:p>
+        </p:txBody>
+      </p:sp>
+      <p:sp>
+        <p:nvSpPr>
+          <p:cNvPr id="14" name="Rectangle 13">
+            <a:extLst>
+              <a:ext uri="{FF2B5EF4-FFF2-40B4-BE49-F238E27FC236}">
+                <a16:creationId xmlns:a16="http://schemas.microsoft.com/office/drawing/2014/main" id="{AFFC87AC-C919-4FE5-BAC3-39509E001152}"/>
+              </a:ext>
+              <a:ext uri="{C183D7F6-B498-43B3-948B-1728B52AA6E4}">
+                <adec:decorative xmlns:adec="http://schemas.microsoft.com/office/drawing/2017/decorative" val="1"/>
+              </a:ext>
+            </a:extLst>
+          </p:cNvPr>
+          <p:cNvSpPr>
+            <a:spLocks noGrp="1" noRot="1" noChangeAspect="1" noMove="1" noResize="1" noEditPoints="1" noAdjustHandles="1" noChangeArrowheads="1" noChangeShapeType="1" noTextEdit="1"/>
+          </p:cNvSpPr>
+          <p:nvPr>
+            <p:extLst>
+              <p:ext uri="{386F3935-93C4-4BCD-93E2-E3B085C9AB24}">
+                <p16:designElem xmlns:p16="http://schemas.microsoft.com/office/powerpoint/2015/main" val="1"/>
+              </p:ext>
+            </p:extLst>
+          </p:nvPr>
+        </p:nvSpPr>
+        <p:spPr>
+          <a:xfrm flipH="1">
+            <a:off x="-3476" y="-1500"/>
+            <a:ext cx="6089949" cy="6858001"/>
+          </a:xfrm>
+          <a:prstGeom prst="rect">
+            <a:avLst/>
+          </a:prstGeom>
+          <a:gradFill>
+            <a:gsLst>
+              <a:gs pos="28000">
+                <a:schemeClr val="accent1">
+                  <a:lumMod val="75000"/>
+                  <a:alpha val="59000"/>
+                </a:schemeClr>
+              </a:gs>
+              <a:gs pos="100000">
+                <a:srgbClr val="000000">
+                  <a:alpha val="70000"/>
+                </a:srgbClr>
+              </a:gs>
+            </a:gsLst>
+            <a:lin ang="11400000" scaled="0"/>
+          </a:gradFill>
+          <a:ln>
+            <a:noFill/>
+          </a:ln>
+        </p:spPr>
+        <p:style>
+          <a:lnRef idx="2">
+            <a:schemeClr val="accent1">
+              <a:shade val="50000"/>
+            </a:schemeClr>
+          </a:lnRef>
+          <a:fillRef idx="1">
+            <a:schemeClr val="accent1"/>
+          </a:fillRef>
+          <a:effectRef idx="0">
+            <a:schemeClr val="accent1"/>
+          </a:effectRef>
+          <a:fontRef idx="minor">
+            <a:schemeClr val="lt1"/>
+          </a:fontRef>
+        </p:style>
+        <p:txBody>
+          <a:bodyPr rtlCol="0" anchor="ctr"/>
+          <a:lstStyle/>
+          <a:p>
+            <a:pPr algn="ctr"/>
+            <a:endParaRPr lang="en-US"/>
+          </a:p>
+        </p:txBody>
+      </p:sp>
+      <p:sp>
+        <p:nvSpPr>
+          <p:cNvPr id="16" name="Rectangle 15">
+            <a:extLst>
+              <a:ext uri="{FF2B5EF4-FFF2-40B4-BE49-F238E27FC236}">
+                <a16:creationId xmlns:a16="http://schemas.microsoft.com/office/drawing/2014/main" id="{7D0659F6-0853-468D-B1B2-44FDBE98B80F}"/>
+              </a:ext>
+              <a:ext uri="{C183D7F6-B498-43B3-948B-1728B52AA6E4}">
+                <adec:decorative xmlns:adec="http://schemas.microsoft.com/office/drawing/2017/decorative" val="1"/>
+              </a:ext>
+            </a:extLst>
+          </p:cNvPr>
+          <p:cNvSpPr>
+            <a:spLocks noGrp="1" noRot="1" noChangeAspect="1" noMove="1" noResize="1" noEditPoints="1" noAdjustHandles="1" noChangeArrowheads="1" noChangeShapeType="1" noTextEdit="1"/>
+          </p:cNvSpPr>
+          <p:nvPr>
+            <p:extLst>
+              <p:ext uri="{386F3935-93C4-4BCD-93E2-E3B085C9AB24}">
+                <p16:designElem xmlns:p16="http://schemas.microsoft.com/office/powerpoint/2015/main" val="1"/>
+              </p:ext>
+            </p:extLst>
+          </p:nvPr>
+        </p:nvSpPr>
+        <p:spPr>
+          <a:xfrm flipH="1">
+            <a:off x="-6954" y="-3000"/>
+            <a:ext cx="9150948" cy="6859501"/>
+          </a:xfrm>
+          <a:prstGeom prst="rect">
+            <a:avLst/>
+          </a:prstGeom>
+          <a:gradFill>
+            <a:gsLst>
+              <a:gs pos="0">
+                <a:srgbClr val="000000">
+                  <a:alpha val="71765"/>
+                </a:srgbClr>
+              </a:gs>
+              <a:gs pos="100000">
+                <a:schemeClr val="accent1">
+                  <a:alpha val="24000"/>
+                </a:schemeClr>
+              </a:gs>
+            </a:gsLst>
+            <a:lin ang="15600000" scaled="0"/>
+          </a:gradFill>
+          <a:ln>
+            <a:noFill/>
+          </a:ln>
+        </p:spPr>
+        <p:style>
+          <a:lnRef idx="2">
+            <a:schemeClr val="accent1">
+              <a:shade val="50000"/>
+            </a:schemeClr>
+          </a:lnRef>
+          <a:fillRef idx="1">
+            <a:schemeClr val="accent1"/>
+          </a:fillRef>
+          <a:effectRef idx="0">
+            <a:schemeClr val="accent1"/>
+          </a:effectRef>
+          <a:fontRef idx="minor">
+            <a:schemeClr val="lt1"/>
+          </a:fontRef>
+        </p:style>
+        <p:txBody>
+          <a:bodyPr rtlCol="0" anchor="ctr"/>
+          <a:lstStyle/>
+          <a:p>
+            <a:pPr algn="ctr"/>
+            <a:endParaRPr lang="en-US"/>
+          </a:p>
+        </p:txBody>
+      </p:sp>
+      <p:sp>
+        <p:nvSpPr>
+          <p:cNvPr id="18" name="Rectangle 17">
+            <a:extLst>
+              <a:ext uri="{FF2B5EF4-FFF2-40B4-BE49-F238E27FC236}">
+                <a16:creationId xmlns:a16="http://schemas.microsoft.com/office/drawing/2014/main" id="{15F33878-D502-4FFA-8ACE-F2AECDB2A23F}"/>
+              </a:ext>
+              <a:ext uri="{C183D7F6-B498-43B3-948B-1728B52AA6E4}">
+                <adec:decorative xmlns:adec="http://schemas.microsoft.com/office/drawing/2017/decorative" val="1"/>
+              </a:ext>
+            </a:extLst>
+          </p:cNvPr>
+          <p:cNvSpPr>
+            <a:spLocks noGrp="1" noRot="1" noChangeAspect="1" noMove="1" noResize="1" noEditPoints="1" noAdjustHandles="1" noChangeArrowheads="1" noChangeShapeType="1" noTextEdit="1"/>
+          </p:cNvSpPr>
+          <p:nvPr>
+            <p:extLst>
+              <p:ext uri="{386F3935-93C4-4BCD-93E2-E3B085C9AB24}">
+                <p16:designElem xmlns:p16="http://schemas.microsoft.com/office/powerpoint/2015/main" val="1"/>
+              </p:ext>
+            </p:extLst>
+          </p:nvPr>
+        </p:nvSpPr>
+        <p:spPr>
+          <a:xfrm flipH="1">
+            <a:off x="358902" y="0"/>
+            <a:ext cx="8788573" cy="6858000"/>
+          </a:xfrm>
+          <a:prstGeom prst="rect">
+            <a:avLst/>
+          </a:prstGeom>
+          <a:gradFill>
+            <a:gsLst>
+              <a:gs pos="19000">
+                <a:srgbClr val="000000">
+                  <a:alpha val="62000"/>
+                </a:srgbClr>
+              </a:gs>
+              <a:gs pos="100000">
+                <a:schemeClr val="accent1">
+                  <a:lumMod val="75000"/>
+                  <a:alpha val="44000"/>
+                </a:schemeClr>
+              </a:gs>
+            </a:gsLst>
+            <a:lin ang="19200000" scaled="0"/>
+          </a:gradFill>
+          <a:ln>
+            <a:noFill/>
+          </a:ln>
+        </p:spPr>
+        <p:style>
+          <a:lnRef idx="2">
+            <a:schemeClr val="accent1">
+              <a:shade val="50000"/>
+            </a:schemeClr>
+          </a:lnRef>
+          <a:fillRef idx="1">
+            <a:schemeClr val="accent1"/>
+          </a:fillRef>
+          <a:effectRef idx="0">
+            <a:schemeClr val="accent1"/>
+          </a:effectRef>
+          <a:fontRef idx="minor">
+            <a:schemeClr val="lt1"/>
+          </a:fontRef>
+        </p:style>
+        <p:txBody>
+          <a:bodyPr rtlCol="0" anchor="ctr"/>
+          <a:lstStyle/>
+          <a:p>
+            <a:pPr algn="ctr"/>
+            <a:endParaRPr lang="en-US"/>
+          </a:p>
+        </p:txBody>
+      </p:sp>
       <p:sp>
         <p:nvSpPr>
           <p:cNvPr id="2" name="Title 1"/>
@@ -3343,12 +6253,29 @@
             <p:ph type="title"/>
           </p:nvPr>
         </p:nvSpPr>
-        <p:spPr/>
-        <p:txBody>
-          <a:bodyPr/>
-          <a:lstStyle/>
-          <a:p>
-            <a:r>
+        <p:spPr>
+          <a:xfrm>
+            <a:off x="640608" y="59726"/>
+            <a:ext cx="7449518" cy="825325"/>
+          </a:xfrm>
+        </p:spPr>
+        <p:txBody>
+          <a:bodyPr vert="horz" lIns="91440" tIns="45720" rIns="91440" bIns="45720" rtlCol="0" anchor="b">
+            <a:normAutofit/>
+          </a:bodyPr>
+          <a:lstStyle/>
+          <a:p>
+            <a:pPr defTabSz="914400">
+              <a:lnSpc>
+                <a:spcPct val="90000"/>
+              </a:lnSpc>
+            </a:pPr>
+            <a:r>
+              <a:rPr lang="en-US" sz="4200" dirty="0">
+                <a:solidFill>
+                  <a:srgbClr val="FFFFFF"/>
+                </a:solidFill>
+              </a:rPr>
               <a:t>Top-Selling Products</a:t>
             </a:r>
           </a:p>
@@ -3356,6 +6283,82 @@
       </p:sp>
       <p:sp>
         <p:nvSpPr>
+          <p:cNvPr id="20" name="Rectangle 19">
+            <a:extLst>
+              <a:ext uri="{FF2B5EF4-FFF2-40B4-BE49-F238E27FC236}">
+                <a16:creationId xmlns:a16="http://schemas.microsoft.com/office/drawing/2014/main" id="{977ACDD7-882D-4B81-A213-84C82B96B01E}"/>
+              </a:ext>
+              <a:ext uri="{C183D7F6-B498-43B3-948B-1728B52AA6E4}">
+                <adec:decorative xmlns:adec="http://schemas.microsoft.com/office/drawing/2017/decorative" val="1"/>
+              </a:ext>
+            </a:extLst>
+          </p:cNvPr>
+          <p:cNvSpPr>
+            <a:spLocks noGrp="1" noRot="1" noChangeAspect="1" noMove="1" noResize="1" noEditPoints="1" noAdjustHandles="1" noChangeArrowheads="1" noChangeShapeType="1" noTextEdit="1"/>
+          </p:cNvSpPr>
+          <p:nvPr>
+            <p:extLst>
+              <p:ext uri="{386F3935-93C4-4BCD-93E2-E3B085C9AB24}">
+                <p16:designElem xmlns:p16="http://schemas.microsoft.com/office/powerpoint/2015/main" val="1"/>
+              </p:ext>
+            </p:extLst>
+          </p:nvPr>
+        </p:nvSpPr>
+        <p:spPr>
+          <a:xfrm rot="10800000">
+            <a:off x="-3" y="2888341"/>
+            <a:ext cx="9152864" cy="3968158"/>
+          </a:xfrm>
+          <a:prstGeom prst="rect">
+            <a:avLst/>
+          </a:prstGeom>
+          <a:gradFill>
+            <a:gsLst>
+              <a:gs pos="0">
+                <a:srgbClr val="000000">
+                  <a:alpha val="0"/>
+                </a:srgbClr>
+              </a:gs>
+              <a:gs pos="99000">
+                <a:schemeClr val="accent1">
+                  <a:lumMod val="50000"/>
+                  <a:alpha val="55000"/>
+                </a:schemeClr>
+              </a:gs>
+            </a:gsLst>
+            <a:lin ang="16800000" scaled="0"/>
+          </a:gradFill>
+          <a:ln>
+            <a:noFill/>
+          </a:ln>
+        </p:spPr>
+        <p:style>
+          <a:lnRef idx="2">
+            <a:schemeClr val="accent1">
+              <a:shade val="50000"/>
+            </a:schemeClr>
+          </a:lnRef>
+          <a:fillRef idx="1">
+            <a:schemeClr val="accent1"/>
+          </a:fillRef>
+          <a:effectRef idx="0">
+            <a:schemeClr val="accent1"/>
+          </a:effectRef>
+          <a:fontRef idx="minor">
+            <a:schemeClr val="lt1"/>
+          </a:fontRef>
+        </p:style>
+        <p:txBody>
+          <a:bodyPr rtlCol="0" anchor="ctr"/>
+          <a:lstStyle/>
+          <a:p>
+            <a:pPr algn="ctr"/>
+            <a:endParaRPr lang="en-US"/>
+          </a:p>
+        </p:txBody>
+      </p:sp>
+      <p:sp>
+        <p:nvSpPr>
           <p:cNvPr id="3" name="Content Placeholder 2"/>
           <p:cNvSpPr>
             <a:spLocks noGrp="1"/>
@@ -3364,17 +6367,208 @@
             <p:ph idx="1"/>
           </p:nvPr>
         </p:nvSpPr>
-        <p:spPr/>
-        <p:txBody>
-          <a:bodyPr/>
-          <a:lstStyle/>
-          <a:p>
-            <a:r>
-              <a:t>Certain products have significantly higher sales volume.</a:t>
-            </a:r>
-          </a:p>
-        </p:txBody>
-      </p:sp>
+        <p:spPr>
+          <a:xfrm>
+            <a:off x="845676" y="4411168"/>
+            <a:ext cx="7449518" cy="2304236"/>
+          </a:xfrm>
+        </p:spPr>
+        <p:txBody>
+          <a:bodyPr vert="horz" lIns="91440" tIns="45720" rIns="91440" bIns="45720" rtlCol="0" anchor="t">
+            <a:normAutofit fontScale="92500" lnSpcReduction="20000"/>
+          </a:bodyPr>
+          <a:lstStyle/>
+          <a:p>
+            <a:pPr marL="0" indent="0">
+              <a:buNone/>
+            </a:pPr>
+            <a:r>
+              <a:rPr lang="en-US" sz="1900" b="1" dirty="0">
+                <a:solidFill>
+                  <a:schemeClr val="bg1"/>
+                </a:solidFill>
+              </a:rPr>
+              <a:t>Top-selling products: </a:t>
+            </a:r>
+            <a:r>
+              <a:rPr lang="en-US" sz="1500" dirty="0">
+                <a:solidFill>
+                  <a:schemeClr val="bg1"/>
+                </a:solidFill>
+              </a:rPr>
+              <a:t>AAA batteries, AA batteries, and USB-C charging cables. </a:t>
+            </a:r>
+          </a:p>
+          <a:p>
+            <a:pPr marL="0" indent="0">
+              <a:buNone/>
+            </a:pPr>
+            <a:r>
+              <a:rPr lang="en-US" sz="1500" dirty="0">
+                <a:solidFill>
+                  <a:schemeClr val="bg1"/>
+                </a:solidFill>
+              </a:rPr>
+              <a:t>This suggests that customers frequently purchase small, inexpensive essentials, likely as add-on or impulse buys.</a:t>
+            </a:r>
+          </a:p>
+          <a:p>
+            <a:pPr marL="0" indent="0">
+              <a:buNone/>
+            </a:pPr>
+            <a:endParaRPr lang="en-US" sz="1200" b="1" dirty="0">
+              <a:solidFill>
+                <a:schemeClr val="bg1"/>
+              </a:solidFill>
+            </a:endParaRPr>
+          </a:p>
+          <a:p>
+            <a:pPr marL="0" indent="0">
+              <a:buNone/>
+            </a:pPr>
+            <a:r>
+              <a:rPr lang="en-US" sz="1900" b="1" dirty="0">
+                <a:solidFill>
+                  <a:schemeClr val="bg1"/>
+                </a:solidFill>
+              </a:rPr>
+              <a:t>Recommendations:</a:t>
+            </a:r>
+          </a:p>
+          <a:p>
+            <a:r>
+              <a:rPr lang="en-US" sz="1700" b="1" dirty="0">
+                <a:solidFill>
+                  <a:schemeClr val="bg1"/>
+                </a:solidFill>
+              </a:rPr>
+              <a:t>Bundle Deals: </a:t>
+            </a:r>
+            <a:r>
+              <a:rPr lang="en-US" sz="1700" dirty="0">
+                <a:solidFill>
+                  <a:schemeClr val="bg1"/>
+                </a:solidFill>
+              </a:rPr>
+              <a:t>Offer battery packs or phone accessories as combo deals.</a:t>
+            </a:r>
+          </a:p>
+          <a:p>
+            <a:r>
+              <a:rPr lang="en-US" sz="1700" b="1" dirty="0">
+                <a:solidFill>
+                  <a:schemeClr val="bg1"/>
+                </a:solidFill>
+              </a:rPr>
+              <a:t>Strategic Placement: </a:t>
+            </a:r>
+            <a:r>
+              <a:rPr lang="en-US" sz="1700" dirty="0">
+                <a:solidFill>
+                  <a:schemeClr val="bg1"/>
+                </a:solidFill>
+              </a:rPr>
+              <a:t>Position these items near checkout or high-traffic areas.</a:t>
+            </a:r>
+          </a:p>
+          <a:p>
+            <a:r>
+              <a:rPr lang="en-US" sz="1700" b="1" dirty="0">
+                <a:solidFill>
+                  <a:schemeClr val="bg1"/>
+                </a:solidFill>
+              </a:rPr>
+              <a:t>Targeted Promotions: </a:t>
+            </a:r>
+            <a:r>
+              <a:rPr lang="en-US" sz="1700" dirty="0">
+                <a:solidFill>
+                  <a:schemeClr val="bg1"/>
+                </a:solidFill>
+              </a:rPr>
+              <a:t>Run discounts or “buy one, get one” offers.</a:t>
+            </a:r>
+          </a:p>
+          <a:p>
+            <a:r>
+              <a:rPr lang="en-US" sz="1700" b="1" dirty="0">
+                <a:solidFill>
+                  <a:schemeClr val="bg1"/>
+                </a:solidFill>
+              </a:rPr>
+              <a:t>Cross-Selling: </a:t>
+            </a:r>
+            <a:r>
+              <a:rPr lang="en-US" sz="1700" dirty="0">
+                <a:solidFill>
+                  <a:schemeClr val="bg1"/>
+                </a:solidFill>
+              </a:rPr>
+              <a:t>Suggest these items when customers buy related electronics.</a:t>
+            </a:r>
+          </a:p>
+        </p:txBody>
+      </p:sp>
+      <p:pic>
+        <p:nvPicPr>
+          <p:cNvPr id="7" name="Picture 6" descr="A graph of blue bars&#10;&#10;AI-generated content may be incorrect.">
+            <a:extLst>
+              <a:ext uri="{FF2B5EF4-FFF2-40B4-BE49-F238E27FC236}">
+                <a16:creationId xmlns:a16="http://schemas.microsoft.com/office/drawing/2014/main" id="{139A96FB-63FA-B43D-C169-33FD494456C1}"/>
+              </a:ext>
+            </a:extLst>
+          </p:cNvPr>
+          <p:cNvPicPr>
+            <a:picLocks noChangeAspect="1"/>
+          </p:cNvPicPr>
+          <p:nvPr/>
+        </p:nvPicPr>
+        <p:blipFill>
+          <a:blip r:embed="rId2"/>
+          <a:stretch>
+            <a:fillRect/>
+          </a:stretch>
+        </p:blipFill>
+        <p:spPr>
+          <a:xfrm>
+            <a:off x="947570" y="1030264"/>
+            <a:ext cx="3511696" cy="3235692"/>
+          </a:xfrm>
+          <a:prstGeom prst="rect">
+            <a:avLst/>
+          </a:prstGeom>
+        </p:spPr>
+      </p:pic>
+      <p:pic>
+        <p:nvPicPr>
+          <p:cNvPr id="9" name="Picture 8" descr="A graph of a product&#10;&#10;AI-generated content may be incorrect.">
+            <a:extLst>
+              <a:ext uri="{FF2B5EF4-FFF2-40B4-BE49-F238E27FC236}">
+                <a16:creationId xmlns:a16="http://schemas.microsoft.com/office/drawing/2014/main" id="{0F6DD215-C9A2-21F5-85C9-412CEA4CAB14}"/>
+              </a:ext>
+            </a:extLst>
+          </p:cNvPr>
+          <p:cNvPicPr>
+            <a:picLocks noChangeAspect="1"/>
+          </p:cNvPicPr>
+          <p:nvPr/>
+        </p:nvPicPr>
+        <p:blipFill>
+          <a:blip r:embed="rId3"/>
+          <a:stretch>
+            <a:fillRect/>
+          </a:stretch>
+        </p:blipFill>
+        <p:spPr>
+          <a:xfrm>
+            <a:off x="4736262" y="1030263"/>
+            <a:ext cx="4131137" cy="3235693"/>
+          </a:xfrm>
+          <a:prstGeom prst="rect">
+            <a:avLst/>
+          </a:prstGeom>
+        </p:spPr>
+      </p:pic>
     </p:spTree>
   </p:cSld>
   <p:clrMapOvr>
@@ -3384,18 +6578,170 @@
 </file>
 
 <file path=ppt/slides/slide6.xml><?xml version="1.0" encoding="utf-8"?>
-<p:sld xmlns:a="http://schemas.openxmlformats.org/drawingml/2006/main" xmlns:p="http://schemas.openxmlformats.org/presentationml/2006/main" xmlns:r="http://schemas.openxmlformats.org/officeDocument/2006/relationships">
+<p:sld xmlns:a="http://schemas.openxmlformats.org/drawingml/2006/main" xmlns:r="http://schemas.openxmlformats.org/officeDocument/2006/relationships" xmlns:p="http://schemas.openxmlformats.org/presentationml/2006/main">
   <p:cSld>
+    <p:bg>
+      <p:bgPr>
+        <a:solidFill>
+          <a:schemeClr val="bg1"/>
+        </a:solidFill>
+        <a:effectLst/>
+      </p:bgPr>
+    </p:bg>
     <p:spTree>
       <p:nvGrpSpPr>
         <p:cNvPr id="1" name=""/>
         <p:cNvGrpSpPr/>
         <p:nvPr/>
       </p:nvGrpSpPr>
-      <p:grpSpPr/>
-      <p:sp>
-        <p:nvSpPr>
-          <p:cNvPr id="2" name="Title 1"/>
+      <p:grpSpPr>
+        <a:xfrm>
+          <a:off x="0" y="0"/>
+          <a:ext cx="0" cy="0"/>
+          <a:chOff x="0" y="0"/>
+          <a:chExt cx="0" cy="0"/>
+        </a:xfrm>
+      </p:grpSpPr>
+      <p:sp>
+        <p:nvSpPr>
+          <p:cNvPr id="47" name="Rectangle 46">
+            <a:extLst>
+              <a:ext uri="{FF2B5EF4-FFF2-40B4-BE49-F238E27FC236}">
+                <a16:creationId xmlns:a16="http://schemas.microsoft.com/office/drawing/2014/main" id="{CBE3092D-4105-4026-9B66-A0011E0CA5E1}"/>
+              </a:ext>
+              <a:ext uri="{C183D7F6-B498-43B3-948B-1728B52AA6E4}">
+                <adec:decorative xmlns:adec="http://schemas.microsoft.com/office/drawing/2017/decorative" val="1"/>
+              </a:ext>
+            </a:extLst>
+          </p:cNvPr>
+          <p:cNvSpPr>
+            <a:spLocks noGrp="1" noRot="1" noChangeAspect="1" noMove="1" noResize="1" noEditPoints="1" noAdjustHandles="1" noChangeArrowheads="1" noChangeShapeType="1" noTextEdit="1"/>
+          </p:cNvSpPr>
+          <p:nvPr>
+            <p:extLst>
+              <p:ext uri="{386F3935-93C4-4BCD-93E2-E3B085C9AB24}">
+                <p16:designElem xmlns:p16="http://schemas.microsoft.com/office/powerpoint/2015/main" val="1"/>
+              </p:ext>
+            </p:extLst>
+          </p:nvPr>
+        </p:nvSpPr>
+        <p:spPr>
+          <a:xfrm>
+            <a:off x="0" y="0"/>
+            <a:ext cx="9144000" cy="6858000"/>
+          </a:xfrm>
+          <a:prstGeom prst="rect">
+            <a:avLst/>
+          </a:prstGeom>
+          <a:solidFill>
+            <a:schemeClr val="tx1"/>
+          </a:solidFill>
+          <a:ln w="12700" cap="flat" cmpd="sng" algn="ctr">
+            <a:noFill/>
+            <a:prstDash val="solid"/>
+            <a:miter lim="800000"/>
+          </a:ln>
+          <a:effectLst/>
+        </p:spPr>
+        <p:style>
+          <a:lnRef idx="2">
+            <a:schemeClr val="accent1">
+              <a:shade val="50000"/>
+            </a:schemeClr>
+          </a:lnRef>
+          <a:fillRef idx="1">
+            <a:schemeClr val="accent1"/>
+          </a:fillRef>
+          <a:effectRef idx="0">
+            <a:schemeClr val="accent1"/>
+          </a:effectRef>
+          <a:fontRef idx="minor">
+            <a:schemeClr val="lt1"/>
+          </a:fontRef>
+        </p:style>
+        <p:txBody>
+          <a:bodyPr rtlCol="0" anchor="ctr"/>
+          <a:lstStyle/>
+          <a:p>
+            <a:pPr algn="ctr"/>
+            <a:endParaRPr lang="en-US"/>
+          </a:p>
+        </p:txBody>
+      </p:sp>
+      <p:sp>
+        <p:nvSpPr>
+          <p:cNvPr id="49" name="Rectangle 48">
+            <a:extLst>
+              <a:ext uri="{FF2B5EF4-FFF2-40B4-BE49-F238E27FC236}">
+                <a16:creationId xmlns:a16="http://schemas.microsoft.com/office/drawing/2014/main" id="{D9759409-BDF8-4BFD-9AF3-4B5C04C2A162}"/>
+              </a:ext>
+              <a:ext uri="{C183D7F6-B498-43B3-948B-1728B52AA6E4}">
+                <adec:decorative xmlns:adec="http://schemas.microsoft.com/office/drawing/2017/decorative" val="1"/>
+              </a:ext>
+            </a:extLst>
+          </p:cNvPr>
+          <p:cNvSpPr>
+            <a:spLocks noGrp="1" noRot="1" noChangeAspect="1" noMove="1" noResize="1" noEditPoints="1" noAdjustHandles="1" noChangeArrowheads="1" noChangeShapeType="1" noTextEdit="1"/>
+          </p:cNvSpPr>
+          <p:nvPr>
+            <p:extLst>
+              <p:ext uri="{386F3935-93C4-4BCD-93E2-E3B085C9AB24}">
+                <p16:designElem xmlns:p16="http://schemas.microsoft.com/office/powerpoint/2015/main" val="1"/>
+              </p:ext>
+            </p:extLst>
+          </p:nvPr>
+        </p:nvSpPr>
+        <p:spPr>
+          <a:xfrm>
+            <a:off x="0" y="0"/>
+            <a:ext cx="5086350" cy="6858000"/>
+          </a:xfrm>
+          <a:prstGeom prst="rect">
+            <a:avLst/>
+          </a:prstGeom>
+          <a:solidFill>
+            <a:schemeClr val="tx2">
+              <a:alpha val="40000"/>
+            </a:schemeClr>
+          </a:solidFill>
+          <a:ln>
+            <a:noFill/>
+          </a:ln>
+        </p:spPr>
+        <p:style>
+          <a:lnRef idx="2">
+            <a:schemeClr val="accent1">
+              <a:shade val="50000"/>
+            </a:schemeClr>
+          </a:lnRef>
+          <a:fillRef idx="1">
+            <a:schemeClr val="accent1"/>
+          </a:fillRef>
+          <a:effectRef idx="0">
+            <a:schemeClr val="accent1"/>
+          </a:effectRef>
+          <a:fontRef idx="minor">
+            <a:schemeClr val="lt1"/>
+          </a:fontRef>
+        </p:style>
+        <p:txBody>
+          <a:bodyPr rtlCol="0" anchor="ctr"/>
+          <a:lstStyle/>
+          <a:p>
+            <a:pPr algn="ctr"/>
+            <a:endParaRPr lang="en-US"/>
+          </a:p>
+        </p:txBody>
+      </p:sp>
+      <p:sp>
+        <p:nvSpPr>
+          <p:cNvPr id="2" name="Title 1">
+            <a:extLst>
+              <a:ext uri="{FF2B5EF4-FFF2-40B4-BE49-F238E27FC236}">
+                <a16:creationId xmlns:a16="http://schemas.microsoft.com/office/drawing/2014/main" id="{C75E14B4-EF12-E23E-D991-47CB8C369DB6}"/>
+              </a:ext>
+            </a:extLst>
+          </p:cNvPr>
           <p:cNvSpPr>
             <a:spLocks noGrp="1"/>
           </p:cNvSpPr>
@@ -3403,43 +6749,1245 @@
             <p:ph type="title"/>
           </p:nvPr>
         </p:nvSpPr>
-        <p:spPr/>
-        <p:txBody>
-          <a:bodyPr/>
-          <a:lstStyle/>
-          <a:p>
-            <a:r>
-              <a:t>Price vs. Quantity Sold</a:t>
-            </a:r>
-          </a:p>
-        </p:txBody>
-      </p:sp>
-      <p:sp>
-        <p:nvSpPr>
-          <p:cNvPr id="3" name="Content Placeholder 2"/>
-          <p:cNvSpPr>
-            <a:spLocks noGrp="1"/>
-          </p:cNvSpPr>
+        <p:spPr>
+          <a:xfrm>
+            <a:off x="653582" y="685800"/>
+            <a:ext cx="3779187" cy="1474666"/>
+          </a:xfrm>
+        </p:spPr>
+        <p:txBody>
+          <a:bodyPr vert="horz" lIns="91440" tIns="45720" rIns="91440" bIns="45720" rtlCol="0" anchor="b">
+            <a:normAutofit/>
+          </a:bodyPr>
+          <a:lstStyle/>
+          <a:p>
+            <a:pPr defTabSz="914400">
+              <a:lnSpc>
+                <a:spcPct val="90000"/>
+              </a:lnSpc>
+            </a:pPr>
+            <a:r>
+              <a:rPr lang="en-US" sz="2800" kern="1200">
+                <a:solidFill>
+                  <a:schemeClr val="bg1">
+                    <a:alpha val="60000"/>
+                  </a:schemeClr>
+                </a:solidFill>
+                <a:latin typeface="+mj-lt"/>
+                <a:ea typeface="+mj-ea"/>
+                <a:cs typeface="+mj-cs"/>
+              </a:rPr>
+              <a:t>Most Common Product Purchased Together</a:t>
+            </a:r>
+            <a:br>
+              <a:rPr lang="en-US" sz="2800" kern="1200">
+                <a:solidFill>
+                  <a:schemeClr val="bg1">
+                    <a:alpha val="60000"/>
+                  </a:schemeClr>
+                </a:solidFill>
+                <a:latin typeface="+mj-lt"/>
+                <a:ea typeface="+mj-ea"/>
+                <a:cs typeface="+mj-cs"/>
+              </a:rPr>
+            </a:br>
+            <a:endParaRPr lang="en-US" sz="2800" kern="1200">
+              <a:solidFill>
+                <a:schemeClr val="bg1">
+                  <a:alpha val="60000"/>
+                </a:schemeClr>
+              </a:solidFill>
+              <a:latin typeface="+mj-lt"/>
+              <a:ea typeface="+mj-ea"/>
+              <a:cs typeface="+mj-cs"/>
+            </a:endParaRPr>
+          </a:p>
+        </p:txBody>
+      </p:sp>
+      <p:sp>
+        <p:nvSpPr>
+          <p:cNvPr id="5" name="TextBox 4">
+            <a:extLst>
+              <a:ext uri="{FF2B5EF4-FFF2-40B4-BE49-F238E27FC236}">
+                <a16:creationId xmlns:a16="http://schemas.microsoft.com/office/drawing/2014/main" id="{828DDBA8-B1F1-4597-EB23-9A745B3D14F3}"/>
+              </a:ext>
+            </a:extLst>
+          </p:cNvPr>
+          <p:cNvSpPr txBox="1"/>
+          <p:nvPr/>
+        </p:nvSpPr>
+        <p:spPr>
+          <a:xfrm>
+            <a:off x="653582" y="2458094"/>
+            <a:ext cx="3779187" cy="3714104"/>
+          </a:xfrm>
+          <a:prstGeom prst="rect">
+            <a:avLst/>
+          </a:prstGeom>
+        </p:spPr>
+        <p:txBody>
+          <a:bodyPr vert="horz" lIns="91440" tIns="45720" rIns="91440" bIns="45720" rtlCol="0" anchor="t">
+            <a:normAutofit/>
+          </a:bodyPr>
+          <a:lstStyle/>
+          <a:p>
+            <a:pPr defTabSz="914400">
+              <a:lnSpc>
+                <a:spcPct val="90000"/>
+              </a:lnSpc>
+              <a:spcAft>
+                <a:spcPts val="600"/>
+              </a:spcAft>
+            </a:pPr>
+            <a:r>
+              <a:rPr lang="en-US" b="1" dirty="0">
+                <a:solidFill>
+                  <a:schemeClr val="bg1"/>
+                </a:solidFill>
+              </a:rPr>
+              <a:t>Recommendations:</a:t>
+            </a:r>
+          </a:p>
+          <a:p>
+            <a:pPr marL="285750" indent="-228600" defTabSz="914400">
+              <a:lnSpc>
+                <a:spcPct val="90000"/>
+              </a:lnSpc>
+              <a:spcAft>
+                <a:spcPts val="600"/>
+              </a:spcAft>
+              <a:buFont typeface="Arial" panose="020B0604020202020204" pitchFamily="34" charset="0"/>
+              <a:buChar char="•"/>
+            </a:pPr>
+            <a:r>
+              <a:rPr lang="en-US" sz="1700" dirty="0">
+                <a:solidFill>
+                  <a:schemeClr val="bg1"/>
+                </a:solidFill>
+              </a:rPr>
+              <a:t>Bundle these frequently bought-together items to increase sales.</a:t>
+            </a:r>
+          </a:p>
+          <a:p>
+            <a:pPr marL="285750" indent="-228600" defTabSz="914400">
+              <a:lnSpc>
+                <a:spcPct val="90000"/>
+              </a:lnSpc>
+              <a:spcAft>
+                <a:spcPts val="600"/>
+              </a:spcAft>
+              <a:buFont typeface="Arial" panose="020B0604020202020204" pitchFamily="34" charset="0"/>
+              <a:buChar char="•"/>
+            </a:pPr>
+            <a:r>
+              <a:rPr lang="en-US" sz="1700" dirty="0">
+                <a:solidFill>
+                  <a:schemeClr val="bg1"/>
+                </a:solidFill>
+              </a:rPr>
+              <a:t>Offer discounts on complementary products to encourage upselling.</a:t>
+            </a:r>
+          </a:p>
+          <a:p>
+            <a:pPr marL="285750" indent="-228600" defTabSz="914400">
+              <a:lnSpc>
+                <a:spcPct val="90000"/>
+              </a:lnSpc>
+              <a:spcAft>
+                <a:spcPts val="600"/>
+              </a:spcAft>
+              <a:buFont typeface="Arial" panose="020B0604020202020204" pitchFamily="34" charset="0"/>
+              <a:buChar char="•"/>
+            </a:pPr>
+            <a:r>
+              <a:rPr lang="en-US" sz="1700" dirty="0">
+                <a:solidFill>
+                  <a:schemeClr val="bg1"/>
+                </a:solidFill>
+              </a:rPr>
+              <a:t>Optimize inventory based on these patterns to avoid stock shortages.</a:t>
+            </a:r>
+          </a:p>
+          <a:p>
+            <a:pPr indent="-228600" defTabSz="914400">
+              <a:lnSpc>
+                <a:spcPct val="90000"/>
+              </a:lnSpc>
+              <a:spcAft>
+                <a:spcPts val="600"/>
+              </a:spcAft>
+              <a:buFont typeface="Arial" panose="020B0604020202020204" pitchFamily="34" charset="0"/>
+              <a:buChar char="•"/>
+            </a:pPr>
+            <a:endParaRPr lang="en-US" sz="1700" dirty="0">
+              <a:solidFill>
+                <a:schemeClr val="bg1"/>
+              </a:solidFill>
+            </a:endParaRPr>
+          </a:p>
+        </p:txBody>
+      </p:sp>
+      <p:graphicFrame>
+        <p:nvGraphicFramePr>
+          <p:cNvPr id="4" name="Content Placeholder 3">
+            <a:extLst>
+              <a:ext uri="{FF2B5EF4-FFF2-40B4-BE49-F238E27FC236}">
+                <a16:creationId xmlns:a16="http://schemas.microsoft.com/office/drawing/2014/main" id="{A369F69B-40EF-44E5-1FAB-61D4CE7A5D45}"/>
+              </a:ext>
+            </a:extLst>
+          </p:cNvPr>
+          <p:cNvGraphicFramePr>
+            <a:graphicFrameLocks noGrp="1"/>
+          </p:cNvGraphicFramePr>
           <p:nvPr>
             <p:ph idx="1"/>
-          </p:nvPr>
-        </p:nvSpPr>
-        <p:spPr/>
-        <p:txBody>
-          <a:bodyPr/>
-          <a:lstStyle/>
-          <a:p>
-            <a:r>
-              <a:t>Lower-priced items tend to have higher sales volume.</a:t>
-            </a:r>
-          </a:p>
-        </p:txBody>
-      </p:sp>
+            <p:extLst>
+              <p:ext uri="{D42A27DB-BD31-4B8C-83A1-F6EECF244321}">
+                <p14:modId xmlns:p14="http://schemas.microsoft.com/office/powerpoint/2010/main" val="1826181576"/>
+              </p:ext>
+            </p:extLst>
+          </p:nvPr>
+        </p:nvGraphicFramePr>
+        <p:xfrm>
+          <a:off x="5595801" y="1018783"/>
+          <a:ext cx="3088342" cy="4820436"/>
+        </p:xfrm>
+        <a:graphic>
+          <a:graphicData uri="http://schemas.openxmlformats.org/drawingml/2006/table">
+            <a:tbl>
+              <a:tblPr firstRow="1" bandRow="1">
+                <a:tableStyleId>{8EC20E35-A176-4012-BC5E-935CFFF8708E}</a:tableStyleId>
+              </a:tblPr>
+              <a:tblGrid>
+                <a:gridCol w="2227499">
+                  <a:extLst>
+                    <a:ext uri="{9D8B030D-6E8A-4147-A177-3AD203B41FA5}">
+                      <a16:colId xmlns:a16="http://schemas.microsoft.com/office/drawing/2014/main" val="3190092468"/>
+                    </a:ext>
+                  </a:extLst>
+                </a:gridCol>
+                <a:gridCol w="860843">
+                  <a:extLst>
+                    <a:ext uri="{9D8B030D-6E8A-4147-A177-3AD203B41FA5}">
+                      <a16:colId xmlns:a16="http://schemas.microsoft.com/office/drawing/2014/main" val="885264463"/>
+                    </a:ext>
+                  </a:extLst>
+                </a:gridCol>
+              </a:tblGrid>
+              <a:tr h="865008">
+                <a:tc>
+                  <a:txBody>
+                    <a:bodyPr/>
+                    <a:lstStyle/>
+                    <a:p>
+                      <a:r>
+                        <a:rPr lang="en-US" sz="1600" dirty="0"/>
+                        <a:t>Most Common Product Purchased Together</a:t>
+                      </a:r>
+                    </a:p>
+                  </a:txBody>
+                  <a:tcPr marL="84728" marR="84728" marT="42364" marB="42364"/>
+                </a:tc>
+                <a:tc>
+                  <a:txBody>
+                    <a:bodyPr/>
+                    <a:lstStyle/>
+                    <a:p>
+                      <a:r>
+                        <a:rPr lang="en-US" sz="1600"/>
+                        <a:t># of Times</a:t>
+                      </a:r>
+                    </a:p>
+                  </a:txBody>
+                  <a:tcPr marL="84728" marR="84728" marT="42364" marB="42364"/>
+                </a:tc>
+                <a:extLst>
+                  <a:ext uri="{0D108BD9-81ED-4DB2-BD59-A6C34878D82A}">
+                    <a16:rowId xmlns:a16="http://schemas.microsoft.com/office/drawing/2014/main" val="334480596"/>
+                  </a:ext>
+                </a:extLst>
+              </a:tr>
+              <a:tr h="618084">
+                <a:tc>
+                  <a:txBody>
+                    <a:bodyPr/>
+                    <a:lstStyle/>
+                    <a:p>
+                      <a:r>
+                        <a:rPr lang="en-US" sz="1600" b="0" kern="1200">
+                          <a:solidFill>
+                            <a:schemeClr val="dk1"/>
+                          </a:solidFill>
+                          <a:effectLst/>
+                        </a:rPr>
+                        <a:t>iPhone, Lightning Charging Cable</a:t>
+                      </a:r>
+                      <a:endParaRPr lang="en-US" sz="1600"/>
+                    </a:p>
+                  </a:txBody>
+                  <a:tcPr marL="84728" marR="84728" marT="42364" marB="42364"/>
+                </a:tc>
+                <a:tc>
+                  <a:txBody>
+                    <a:bodyPr/>
+                    <a:lstStyle/>
+                    <a:p>
+                      <a:r>
+                        <a:rPr lang="en-US" sz="1600" b="0" kern="1200">
+                          <a:solidFill>
+                            <a:schemeClr val="dk1"/>
+                          </a:solidFill>
+                          <a:effectLst/>
+                        </a:rPr>
+                        <a:t>1005</a:t>
+                      </a:r>
+                      <a:endParaRPr lang="en-US" sz="1600"/>
+                    </a:p>
+                  </a:txBody>
+                  <a:tcPr marL="84728" marR="84728" marT="42364" marB="42364"/>
+                </a:tc>
+                <a:extLst>
+                  <a:ext uri="{0D108BD9-81ED-4DB2-BD59-A6C34878D82A}">
+                    <a16:rowId xmlns:a16="http://schemas.microsoft.com/office/drawing/2014/main" val="2496126171"/>
+                  </a:ext>
+                </a:extLst>
+              </a:tr>
+              <a:tr h="618084">
+                <a:tc>
+                  <a:txBody>
+                    <a:bodyPr/>
+                    <a:lstStyle/>
+                    <a:p>
+                      <a:r>
+                        <a:rPr lang="en-US" sz="1600" b="0" kern="1200">
+                          <a:solidFill>
+                            <a:schemeClr val="dk1"/>
+                          </a:solidFill>
+                          <a:effectLst/>
+                        </a:rPr>
+                        <a:t>Google Phone, USB-C Charging Cable</a:t>
+                      </a:r>
+                      <a:endParaRPr lang="en-US" sz="1600"/>
+                    </a:p>
+                  </a:txBody>
+                  <a:tcPr marL="84728" marR="84728" marT="42364" marB="42364"/>
+                </a:tc>
+                <a:tc>
+                  <a:txBody>
+                    <a:bodyPr/>
+                    <a:lstStyle/>
+                    <a:p>
+                      <a:r>
+                        <a:rPr lang="en-US" sz="1600" b="0" kern="1200">
+                          <a:solidFill>
+                            <a:schemeClr val="dk1"/>
+                          </a:solidFill>
+                          <a:effectLst/>
+                        </a:rPr>
+                        <a:t>987</a:t>
+                      </a:r>
+                      <a:endParaRPr lang="en-US" sz="1600"/>
+                    </a:p>
+                  </a:txBody>
+                  <a:tcPr marL="84728" marR="84728" marT="42364" marB="42364"/>
+                </a:tc>
+                <a:extLst>
+                  <a:ext uri="{0D108BD9-81ED-4DB2-BD59-A6C34878D82A}">
+                    <a16:rowId xmlns:a16="http://schemas.microsoft.com/office/drawing/2014/main" val="3967075270"/>
+                  </a:ext>
+                </a:extLst>
+              </a:tr>
+              <a:tr h="618084">
+                <a:tc>
+                  <a:txBody>
+                    <a:bodyPr/>
+                    <a:lstStyle/>
+                    <a:p>
+                      <a:r>
+                        <a:rPr lang="en-US" sz="1600" b="0" kern="1200">
+                          <a:solidFill>
+                            <a:schemeClr val="dk1"/>
+                          </a:solidFill>
+                          <a:effectLst/>
+                        </a:rPr>
+                        <a:t>iPhone, Wired Headphones</a:t>
+                      </a:r>
+                      <a:endParaRPr lang="en-US" sz="1600"/>
+                    </a:p>
+                  </a:txBody>
+                  <a:tcPr marL="84728" marR="84728" marT="42364" marB="42364"/>
+                </a:tc>
+                <a:tc>
+                  <a:txBody>
+                    <a:bodyPr/>
+                    <a:lstStyle/>
+                    <a:p>
+                      <a:r>
+                        <a:rPr lang="en-US" sz="1600" b="0" kern="1200">
+                          <a:solidFill>
+                            <a:schemeClr val="dk1"/>
+                          </a:solidFill>
+                          <a:effectLst/>
+                        </a:rPr>
+                        <a:t>447</a:t>
+                      </a:r>
+                      <a:endParaRPr lang="en-US" sz="1600"/>
+                    </a:p>
+                  </a:txBody>
+                  <a:tcPr marL="84728" marR="84728" marT="42364" marB="42364"/>
+                </a:tc>
+                <a:extLst>
+                  <a:ext uri="{0D108BD9-81ED-4DB2-BD59-A6C34878D82A}">
+                    <a16:rowId xmlns:a16="http://schemas.microsoft.com/office/drawing/2014/main" val="861118000"/>
+                  </a:ext>
+                </a:extLst>
+              </a:tr>
+              <a:tr h="618084">
+                <a:tc>
+                  <a:txBody>
+                    <a:bodyPr/>
+                    <a:lstStyle/>
+                    <a:p>
+                      <a:r>
+                        <a:rPr lang="en-US" sz="1600" b="0" kern="1200">
+                          <a:solidFill>
+                            <a:schemeClr val="dk1"/>
+                          </a:solidFill>
+                          <a:effectLst/>
+                        </a:rPr>
+                        <a:t>Google Phone, Wired Headphones</a:t>
+                      </a:r>
+                      <a:endParaRPr lang="en-US" sz="1600"/>
+                    </a:p>
+                  </a:txBody>
+                  <a:tcPr marL="84728" marR="84728" marT="42364" marB="42364"/>
+                </a:tc>
+                <a:tc>
+                  <a:txBody>
+                    <a:bodyPr/>
+                    <a:lstStyle/>
+                    <a:p>
+                      <a:r>
+                        <a:rPr lang="en-US" sz="1600" b="0" kern="1200">
+                          <a:solidFill>
+                            <a:schemeClr val="dk1"/>
+                          </a:solidFill>
+                          <a:effectLst/>
+                        </a:rPr>
+                        <a:t>414</a:t>
+                      </a:r>
+                      <a:endParaRPr lang="en-US" sz="1600"/>
+                    </a:p>
+                  </a:txBody>
+                  <a:tcPr marL="84728" marR="84728" marT="42364" marB="42364"/>
+                </a:tc>
+                <a:extLst>
+                  <a:ext uri="{0D108BD9-81ED-4DB2-BD59-A6C34878D82A}">
+                    <a16:rowId xmlns:a16="http://schemas.microsoft.com/office/drawing/2014/main" val="2059461862"/>
+                  </a:ext>
+                </a:extLst>
+              </a:tr>
+              <a:tr h="865008">
+                <a:tc>
+                  <a:txBody>
+                    <a:bodyPr/>
+                    <a:lstStyle/>
+                    <a:p>
+                      <a:r>
+                        <a:rPr lang="en-US" sz="1600" b="0" kern="1200">
+                          <a:solidFill>
+                            <a:schemeClr val="dk1"/>
+                          </a:solidFill>
+                          <a:effectLst/>
+                        </a:rPr>
+                        <a:t>Vareebadd Phone, USB-C Charging Cable</a:t>
+                      </a:r>
+                      <a:endParaRPr lang="en-US" sz="1600"/>
+                    </a:p>
+                  </a:txBody>
+                  <a:tcPr marL="84728" marR="84728" marT="42364" marB="42364"/>
+                </a:tc>
+                <a:tc>
+                  <a:txBody>
+                    <a:bodyPr/>
+                    <a:lstStyle/>
+                    <a:p>
+                      <a:r>
+                        <a:rPr lang="en-US" sz="1600" b="0" kern="1200">
+                          <a:solidFill>
+                            <a:schemeClr val="dk1"/>
+                          </a:solidFill>
+                          <a:effectLst/>
+                        </a:rPr>
+                        <a:t>361</a:t>
+                      </a:r>
+                      <a:endParaRPr lang="en-US" sz="1600"/>
+                    </a:p>
+                  </a:txBody>
+                  <a:tcPr marL="84728" marR="84728" marT="42364" marB="42364"/>
+                </a:tc>
+                <a:extLst>
+                  <a:ext uri="{0D108BD9-81ED-4DB2-BD59-A6C34878D82A}">
+                    <a16:rowId xmlns:a16="http://schemas.microsoft.com/office/drawing/2014/main" val="3100598967"/>
+                  </a:ext>
+                </a:extLst>
+              </a:tr>
+              <a:tr h="618084">
+                <a:tc>
+                  <a:txBody>
+                    <a:bodyPr/>
+                    <a:lstStyle/>
+                    <a:p>
+                      <a:r>
+                        <a:rPr lang="en-US" sz="1600" b="0" kern="1200">
+                          <a:solidFill>
+                            <a:schemeClr val="dk1"/>
+                          </a:solidFill>
+                          <a:effectLst/>
+                        </a:rPr>
+                        <a:t>iPhone, Apple Airpods Headphones</a:t>
+                      </a:r>
+                      <a:endParaRPr lang="en-US" sz="1600"/>
+                    </a:p>
+                  </a:txBody>
+                  <a:tcPr marL="84728" marR="84728" marT="42364" marB="42364"/>
+                </a:tc>
+                <a:tc>
+                  <a:txBody>
+                    <a:bodyPr/>
+                    <a:lstStyle/>
+                    <a:p>
+                      <a:r>
+                        <a:rPr lang="en-US" sz="1600" b="0" kern="1200" dirty="0">
+                          <a:solidFill>
+                            <a:schemeClr val="dk1"/>
+                          </a:solidFill>
+                          <a:effectLst/>
+                        </a:rPr>
+                        <a:t>360</a:t>
+                      </a:r>
+                      <a:endParaRPr lang="en-US" sz="1600" dirty="0"/>
+                    </a:p>
+                  </a:txBody>
+                  <a:tcPr marL="84728" marR="84728" marT="42364" marB="42364"/>
+                </a:tc>
+                <a:extLst>
+                  <a:ext uri="{0D108BD9-81ED-4DB2-BD59-A6C34878D82A}">
+                    <a16:rowId xmlns:a16="http://schemas.microsoft.com/office/drawing/2014/main" val="509027799"/>
+                  </a:ext>
+                </a:extLst>
+              </a:tr>
+            </a:tbl>
+          </a:graphicData>
+        </a:graphic>
+      </p:graphicFrame>
     </p:spTree>
+    <p:extLst>
+      <p:ext uri="{BB962C8B-B14F-4D97-AF65-F5344CB8AC3E}">
+        <p14:creationId xmlns:p14="http://schemas.microsoft.com/office/powerpoint/2010/main" val="1648271662"/>
+      </p:ext>
+    </p:extLst>
   </p:cSld>
   <p:clrMapOvr>
     <a:masterClrMapping/>
   </p:clrMapOvr>
+</p:sld>
+</file>
+
+<file path=ppt/slides/slide7.xml><?xml version="1.0" encoding="utf-8"?>
+<p:sld xmlns:a="http://schemas.openxmlformats.org/drawingml/2006/main" xmlns:r="http://schemas.openxmlformats.org/officeDocument/2006/relationships" xmlns:p="http://schemas.openxmlformats.org/presentationml/2006/main">
+  <p:cSld>
+    <p:bg>
+      <p:bgPr>
+        <a:solidFill>
+          <a:schemeClr val="bg1"/>
+        </a:solidFill>
+        <a:effectLst/>
+      </p:bgPr>
+    </p:bg>
+    <p:spTree>
+      <p:nvGrpSpPr>
+        <p:cNvPr id="1" name=""/>
+        <p:cNvGrpSpPr/>
+        <p:nvPr/>
+      </p:nvGrpSpPr>
+      <p:grpSpPr>
+        <a:xfrm>
+          <a:off x="0" y="0"/>
+          <a:ext cx="0" cy="0"/>
+          <a:chOff x="0" y="0"/>
+          <a:chExt cx="0" cy="0"/>
+        </a:xfrm>
+      </p:grpSpPr>
+      <p:sp useBgFill="1">
+        <p:nvSpPr>
+          <p:cNvPr id="7" name="Rectangle 6">
+            <a:extLst>
+              <a:ext uri="{FF2B5EF4-FFF2-40B4-BE49-F238E27FC236}">
+                <a16:creationId xmlns:a16="http://schemas.microsoft.com/office/drawing/2014/main" id="{6F5A5072-7B47-4D32-B52A-4EBBF590B8A5}"/>
+              </a:ext>
+              <a:ext uri="{C183D7F6-B498-43B3-948B-1728B52AA6E4}">
+                <adec:decorative xmlns:adec="http://schemas.microsoft.com/office/drawing/2017/decorative" val="1"/>
+              </a:ext>
+            </a:extLst>
+          </p:cNvPr>
+          <p:cNvSpPr>
+            <a:spLocks noGrp="1" noRot="1" noChangeAspect="1" noMove="1" noResize="1" noEditPoints="1" noAdjustHandles="1" noChangeArrowheads="1" noChangeShapeType="1" noTextEdit="1"/>
+          </p:cNvSpPr>
+          <p:nvPr>
+            <p:extLst>
+              <p:ext uri="{386F3935-93C4-4BCD-93E2-E3B085C9AB24}">
+                <p16:designElem xmlns:p16="http://schemas.microsoft.com/office/powerpoint/2015/main" val="1"/>
+              </p:ext>
+            </p:extLst>
+          </p:nvPr>
+        </p:nvSpPr>
+        <p:spPr>
+          <a:xfrm>
+            <a:off x="0" y="0"/>
+            <a:ext cx="9144000" cy="6858000"/>
+          </a:xfrm>
+          <a:prstGeom prst="rect">
+            <a:avLst/>
+          </a:prstGeom>
+          <a:ln w="12700" cap="flat" cmpd="sng" algn="ctr">
+            <a:noFill/>
+            <a:prstDash val="solid"/>
+            <a:miter lim="800000"/>
+          </a:ln>
+          <a:effectLst/>
+          <a:extLst>
+            <a:ext uri="{91240B29-F687-4F45-9708-019B960494DF}">
+              <a14:hiddenLine xmlns:a14="http://schemas.microsoft.com/office/drawing/2010/main" w="12700" cap="flat" cmpd="sng" algn="ctr">
+                <a:solidFill>
+                  <a:schemeClr val="accent1">
+                    <a:shade val="50000"/>
+                  </a:schemeClr>
+                </a:solidFill>
+                <a:prstDash val="solid"/>
+                <a:miter lim="800000"/>
+              </a14:hiddenLine>
+            </a:ext>
+          </a:extLst>
+        </p:spPr>
+        <p:style>
+          <a:lnRef idx="2">
+            <a:schemeClr val="accent1">
+              <a:shade val="50000"/>
+            </a:schemeClr>
+          </a:lnRef>
+          <a:fillRef idx="1">
+            <a:schemeClr val="accent1"/>
+          </a:fillRef>
+          <a:effectRef idx="0">
+            <a:schemeClr val="accent1"/>
+          </a:effectRef>
+          <a:fontRef idx="minor">
+            <a:schemeClr val="lt1"/>
+          </a:fontRef>
+        </p:style>
+        <p:txBody>
+          <a:bodyPr rtlCol="0" anchor="ctr"/>
+          <a:lstStyle/>
+          <a:p>
+            <a:pPr algn="ctr"/>
+            <a:endParaRPr lang="en-US"/>
+          </a:p>
+        </p:txBody>
+      </p:sp>
+      <p:sp>
+        <p:nvSpPr>
+          <p:cNvPr id="9" name="Rectangle 8">
+            <a:extLst>
+              <a:ext uri="{FF2B5EF4-FFF2-40B4-BE49-F238E27FC236}">
+                <a16:creationId xmlns:a16="http://schemas.microsoft.com/office/drawing/2014/main" id="{9715DAF0-AE1B-46C9-8A6B-DB2AA05AB91D}"/>
+              </a:ext>
+              <a:ext uri="{C183D7F6-B498-43B3-948B-1728B52AA6E4}">
+                <adec:decorative xmlns:adec="http://schemas.microsoft.com/office/drawing/2017/decorative" val="1"/>
+              </a:ext>
+            </a:extLst>
+          </p:cNvPr>
+          <p:cNvSpPr>
+            <a:spLocks noGrp="1" noRot="1" noChangeAspect="1" noMove="1" noResize="1" noEditPoints="1" noAdjustHandles="1" noChangeArrowheads="1" noChangeShapeType="1" noTextEdit="1"/>
+          </p:cNvSpPr>
+          <p:nvPr>
+            <p:extLst>
+              <p:ext uri="{386F3935-93C4-4BCD-93E2-E3B085C9AB24}">
+                <p16:designElem xmlns:p16="http://schemas.microsoft.com/office/powerpoint/2015/main" val="1"/>
+              </p:ext>
+            </p:extLst>
+          </p:nvPr>
+        </p:nvSpPr>
+        <p:spPr>
+          <a:xfrm rot="10800000">
+            <a:off x="-1" y="-22693"/>
+            <a:ext cx="9143998" cy="4374129"/>
+          </a:xfrm>
+          <a:prstGeom prst="rect">
+            <a:avLst/>
+          </a:prstGeom>
+          <a:gradFill>
+            <a:gsLst>
+              <a:gs pos="0">
+                <a:schemeClr val="accent1">
+                  <a:lumMod val="75000"/>
+                </a:schemeClr>
+              </a:gs>
+              <a:gs pos="100000">
+                <a:srgbClr val="000000"/>
+              </a:gs>
+            </a:gsLst>
+            <a:lin ang="15000000" scaled="0"/>
+          </a:gradFill>
+          <a:ln>
+            <a:noFill/>
+          </a:ln>
+        </p:spPr>
+        <p:style>
+          <a:lnRef idx="2">
+            <a:schemeClr val="accent1">
+              <a:shade val="50000"/>
+            </a:schemeClr>
+          </a:lnRef>
+          <a:fillRef idx="1">
+            <a:schemeClr val="accent1"/>
+          </a:fillRef>
+          <a:effectRef idx="0">
+            <a:schemeClr val="accent1"/>
+          </a:effectRef>
+          <a:fontRef idx="minor">
+            <a:schemeClr val="lt1"/>
+          </a:fontRef>
+        </p:style>
+        <p:txBody>
+          <a:bodyPr rtlCol="0" anchor="ctr"/>
+          <a:lstStyle/>
+          <a:p>
+            <a:pPr algn="ctr"/>
+            <a:endParaRPr lang="en-US"/>
+          </a:p>
+        </p:txBody>
+      </p:sp>
+      <p:sp>
+        <p:nvSpPr>
+          <p:cNvPr id="11" name="Rectangle 10">
+            <a:extLst>
+              <a:ext uri="{FF2B5EF4-FFF2-40B4-BE49-F238E27FC236}">
+                <a16:creationId xmlns:a16="http://schemas.microsoft.com/office/drawing/2014/main" id="{6016219D-510E-4184-9090-6D5578A87BD1}"/>
+              </a:ext>
+              <a:ext uri="{C183D7F6-B498-43B3-948B-1728B52AA6E4}">
+                <adec:decorative xmlns:adec="http://schemas.microsoft.com/office/drawing/2017/decorative" val="1"/>
+              </a:ext>
+            </a:extLst>
+          </p:cNvPr>
+          <p:cNvSpPr>
+            <a:spLocks noGrp="1" noRot="1" noChangeAspect="1" noMove="1" noResize="1" noEditPoints="1" noAdjustHandles="1" noChangeArrowheads="1" noChangeShapeType="1" noTextEdit="1"/>
+          </p:cNvSpPr>
+          <p:nvPr>
+            <p:extLst>
+              <p:ext uri="{386F3935-93C4-4BCD-93E2-E3B085C9AB24}">
+                <p16:designElem xmlns:p16="http://schemas.microsoft.com/office/powerpoint/2015/main" val="1"/>
+              </p:ext>
+            </p:extLst>
+          </p:nvPr>
+        </p:nvSpPr>
+        <p:spPr>
+          <a:xfrm rot="5400000">
+            <a:off x="2384720" y="-2407841"/>
+            <a:ext cx="4374557" cy="9144000"/>
+          </a:xfrm>
+          <a:prstGeom prst="rect">
+            <a:avLst/>
+          </a:prstGeom>
+          <a:gradFill>
+            <a:gsLst>
+              <a:gs pos="40000">
+                <a:schemeClr val="accent1">
+                  <a:alpha val="0"/>
+                </a:schemeClr>
+              </a:gs>
+              <a:gs pos="100000">
+                <a:schemeClr val="accent1">
+                  <a:lumMod val="75000"/>
+                  <a:alpha val="52000"/>
+                </a:schemeClr>
+              </a:gs>
+            </a:gsLst>
+            <a:lin ang="2400000" scaled="0"/>
+          </a:gradFill>
+          <a:ln>
+            <a:noFill/>
+          </a:ln>
+        </p:spPr>
+        <p:style>
+          <a:lnRef idx="2">
+            <a:schemeClr val="accent1">
+              <a:shade val="50000"/>
+            </a:schemeClr>
+          </a:lnRef>
+          <a:fillRef idx="1">
+            <a:schemeClr val="accent1"/>
+          </a:fillRef>
+          <a:effectRef idx="0">
+            <a:schemeClr val="accent1"/>
+          </a:effectRef>
+          <a:fontRef idx="minor">
+            <a:schemeClr val="lt1"/>
+          </a:fontRef>
+        </p:style>
+        <p:txBody>
+          <a:bodyPr rtlCol="0" anchor="ctr"/>
+          <a:lstStyle/>
+          <a:p>
+            <a:pPr algn="ctr"/>
+            <a:endParaRPr lang="en-US"/>
+          </a:p>
+        </p:txBody>
+      </p:sp>
+      <p:sp>
+        <p:nvSpPr>
+          <p:cNvPr id="13" name="Rectangle 12">
+            <a:extLst>
+              <a:ext uri="{FF2B5EF4-FFF2-40B4-BE49-F238E27FC236}">
+                <a16:creationId xmlns:a16="http://schemas.microsoft.com/office/drawing/2014/main" id="{AFF4A713-7B75-4B21-90D7-5AB19547C728}"/>
+              </a:ext>
+              <a:ext uri="{C183D7F6-B498-43B3-948B-1728B52AA6E4}">
+                <adec:decorative xmlns:adec="http://schemas.microsoft.com/office/drawing/2017/decorative" val="1"/>
+              </a:ext>
+            </a:extLst>
+          </p:cNvPr>
+          <p:cNvSpPr>
+            <a:spLocks noGrp="1" noRot="1" noChangeAspect="1" noMove="1" noResize="1" noEditPoints="1" noAdjustHandles="1" noChangeArrowheads="1" noChangeShapeType="1" noTextEdit="1"/>
+          </p:cNvSpPr>
+          <p:nvPr>
+            <p:extLst>
+              <p:ext uri="{386F3935-93C4-4BCD-93E2-E3B085C9AB24}">
+                <p16:designElem xmlns:p16="http://schemas.microsoft.com/office/powerpoint/2015/main" val="1"/>
+              </p:ext>
+            </p:extLst>
+          </p:nvPr>
+        </p:nvSpPr>
+        <p:spPr>
+          <a:xfrm rot="5400000">
+            <a:off x="2555756" y="-2236808"/>
+            <a:ext cx="4374128" cy="8802359"/>
+          </a:xfrm>
+          <a:prstGeom prst="rect">
+            <a:avLst/>
+          </a:prstGeom>
+          <a:gradFill>
+            <a:gsLst>
+              <a:gs pos="17000">
+                <a:schemeClr val="accent1">
+                  <a:alpha val="0"/>
+                </a:schemeClr>
+              </a:gs>
+              <a:gs pos="100000">
+                <a:srgbClr val="000000">
+                  <a:alpha val="37000"/>
+                </a:srgbClr>
+              </a:gs>
+            </a:gsLst>
+            <a:lin ang="7800000" scaled="0"/>
+          </a:gradFill>
+          <a:ln>
+            <a:noFill/>
+          </a:ln>
+        </p:spPr>
+        <p:style>
+          <a:lnRef idx="2">
+            <a:schemeClr val="accent1">
+              <a:shade val="50000"/>
+            </a:schemeClr>
+          </a:lnRef>
+          <a:fillRef idx="1">
+            <a:schemeClr val="accent1"/>
+          </a:fillRef>
+          <a:effectRef idx="0">
+            <a:schemeClr val="accent1"/>
+          </a:effectRef>
+          <a:fontRef idx="minor">
+            <a:schemeClr val="lt1"/>
+          </a:fontRef>
+        </p:style>
+        <p:txBody>
+          <a:bodyPr rtlCol="0" anchor="ctr"/>
+          <a:lstStyle/>
+          <a:p>
+            <a:pPr algn="ctr"/>
+            <a:endParaRPr lang="en-US"/>
+          </a:p>
+        </p:txBody>
+      </p:sp>
+      <p:sp>
+        <p:nvSpPr>
+          <p:cNvPr id="15" name="Rectangle 14">
+            <a:extLst>
+              <a:ext uri="{FF2B5EF4-FFF2-40B4-BE49-F238E27FC236}">
+                <a16:creationId xmlns:a16="http://schemas.microsoft.com/office/drawing/2014/main" id="{DC631C0B-6DA6-4E57-8231-CE32B3434A7E}"/>
+              </a:ext>
+              <a:ext uri="{C183D7F6-B498-43B3-948B-1728B52AA6E4}">
+                <adec:decorative xmlns:adec="http://schemas.microsoft.com/office/drawing/2017/decorative" val="1"/>
+              </a:ext>
+            </a:extLst>
+          </p:cNvPr>
+          <p:cNvSpPr>
+            <a:spLocks noGrp="1" noRot="1" noChangeAspect="1" noMove="1" noResize="1" noEditPoints="1" noAdjustHandles="1" noChangeArrowheads="1" noChangeShapeType="1" noTextEdit="1"/>
+          </p:cNvSpPr>
+          <p:nvPr>
+            <p:extLst>
+              <p:ext uri="{386F3935-93C4-4BCD-93E2-E3B085C9AB24}">
+                <p16:designElem xmlns:p16="http://schemas.microsoft.com/office/powerpoint/2015/main" val="1"/>
+              </p:ext>
+            </p:extLst>
+          </p:nvPr>
+        </p:nvSpPr>
+        <p:spPr>
+          <a:xfrm>
+            <a:off x="-3" y="-22690"/>
+            <a:ext cx="6406863" cy="4374126"/>
+          </a:xfrm>
+          <a:prstGeom prst="rect">
+            <a:avLst/>
+          </a:prstGeom>
+          <a:gradFill>
+            <a:gsLst>
+              <a:gs pos="0">
+                <a:schemeClr val="accent1">
+                  <a:lumMod val="50000"/>
+                  <a:alpha val="0"/>
+                </a:schemeClr>
+              </a:gs>
+              <a:gs pos="100000">
+                <a:srgbClr val="000000">
+                  <a:alpha val="25000"/>
+                </a:srgbClr>
+              </a:gs>
+            </a:gsLst>
+            <a:lin ang="18600000" scaled="0"/>
+          </a:gradFill>
+          <a:ln>
+            <a:noFill/>
+          </a:ln>
+        </p:spPr>
+        <p:style>
+          <a:lnRef idx="2">
+            <a:schemeClr val="accent1">
+              <a:shade val="50000"/>
+            </a:schemeClr>
+          </a:lnRef>
+          <a:fillRef idx="1">
+            <a:schemeClr val="accent1"/>
+          </a:fillRef>
+          <a:effectRef idx="0">
+            <a:schemeClr val="accent1"/>
+          </a:effectRef>
+          <a:fontRef idx="minor">
+            <a:schemeClr val="lt1"/>
+          </a:fontRef>
+        </p:style>
+        <p:txBody>
+          <a:bodyPr rtlCol="0" anchor="ctr"/>
+          <a:lstStyle/>
+          <a:p>
+            <a:pPr algn="ctr"/>
+            <a:endParaRPr lang="en-US"/>
+          </a:p>
+        </p:txBody>
+      </p:sp>
+      <p:sp>
+        <p:nvSpPr>
+          <p:cNvPr id="17" name="Freeform: Shape 16">
+            <a:extLst>
+              <a:ext uri="{FF2B5EF4-FFF2-40B4-BE49-F238E27FC236}">
+                <a16:creationId xmlns:a16="http://schemas.microsoft.com/office/drawing/2014/main" id="{C29501E6-A978-4A61-9689-9085AF97A53A}"/>
+              </a:ext>
+              <a:ext uri="{C183D7F6-B498-43B3-948B-1728B52AA6E4}">
+                <adec:decorative xmlns:adec="http://schemas.microsoft.com/office/drawing/2017/decorative" val="1"/>
+              </a:ext>
+            </a:extLst>
+          </p:cNvPr>
+          <p:cNvSpPr>
+            <a:spLocks noGrp="1" noRot="1" noChangeAspect="1" noMove="1" noResize="1" noEditPoints="1" noAdjustHandles="1" noChangeArrowheads="1" noChangeShapeType="1" noTextEdit="1"/>
+          </p:cNvSpPr>
+          <p:nvPr>
+            <p:extLst>
+              <p:ext uri="{386F3935-93C4-4BCD-93E2-E3B085C9AB24}">
+                <p16:designElem xmlns:p16="http://schemas.microsoft.com/office/powerpoint/2015/main" val="1"/>
+              </p:ext>
+            </p:extLst>
+          </p:nvPr>
+        </p:nvSpPr>
+        <p:spPr>
+          <a:xfrm rot="12508972">
+            <a:off x="4459073" y="-1032053"/>
+            <a:ext cx="3742610" cy="4439131"/>
+          </a:xfrm>
+          <a:custGeom>
+            <a:avLst/>
+            <a:gdLst>
+              <a:gd name="connsiteX0" fmla="*/ 4990147 w 4990147"/>
+              <a:gd name="connsiteY0" fmla="*/ 2229378 h 4439131"/>
+              <a:gd name="connsiteX1" fmla="*/ 917384 w 4990147"/>
+              <a:gd name="connsiteY1" fmla="*/ 4439131 h 4439131"/>
+              <a:gd name="connsiteX2" fmla="*/ 910814 w 4990147"/>
+              <a:gd name="connsiteY2" fmla="*/ 4434219 h 4439131"/>
+              <a:gd name="connsiteX3" fmla="*/ 0 w 4990147"/>
+              <a:gd name="connsiteY3" fmla="*/ 2502877 h 4439131"/>
+              <a:gd name="connsiteX4" fmla="*/ 2502877 w 4990147"/>
+              <a:gd name="connsiteY4" fmla="*/ 0 h 4439131"/>
+              <a:gd name="connsiteX5" fmla="*/ 4954904 w 4990147"/>
+              <a:gd name="connsiteY5" fmla="*/ 1998460 h 4439131"/>
+            </a:gdLst>
+            <a:ahLst/>
+            <a:cxnLst>
+              <a:cxn ang="0">
+                <a:pos x="connsiteX0" y="connsiteY0"/>
+              </a:cxn>
+              <a:cxn ang="0">
+                <a:pos x="connsiteX1" y="connsiteY1"/>
+              </a:cxn>
+              <a:cxn ang="0">
+                <a:pos x="connsiteX2" y="connsiteY2"/>
+              </a:cxn>
+              <a:cxn ang="0">
+                <a:pos x="connsiteX3" y="connsiteY3"/>
+              </a:cxn>
+              <a:cxn ang="0">
+                <a:pos x="connsiteX4" y="connsiteY4"/>
+              </a:cxn>
+              <a:cxn ang="0">
+                <a:pos x="connsiteX5" y="connsiteY5"/>
+              </a:cxn>
+            </a:cxnLst>
+            <a:rect l="l" t="t" r="r" b="b"/>
+            <a:pathLst>
+              <a:path w="4990147" h="4439131">
+                <a:moveTo>
+                  <a:pt x="4990147" y="2229378"/>
+                </a:moveTo>
+                <a:lnTo>
+                  <a:pt x="917384" y="4439131"/>
+                </a:lnTo>
+                <a:lnTo>
+                  <a:pt x="910814" y="4434219"/>
+                </a:lnTo>
+                <a:cubicBezTo>
+                  <a:pt x="354557" y="3975154"/>
+                  <a:pt x="0" y="3280421"/>
+                  <a:pt x="0" y="2502877"/>
+                </a:cubicBezTo>
+                <a:cubicBezTo>
+                  <a:pt x="0" y="1120576"/>
+                  <a:pt x="1120576" y="0"/>
+                  <a:pt x="2502877" y="0"/>
+                </a:cubicBezTo>
+                <a:cubicBezTo>
+                  <a:pt x="3712390" y="0"/>
+                  <a:pt x="4721520" y="857941"/>
+                  <a:pt x="4954904" y="1998460"/>
+                </a:cubicBezTo>
+                <a:close/>
+              </a:path>
+            </a:pathLst>
+          </a:custGeom>
+          <a:gradFill>
+            <a:gsLst>
+              <a:gs pos="0">
+                <a:schemeClr val="accent1">
+                  <a:alpha val="22000"/>
+                </a:schemeClr>
+              </a:gs>
+              <a:gs pos="87000">
+                <a:schemeClr val="accent1">
+                  <a:lumMod val="60000"/>
+                  <a:lumOff val="40000"/>
+                  <a:alpha val="2000"/>
+                </a:schemeClr>
+              </a:gs>
+            </a:gsLst>
+            <a:lin ang="8400000" scaled="0"/>
+          </a:gradFill>
+          <a:ln>
+            <a:noFill/>
+          </a:ln>
+        </p:spPr>
+        <p:style>
+          <a:lnRef idx="2">
+            <a:schemeClr val="accent1">
+              <a:shade val="50000"/>
+            </a:schemeClr>
+          </a:lnRef>
+          <a:fillRef idx="1">
+            <a:schemeClr val="accent1"/>
+          </a:fillRef>
+          <a:effectRef idx="0">
+            <a:schemeClr val="accent1"/>
+          </a:effectRef>
+          <a:fontRef idx="minor">
+            <a:schemeClr val="lt1"/>
+          </a:fontRef>
+        </p:style>
+        <p:txBody>
+          <a:bodyPr wrap="square" rtlCol="0" anchor="ctr">
+            <a:noAutofit/>
+          </a:bodyPr>
+          <a:lstStyle/>
+          <a:p>
+            <a:pPr algn="ctr"/>
+            <a:endParaRPr lang="en-US" dirty="0"/>
+          </a:p>
+        </p:txBody>
+      </p:sp>
+      <p:sp>
+        <p:nvSpPr>
+          <p:cNvPr id="2" name="Title 1">
+            <a:extLst>
+              <a:ext uri="{FF2B5EF4-FFF2-40B4-BE49-F238E27FC236}">
+                <a16:creationId xmlns:a16="http://schemas.microsoft.com/office/drawing/2014/main" id="{39FF0F9B-1A8D-EB17-F0EB-A37616437FED}"/>
+              </a:ext>
+            </a:extLst>
+          </p:cNvPr>
+          <p:cNvSpPr>
+            <a:spLocks noGrp="1"/>
+          </p:cNvSpPr>
+          <p:nvPr>
+            <p:ph type="title"/>
+          </p:nvPr>
+        </p:nvSpPr>
+        <p:spPr>
+          <a:xfrm>
+            <a:off x="986118" y="735106"/>
+            <a:ext cx="7540322" cy="2928470"/>
+          </a:xfrm>
+        </p:spPr>
+        <p:txBody>
+          <a:bodyPr vert="horz" lIns="91440" tIns="45720" rIns="91440" bIns="45720" rtlCol="0" anchor="b">
+            <a:normAutofit/>
+          </a:bodyPr>
+          <a:lstStyle/>
+          <a:p>
+            <a:pPr algn="l" defTabSz="914400">
+              <a:lnSpc>
+                <a:spcPct val="90000"/>
+              </a:lnSpc>
+            </a:pPr>
+            <a:r>
+              <a:rPr lang="en-US" sz="4200" kern="1200">
+                <a:solidFill>
+                  <a:srgbClr val="FFFFFF"/>
+                </a:solidFill>
+                <a:latin typeface="+mj-lt"/>
+                <a:ea typeface="+mj-ea"/>
+                <a:cs typeface="+mj-cs"/>
+              </a:rPr>
+              <a:t>THANK YOU!</a:t>
+            </a:r>
+          </a:p>
+        </p:txBody>
+      </p:sp>
+    </p:spTree>
+    <p:extLst>
+      <p:ext uri="{BB962C8B-B14F-4D97-AF65-F5344CB8AC3E}">
+        <p14:creationId xmlns:p14="http://schemas.microsoft.com/office/powerpoint/2010/main" val="4292543068"/>
+      </p:ext>
+    </p:extLst>
+  </p:cSld>
+  <p:clrMapOvr>
+    <a:masterClrMapping/>
+  </p:clrMapOvr>
+  <p:timing>
+    <p:tnLst>
+      <p:par>
+        <p:cTn id="1" dur="indefinite" restart="never" nodeType="tmRoot">
+          <p:childTnLst>
+            <p:seq concurrent="1" nextAc="seek">
+              <p:cTn id="2" dur="indefinite" nodeType="mainSeq">
+                <p:childTnLst>
+                  <p:par>
+                    <p:cTn id="3" fill="hold">
+                      <p:stCondLst>
+                        <p:cond delay="indefinite"/>
+                        <p:cond evt="onBegin" delay="0">
+                          <p:tn val="2"/>
+                        </p:cond>
+                      </p:stCondLst>
+                      <p:childTnLst>
+                        <p:par>
+                          <p:cTn id="4" fill="hold">
+                            <p:stCondLst>
+                              <p:cond delay="0"/>
+                            </p:stCondLst>
+                            <p:childTnLst>
+                              <p:par>
+                                <p:cTn id="5" presetID="10" presetClass="entr" presetSubtype="0" fill="hold" grpId="0" nodeType="withEffect">
+                                  <p:stCondLst>
+                                    <p:cond delay="500"/>
+                                  </p:stCondLst>
+                                  <p:iterate type="wd">
+                                    <p:tmPct val="15000"/>
+                                  </p:iterate>
+                                  <p:childTnLst>
+                                    <p:set>
+                                      <p:cBhvr>
+                                        <p:cTn id="6" dur="1" fill="hold">
+                                          <p:stCondLst>
+                                            <p:cond delay="0"/>
+                                          </p:stCondLst>
+                                        </p:cTn>
+                                        <p:tgtEl>
+                                          <p:spTgt spid="2"/>
+                                        </p:tgtEl>
+                                        <p:attrNameLst>
+                                          <p:attrName>style.visibility</p:attrName>
+                                        </p:attrNameLst>
+                                      </p:cBhvr>
+                                      <p:to>
+                                        <p:strVal val="visible"/>
+                                      </p:to>
+                                    </p:set>
+                                    <p:animEffect transition="in" filter="fade">
+                                      <p:cBhvr>
+                                        <p:cTn id="7" dur="1000"/>
+                                        <p:tgtEl>
+                                          <p:spTgt spid="2"/>
+                                        </p:tgtEl>
+                                      </p:cBhvr>
+                                    </p:animEffect>
+                                  </p:childTnLst>
+                                </p:cTn>
+                              </p:par>
+                            </p:childTnLst>
+                          </p:cTn>
+                        </p:par>
+                      </p:childTnLst>
+                    </p:cTn>
+                  </p:par>
+                </p:childTnLst>
+              </p:cTn>
+              <p:prevCondLst>
+                <p:cond evt="onPrev" delay="0">
+                  <p:tgtEl>
+                    <p:sldTgt/>
+                  </p:tgtEl>
+                </p:cond>
+              </p:prevCondLst>
+              <p:nextCondLst>
+                <p:cond evt="onNext" delay="0">
+                  <p:tgtEl>
+                    <p:sldTgt/>
+                  </p:tgtEl>
+                </p:cond>
+              </p:nextCondLst>
+            </p:seq>
+          </p:childTnLst>
+        </p:cTn>
+      </p:par>
+    </p:tnLst>
+    <p:bldLst>
+      <p:bldP spid="2" grpId="0"/>
+    </p:bldLst>
+  </p:timing>
 </p:sld>
 </file>
 
